--- a/DocumentoPSIQ/PSIQ.pptx
+++ b/DocumentoPSIQ/PSIQ.pptx
@@ -8,7 +8,14 @@
     <p:sldId id="256" r:id="rId2"/>
     <p:sldId id="257" r:id="rId3"/>
     <p:sldId id="258" r:id="rId4"/>
-    <p:sldId id="259" r:id="rId5"/>
+    <p:sldId id="261" r:id="rId5"/>
+    <p:sldId id="262" r:id="rId6"/>
+    <p:sldId id="259" r:id="rId7"/>
+    <p:sldId id="260" r:id="rId8"/>
+    <p:sldId id="265" r:id="rId9"/>
+    <p:sldId id="263" r:id="rId10"/>
+    <p:sldId id="266" r:id="rId11"/>
+    <p:sldId id="264" r:id="rId12"/>
   </p:sldIdLst>
   <p:sldSz cx="9144000" cy="6858000" type="screen4x3"/>
   <p:notesSz cx="6858000" cy="9144000"/>
@@ -390,7 +397,7 @@
           <a:p>
             <a:fld id="{B225FCC5-4AAF-49A2-93AB-99056224CF82}" type="datetimeFigureOut">
               <a:rPr lang="pt-BR" smtClean="0"/>
-              <a:t>24/06/2018</a:t>
+              <a:t>25/06/2018</a:t>
             </a:fld>
             <a:endParaRPr lang="pt-BR"/>
           </a:p>
@@ -783,7 +790,7 @@
           <a:p>
             <a:fld id="{B225FCC5-4AAF-49A2-93AB-99056224CF82}" type="datetimeFigureOut">
               <a:rPr lang="pt-BR" smtClean="0"/>
-              <a:t>24/06/2018</a:t>
+              <a:t>25/06/2018</a:t>
             </a:fld>
             <a:endParaRPr lang="pt-BR"/>
           </a:p>
@@ -1315,7 +1322,7 @@
           <a:p>
             <a:fld id="{B225FCC5-4AAF-49A2-93AB-99056224CF82}" type="datetimeFigureOut">
               <a:rPr lang="pt-BR" smtClean="0"/>
-              <a:t>24/06/2018</a:t>
+              <a:t>25/06/2018</a:t>
             </a:fld>
             <a:endParaRPr lang="pt-BR"/>
           </a:p>
@@ -1448,7 +1455,7 @@
           <a:p>
             <a:fld id="{B225FCC5-4AAF-49A2-93AB-99056224CF82}" type="datetimeFigureOut">
               <a:rPr lang="pt-BR" smtClean="0"/>
-              <a:t>24/06/2018</a:t>
+              <a:t>25/06/2018</a:t>
             </a:fld>
             <a:endParaRPr lang="pt-BR"/>
           </a:p>
@@ -1991,7 +1998,7 @@
           <a:p>
             <a:fld id="{B225FCC5-4AAF-49A2-93AB-99056224CF82}" type="datetimeFigureOut">
               <a:rPr lang="pt-BR" smtClean="0"/>
-              <a:t>24/06/2018</a:t>
+              <a:t>25/06/2018</a:t>
             </a:fld>
             <a:endParaRPr lang="pt-BR"/>
           </a:p>
@@ -2286,7 +2293,7 @@
           <a:p>
             <a:fld id="{B225FCC5-4AAF-49A2-93AB-99056224CF82}" type="datetimeFigureOut">
               <a:rPr lang="pt-BR" smtClean="0"/>
-              <a:t>24/06/2018</a:t>
+              <a:t>25/06/2018</a:t>
             </a:fld>
             <a:endParaRPr lang="pt-BR"/>
           </a:p>
@@ -2945,7 +2952,7 @@
           <a:p>
             <a:fld id="{B225FCC5-4AAF-49A2-93AB-99056224CF82}" type="datetimeFigureOut">
               <a:rPr lang="pt-BR" smtClean="0"/>
-              <a:t>24/06/2018</a:t>
+              <a:t>25/06/2018</a:t>
             </a:fld>
             <a:endParaRPr lang="pt-BR"/>
           </a:p>
@@ -3381,7 +3388,7 @@
           <a:p>
             <a:fld id="{B225FCC5-4AAF-49A2-93AB-99056224CF82}" type="datetimeFigureOut">
               <a:rPr lang="pt-BR" smtClean="0"/>
-              <a:t>24/06/2018</a:t>
+              <a:t>25/06/2018</a:t>
             </a:fld>
             <a:endParaRPr lang="pt-BR"/>
           </a:p>
@@ -3694,7 +3701,7 @@
           <a:p>
             <a:fld id="{B225FCC5-4AAF-49A2-93AB-99056224CF82}" type="datetimeFigureOut">
               <a:rPr lang="pt-BR" smtClean="0"/>
-              <a:t>24/06/2018</a:t>
+              <a:t>25/06/2018</a:t>
             </a:fld>
             <a:endParaRPr lang="pt-BR"/>
           </a:p>
@@ -4426,7 +4433,7 @@
           <a:p>
             <a:fld id="{B225FCC5-4AAF-49A2-93AB-99056224CF82}" type="datetimeFigureOut">
               <a:rPr lang="pt-BR" smtClean="0"/>
-              <a:t>24/06/2018</a:t>
+              <a:t>25/06/2018</a:t>
             </a:fld>
             <a:endParaRPr lang="pt-BR"/>
           </a:p>
@@ -5090,7 +5097,7 @@
           <a:p>
             <a:fld id="{B225FCC5-4AAF-49A2-93AB-99056224CF82}" type="datetimeFigureOut">
               <a:rPr lang="pt-BR" smtClean="0"/>
-              <a:t>24/06/2018</a:t>
+              <a:t>25/06/2018</a:t>
             </a:fld>
             <a:endParaRPr lang="pt-BR"/>
           </a:p>
@@ -5363,7 +5370,7 @@
           <a:p>
             <a:fld id="{B225FCC5-4AAF-49A2-93AB-99056224CF82}" type="datetimeFigureOut">
               <a:rPr lang="pt-BR" smtClean="0"/>
-              <a:t>24/06/2018</a:t>
+              <a:t>25/06/2018</a:t>
             </a:fld>
             <a:endParaRPr lang="pt-BR"/>
           </a:p>
@@ -6165,6 +6172,179 @@
 </p:sld>
 </file>
 
+<file path=ppt/slides/slide10.xml><?xml version="1.0" encoding="utf-8"?>
+<p:sld xmlns:a="http://schemas.openxmlformats.org/drawingml/2006/main" xmlns:r="http://schemas.openxmlformats.org/officeDocument/2006/relationships" xmlns:p="http://schemas.openxmlformats.org/presentationml/2006/main">
+  <p:cSld>
+    <p:spTree>
+      <p:nvGrpSpPr>
+        <p:cNvPr id="1" name=""/>
+        <p:cNvGrpSpPr/>
+        <p:nvPr/>
+      </p:nvGrpSpPr>
+      <p:grpSpPr>
+        <a:xfrm>
+          <a:off x="0" y="0"/>
+          <a:ext cx="0" cy="0"/>
+          <a:chOff x="0" y="0"/>
+          <a:chExt cx="0" cy="0"/>
+        </a:xfrm>
+      </p:grpSpPr>
+      <p:sp>
+        <p:nvSpPr>
+          <p:cNvPr id="2" name="Título 1"/>
+          <p:cNvSpPr>
+            <a:spLocks noGrp="1"/>
+          </p:cNvSpPr>
+          <p:nvPr>
+            <p:ph type="title"/>
+          </p:nvPr>
+        </p:nvSpPr>
+        <p:spPr/>
+        <p:txBody>
+          <a:bodyPr/>
+          <a:lstStyle/>
+          <a:p>
+            <a:r>
+              <a:rPr lang="pt-BR" smtClean="0"/>
+              <a:t>DIAGRAMA  DE </a:t>
+            </a:r>
+            <a:r>
+              <a:rPr lang="pt-BR" dirty="0" smtClean="0"/>
+              <a:t>CLASSE:</a:t>
+            </a:r>
+            <a:endParaRPr lang="pt-BR" dirty="0"/>
+          </a:p>
+        </p:txBody>
+      </p:sp>
+      <p:sp>
+        <p:nvSpPr>
+          <p:cNvPr id="3" name="Espaço Reservado para Conteúdo 2"/>
+          <p:cNvSpPr>
+            <a:spLocks noGrp="1"/>
+          </p:cNvSpPr>
+          <p:nvPr>
+            <p:ph sz="quarter" idx="1"/>
+          </p:nvPr>
+        </p:nvSpPr>
+        <p:spPr/>
+        <p:txBody>
+          <a:bodyPr/>
+          <a:lstStyle/>
+          <a:p>
+            <a:pPr marL="0" indent="0">
+              <a:buNone/>
+            </a:pPr>
+            <a:endParaRPr lang="pt-BR" dirty="0" smtClean="0"/>
+          </a:p>
+          <a:p>
+            <a:r>
+              <a:rPr lang="pt-BR" dirty="0"/>
+              <a:t>	Um diagrama de classe é um diagrama que mostra um conjunto de classes, interfaces e colaborações e seus relacionamentos. Graficamente, um diagrama de classes é uma coleção de vértices e arcos. Eles são importantes não só para a visualização, a especificação e a documentação de modelos estruturais, mas também para a construção de sistemas executáveis por intermédio de engenharia direta ou reversa. (BOOCH, 2012)</a:t>
+            </a:r>
+          </a:p>
+        </p:txBody>
+      </p:sp>
+    </p:spTree>
+    <p:extLst>
+      <p:ext uri="{BB962C8B-B14F-4D97-AF65-F5344CB8AC3E}">
+        <p14:creationId xmlns:p14="http://schemas.microsoft.com/office/powerpoint/2010/main" val="781854496"/>
+      </p:ext>
+    </p:extLst>
+  </p:cSld>
+  <p:clrMapOvr>
+    <a:masterClrMapping/>
+  </p:clrMapOvr>
+  <p:timing>
+    <p:tnLst>
+      <p:par>
+        <p:cTn id="1" dur="indefinite" restart="never" nodeType="tmRoot"/>
+      </p:par>
+    </p:tnLst>
+  </p:timing>
+</p:sld>
+</file>
+
+<file path=ppt/slides/slide11.xml><?xml version="1.0" encoding="utf-8"?>
+<p:sld xmlns:a="http://schemas.openxmlformats.org/drawingml/2006/main" xmlns:r="http://schemas.openxmlformats.org/officeDocument/2006/relationships" xmlns:p="http://schemas.openxmlformats.org/presentationml/2006/main">
+  <p:cSld>
+    <p:spTree>
+      <p:nvGrpSpPr>
+        <p:cNvPr id="1" name=""/>
+        <p:cNvGrpSpPr/>
+        <p:nvPr/>
+      </p:nvGrpSpPr>
+      <p:grpSpPr>
+        <a:xfrm>
+          <a:off x="0" y="0"/>
+          <a:ext cx="0" cy="0"/>
+          <a:chOff x="0" y="0"/>
+          <a:chExt cx="0" cy="0"/>
+        </a:xfrm>
+      </p:grpSpPr>
+      <p:sp>
+        <p:nvSpPr>
+          <p:cNvPr id="2" name="Título 1"/>
+          <p:cNvSpPr>
+            <a:spLocks noGrp="1"/>
+          </p:cNvSpPr>
+          <p:nvPr>
+            <p:ph type="title"/>
+          </p:nvPr>
+        </p:nvSpPr>
+        <p:spPr/>
+        <p:txBody>
+          <a:bodyPr/>
+          <a:lstStyle/>
+          <a:p>
+            <a:r>
+              <a:rPr lang="pt-BR" dirty="0" smtClean="0"/>
+              <a:t>DIAGRAMA DE CLASSE:</a:t>
+            </a:r>
+            <a:endParaRPr lang="pt-BR" dirty="0"/>
+          </a:p>
+        </p:txBody>
+      </p:sp>
+      <p:pic>
+        <p:nvPicPr>
+          <p:cNvPr id="3" name="Imagem 2"/>
+          <p:cNvPicPr/>
+          <p:nvPr/>
+        </p:nvPicPr>
+        <p:blipFill>
+          <a:blip r:embed="rId2">
+            <a:extLst>
+              <a:ext uri="{28A0092B-C50C-407E-A947-70E740481C1C}">
+                <a14:useLocalDpi xmlns:a14="http://schemas.microsoft.com/office/drawing/2010/main" val="0"/>
+              </a:ext>
+            </a:extLst>
+          </a:blip>
+          <a:stretch>
+            <a:fillRect/>
+          </a:stretch>
+        </p:blipFill>
+        <p:spPr>
+          <a:xfrm>
+            <a:off x="323528" y="1488085"/>
+            <a:ext cx="8568952" cy="5107191"/>
+          </a:xfrm>
+          <a:prstGeom prst="rect">
+            <a:avLst/>
+          </a:prstGeom>
+        </p:spPr>
+      </p:pic>
+    </p:spTree>
+    <p:extLst>
+      <p:ext uri="{BB962C8B-B14F-4D97-AF65-F5344CB8AC3E}">
+        <p14:creationId xmlns:p14="http://schemas.microsoft.com/office/powerpoint/2010/main" val="3167741729"/>
+      </p:ext>
+    </p:extLst>
+  </p:cSld>
+  <p:clrMapOvr>
+    <a:masterClrMapping/>
+  </p:clrMapOvr>
+</p:sld>
+</file>
+
 <file path=ppt/slides/slide2.xml><?xml version="1.0" encoding="utf-8"?>
 <p:sld xmlns:a="http://schemas.openxmlformats.org/drawingml/2006/main" xmlns:r="http://schemas.openxmlformats.org/officeDocument/2006/relationships" xmlns:p="http://schemas.openxmlformats.org/presentationml/2006/main">
   <p:cSld>
@@ -6237,12 +6417,8 @@
               <a:t>Forma de controle de consultas e de </a:t>
             </a:r>
             <a:r>
-              <a:rPr lang="pt-BR" dirty="0" err="1" smtClean="0"/>
-              <a:t>dignósticos</a:t>
-            </a:r>
-            <a:r>
               <a:rPr lang="pt-BR" dirty="0" smtClean="0"/>
-              <a:t>.</a:t>
+              <a:t>diagnósticos.</a:t>
             </a:r>
             <a:endParaRPr lang="pt-BR" dirty="0"/>
           </a:p>
@@ -6394,6 +6570,256 @@
           <a:p>
             <a:r>
               <a:rPr lang="pt-BR" dirty="0" smtClean="0"/>
+              <a:t>PROBLEMATIZAÇÃO:</a:t>
+            </a:r>
+            <a:endParaRPr lang="pt-BR" dirty="0"/>
+          </a:p>
+        </p:txBody>
+      </p:sp>
+      <p:sp>
+        <p:nvSpPr>
+          <p:cNvPr id="3" name="Espaço Reservado para Conteúdo 2"/>
+          <p:cNvSpPr>
+            <a:spLocks noGrp="1"/>
+          </p:cNvSpPr>
+          <p:nvPr>
+            <p:ph sz="quarter" idx="1"/>
+          </p:nvPr>
+        </p:nvSpPr>
+        <p:spPr/>
+        <p:txBody>
+          <a:bodyPr/>
+          <a:lstStyle/>
+          <a:p>
+            <a:pPr marL="0" indent="0">
+              <a:buNone/>
+            </a:pPr>
+            <a:endParaRPr lang="pt-BR" dirty="0" smtClean="0"/>
+          </a:p>
+          <a:p>
+            <a:pPr marL="0" indent="0">
+              <a:buNone/>
+            </a:pPr>
+            <a:endParaRPr lang="pt-BR" dirty="0" smtClean="0"/>
+          </a:p>
+          <a:p>
+            <a:pPr marL="0" indent="0">
+              <a:buNone/>
+            </a:pPr>
+            <a:endParaRPr lang="pt-BR" dirty="0"/>
+          </a:p>
+          <a:p>
+            <a:r>
+              <a:rPr lang="pt-BR" dirty="0" smtClean="0"/>
+              <a:t>Como </a:t>
+            </a:r>
+            <a:r>
+              <a:rPr lang="pt-BR" dirty="0"/>
+              <a:t>tratar de </a:t>
+            </a:r>
+            <a:r>
+              <a:rPr lang="pt-BR" dirty="0" smtClean="0"/>
+              <a:t>modo correto</a:t>
+            </a:r>
+            <a:r>
+              <a:rPr lang="pt-BR" dirty="0"/>
+              <a:t>, com a prevenção de erros de diagnóstico e, ainda como facilitar </a:t>
+            </a:r>
+            <a:r>
+              <a:rPr lang="pt-BR" dirty="0" smtClean="0"/>
+              <a:t>a comunicação </a:t>
+            </a:r>
+            <a:r>
+              <a:rPr lang="pt-BR" dirty="0"/>
+              <a:t>de fatos entre pacientes e terapeutas?</a:t>
+            </a:r>
+            <a:endParaRPr lang="pt-BR" dirty="0" smtClean="0"/>
+          </a:p>
+        </p:txBody>
+      </p:sp>
+    </p:spTree>
+    <p:extLst>
+      <p:ext uri="{BB962C8B-B14F-4D97-AF65-F5344CB8AC3E}">
+        <p14:creationId xmlns:p14="http://schemas.microsoft.com/office/powerpoint/2010/main" val="1351215306"/>
+      </p:ext>
+    </p:extLst>
+  </p:cSld>
+  <p:clrMapOvr>
+    <a:masterClrMapping/>
+  </p:clrMapOvr>
+</p:sld>
+</file>
+
+<file path=ppt/slides/slide5.xml><?xml version="1.0" encoding="utf-8"?>
+<p:sld xmlns:a="http://schemas.openxmlformats.org/drawingml/2006/main" xmlns:r="http://schemas.openxmlformats.org/officeDocument/2006/relationships" xmlns:p="http://schemas.openxmlformats.org/presentationml/2006/main">
+  <p:cSld>
+    <p:spTree>
+      <p:nvGrpSpPr>
+        <p:cNvPr id="1" name=""/>
+        <p:cNvGrpSpPr/>
+        <p:nvPr/>
+      </p:nvGrpSpPr>
+      <p:grpSpPr>
+        <a:xfrm>
+          <a:off x="0" y="0"/>
+          <a:ext cx="0" cy="0"/>
+          <a:chOff x="0" y="0"/>
+          <a:chExt cx="0" cy="0"/>
+        </a:xfrm>
+      </p:grpSpPr>
+      <p:sp>
+        <p:nvSpPr>
+          <p:cNvPr id="2" name="Título 1"/>
+          <p:cNvSpPr>
+            <a:spLocks noGrp="1"/>
+          </p:cNvSpPr>
+          <p:nvPr>
+            <p:ph type="title"/>
+          </p:nvPr>
+        </p:nvSpPr>
+        <p:spPr/>
+        <p:txBody>
+          <a:bodyPr/>
+          <a:lstStyle/>
+          <a:p>
+            <a:r>
+              <a:rPr lang="pt-BR" dirty="0" smtClean="0"/>
+              <a:t>OBJETIVOS:</a:t>
+            </a:r>
+            <a:endParaRPr lang="pt-BR" dirty="0"/>
+          </a:p>
+        </p:txBody>
+      </p:sp>
+      <p:sp>
+        <p:nvSpPr>
+          <p:cNvPr id="3" name="Espaço Reservado para Conteúdo 2"/>
+          <p:cNvSpPr>
+            <a:spLocks noGrp="1"/>
+          </p:cNvSpPr>
+          <p:nvPr>
+            <p:ph sz="quarter" idx="1"/>
+          </p:nvPr>
+        </p:nvSpPr>
+        <p:spPr/>
+        <p:txBody>
+          <a:bodyPr/>
+          <a:lstStyle/>
+          <a:p>
+            <a:pPr>
+              <a:buFont typeface="Arial" pitchFamily="34" charset="0"/>
+              <a:buChar char="•"/>
+            </a:pPr>
+            <a:r>
+              <a:rPr lang="pt-BR" dirty="0"/>
+              <a:t>Oferecer ferramenta de extensão da consulta com o terapeuta;</a:t>
+            </a:r>
+          </a:p>
+          <a:p>
+            <a:pPr>
+              <a:buFont typeface="Arial" pitchFamily="34" charset="0"/>
+              <a:buChar char="•"/>
+            </a:pPr>
+            <a:r>
+              <a:rPr lang="pt-BR" dirty="0" smtClean="0"/>
+              <a:t>Enriquecer </a:t>
+            </a:r>
+            <a:r>
+              <a:rPr lang="pt-BR" dirty="0"/>
+              <a:t>as informações do terapeuta para diagnóstico mais assertivo;</a:t>
+            </a:r>
+          </a:p>
+          <a:p>
+            <a:pPr>
+              <a:buFont typeface="Arial" pitchFamily="34" charset="0"/>
+              <a:buChar char="•"/>
+            </a:pPr>
+            <a:r>
+              <a:rPr lang="pt-BR" dirty="0" smtClean="0"/>
+              <a:t>Oportunizar </a:t>
+            </a:r>
+            <a:r>
+              <a:rPr lang="pt-BR" dirty="0"/>
+              <a:t>maior interação entre paciente e terapeuta;</a:t>
+            </a:r>
+          </a:p>
+          <a:p>
+            <a:pPr>
+              <a:buFont typeface="Arial" pitchFamily="34" charset="0"/>
+              <a:buChar char="•"/>
+            </a:pPr>
+            <a:r>
+              <a:rPr lang="pt-BR" dirty="0" smtClean="0"/>
+              <a:t> </a:t>
+            </a:r>
+            <a:r>
+              <a:rPr lang="pt-BR" dirty="0"/>
+              <a:t>Facilitar o controle do terapeuta com o que ocorreu durante as consultas;</a:t>
+            </a:r>
+          </a:p>
+          <a:p>
+            <a:pPr>
+              <a:buFont typeface="Arial" pitchFamily="34" charset="0"/>
+              <a:buChar char="•"/>
+            </a:pPr>
+            <a:r>
+              <a:rPr lang="pt-BR" dirty="0" smtClean="0"/>
+              <a:t>Oportunizar </a:t>
+            </a:r>
+            <a:r>
+              <a:rPr lang="pt-BR" dirty="0"/>
+              <a:t>maior facilidade de expressão para os pacientes.</a:t>
+            </a:r>
+            <a:endParaRPr lang="pt-BR" dirty="0" smtClean="0"/>
+          </a:p>
+        </p:txBody>
+      </p:sp>
+    </p:spTree>
+    <p:extLst>
+      <p:ext uri="{BB962C8B-B14F-4D97-AF65-F5344CB8AC3E}">
+        <p14:creationId xmlns:p14="http://schemas.microsoft.com/office/powerpoint/2010/main" val="356473543"/>
+      </p:ext>
+    </p:extLst>
+  </p:cSld>
+  <p:clrMapOvr>
+    <a:masterClrMapping/>
+  </p:clrMapOvr>
+</p:sld>
+</file>
+
+<file path=ppt/slides/slide6.xml><?xml version="1.0" encoding="utf-8"?>
+<p:sld xmlns:a="http://schemas.openxmlformats.org/drawingml/2006/main" xmlns:r="http://schemas.openxmlformats.org/officeDocument/2006/relationships" xmlns:p="http://schemas.openxmlformats.org/presentationml/2006/main">
+  <p:cSld>
+    <p:spTree>
+      <p:nvGrpSpPr>
+        <p:cNvPr id="1" name=""/>
+        <p:cNvGrpSpPr/>
+        <p:nvPr/>
+      </p:nvGrpSpPr>
+      <p:grpSpPr>
+        <a:xfrm>
+          <a:off x="0" y="0"/>
+          <a:ext cx="0" cy="0"/>
+          <a:chOff x="0" y="0"/>
+          <a:chExt cx="0" cy="0"/>
+        </a:xfrm>
+      </p:grpSpPr>
+      <p:sp>
+        <p:nvSpPr>
+          <p:cNvPr id="2" name="Título 1"/>
+          <p:cNvSpPr>
+            <a:spLocks noGrp="1"/>
+          </p:cNvSpPr>
+          <p:nvPr>
+            <p:ph type="title"/>
+          </p:nvPr>
+        </p:nvSpPr>
+        <p:spPr/>
+        <p:txBody>
+          <a:bodyPr/>
+          <a:lstStyle/>
+          <a:p>
+            <a:r>
+              <a:rPr lang="pt-BR" dirty="0" smtClean="0"/>
               <a:t>REQUISITOS FUNCIONAIS</a:t>
             </a:r>
             <a:endParaRPr lang="pt-BR" dirty="0"/>
@@ -6454,8 +6880,12 @@
               <a:buNone/>
             </a:pPr>
             <a:r>
+              <a:rPr lang="pt-BR" dirty="0" smtClean="0"/>
+              <a:t>“Os </a:t>
+            </a:r>
+            <a:r>
               <a:rPr lang="pt-BR" dirty="0"/>
-              <a:t>Os requisitos funcionais de usuários definem recursos</a:t>
+              <a:t>requisitos funcionais de usuários definem recursos</a:t>
             </a:r>
           </a:p>
           <a:p>
@@ -6464,7 +6894,11 @@
             </a:pPr>
             <a:r>
               <a:rPr lang="pt-BR" dirty="0"/>
-              <a:t>específicos que devem ser fornecidos pelo sistema “(</a:t>
+              <a:t>específicos que devem ser fornecidos pelo </a:t>
+            </a:r>
+            <a:r>
+              <a:rPr lang="pt-BR" dirty="0" smtClean="0"/>
+              <a:t>sistema” (</a:t>
             </a:r>
             <a:r>
               <a:rPr lang="pt-BR" dirty="0" smtClean="0"/>
@@ -6488,6 +6922,309 @@
   <p:clrMapOvr>
     <a:masterClrMapping/>
   </p:clrMapOvr>
+  <p:timing>
+    <p:tnLst>
+      <p:par>
+        <p:cTn id="1" dur="indefinite" restart="never" nodeType="tmRoot"/>
+      </p:par>
+    </p:tnLst>
+  </p:timing>
+</p:sld>
+</file>
+
+<file path=ppt/slides/slide7.xml><?xml version="1.0" encoding="utf-8"?>
+<p:sld xmlns:a="http://schemas.openxmlformats.org/drawingml/2006/main" xmlns:r="http://schemas.openxmlformats.org/officeDocument/2006/relationships" xmlns:p="http://schemas.openxmlformats.org/presentationml/2006/main">
+  <p:cSld>
+    <p:spTree>
+      <p:nvGrpSpPr>
+        <p:cNvPr id="1" name=""/>
+        <p:cNvGrpSpPr/>
+        <p:nvPr/>
+      </p:nvGrpSpPr>
+      <p:grpSpPr>
+        <a:xfrm>
+          <a:off x="0" y="0"/>
+          <a:ext cx="0" cy="0"/>
+          <a:chOff x="0" y="0"/>
+          <a:chExt cx="0" cy="0"/>
+        </a:xfrm>
+      </p:grpSpPr>
+      <p:sp>
+        <p:nvSpPr>
+          <p:cNvPr id="2" name="Título 1"/>
+          <p:cNvSpPr>
+            <a:spLocks noGrp="1"/>
+          </p:cNvSpPr>
+          <p:nvPr>
+            <p:ph type="title"/>
+          </p:nvPr>
+        </p:nvSpPr>
+        <p:spPr/>
+        <p:txBody>
+          <a:bodyPr/>
+          <a:lstStyle/>
+          <a:p>
+            <a:r>
+              <a:rPr lang="pt-BR" dirty="0" smtClean="0"/>
+              <a:t>REQUISITOS FUNCIONAIS</a:t>
+            </a:r>
+            <a:endParaRPr lang="pt-BR" dirty="0"/>
+          </a:p>
+        </p:txBody>
+      </p:sp>
+      <p:sp>
+        <p:nvSpPr>
+          <p:cNvPr id="3" name="Espaço Reservado para Conteúdo 2"/>
+          <p:cNvSpPr>
+            <a:spLocks noGrp="1"/>
+          </p:cNvSpPr>
+          <p:nvPr>
+            <p:ph sz="quarter" idx="1"/>
+          </p:nvPr>
+        </p:nvSpPr>
+        <p:spPr/>
+        <p:txBody>
+          <a:bodyPr>
+            <a:normAutofit/>
+          </a:bodyPr>
+          <a:lstStyle/>
+          <a:p>
+            <a:pPr algn="just"/>
+            <a:r>
+              <a:rPr lang="pt-BR" sz="3600" dirty="0" smtClean="0"/>
+              <a:t>RF09 Diagnóstico específico </a:t>
+            </a:r>
+            <a:r>
+              <a:rPr lang="pt-BR" sz="3600" dirty="0"/>
+              <a:t>do </a:t>
+            </a:r>
+            <a:r>
+              <a:rPr lang="pt-BR" sz="3600" dirty="0" smtClean="0"/>
+              <a:t>paciente</a:t>
+            </a:r>
+            <a:endParaRPr lang="pt-BR" sz="3600" dirty="0"/>
+          </a:p>
+          <a:p>
+            <a:pPr algn="just"/>
+            <a:r>
+              <a:rPr lang="pt-BR" sz="3600" dirty="0"/>
+              <a:t>RF06 Pré cadastrar </a:t>
+            </a:r>
+            <a:r>
+              <a:rPr lang="pt-BR" sz="3600" dirty="0" smtClean="0"/>
+              <a:t>pacientes</a:t>
+            </a:r>
+          </a:p>
+          <a:p>
+            <a:pPr algn="just"/>
+            <a:r>
+              <a:rPr lang="pt-BR" sz="3600" dirty="0"/>
+              <a:t>RF08 Acesso ao chat - RF14 Chat</a:t>
+            </a:r>
+            <a:endParaRPr lang="pt-BR" sz="3600" dirty="0" smtClean="0"/>
+          </a:p>
+        </p:txBody>
+      </p:sp>
+    </p:spTree>
+    <p:extLst>
+      <p:ext uri="{BB962C8B-B14F-4D97-AF65-F5344CB8AC3E}">
+        <p14:creationId xmlns:p14="http://schemas.microsoft.com/office/powerpoint/2010/main" val="3227034781"/>
+      </p:ext>
+    </p:extLst>
+  </p:cSld>
+  <p:clrMapOvr>
+    <a:masterClrMapping/>
+  </p:clrMapOvr>
+  <p:timing>
+    <p:tnLst>
+      <p:par>
+        <p:cTn id="1" dur="indefinite" restart="never" nodeType="tmRoot"/>
+      </p:par>
+    </p:tnLst>
+  </p:timing>
+</p:sld>
+</file>
+
+<file path=ppt/slides/slide8.xml><?xml version="1.0" encoding="utf-8"?>
+<p:sld xmlns:a="http://schemas.openxmlformats.org/drawingml/2006/main" xmlns:r="http://schemas.openxmlformats.org/officeDocument/2006/relationships" xmlns:p="http://schemas.openxmlformats.org/presentationml/2006/main">
+  <p:cSld>
+    <p:spTree>
+      <p:nvGrpSpPr>
+        <p:cNvPr id="1" name=""/>
+        <p:cNvGrpSpPr/>
+        <p:nvPr/>
+      </p:nvGrpSpPr>
+      <p:grpSpPr>
+        <a:xfrm>
+          <a:off x="0" y="0"/>
+          <a:ext cx="0" cy="0"/>
+          <a:chOff x="0" y="0"/>
+          <a:chExt cx="0" cy="0"/>
+        </a:xfrm>
+      </p:grpSpPr>
+      <p:sp>
+        <p:nvSpPr>
+          <p:cNvPr id="2" name="Título 1"/>
+          <p:cNvSpPr>
+            <a:spLocks noGrp="1"/>
+          </p:cNvSpPr>
+          <p:nvPr>
+            <p:ph type="title"/>
+          </p:nvPr>
+        </p:nvSpPr>
+        <p:spPr/>
+        <p:txBody>
+          <a:bodyPr/>
+          <a:lstStyle/>
+          <a:p>
+            <a:r>
+              <a:rPr lang="pt-BR" dirty="0" smtClean="0"/>
+              <a:t>DIAGRAMA DE CASO DE USO:</a:t>
+            </a:r>
+            <a:endParaRPr lang="pt-BR" dirty="0"/>
+          </a:p>
+        </p:txBody>
+      </p:sp>
+      <p:sp>
+        <p:nvSpPr>
+          <p:cNvPr id="3" name="Espaço Reservado para Conteúdo 2"/>
+          <p:cNvSpPr>
+            <a:spLocks noGrp="1"/>
+          </p:cNvSpPr>
+          <p:nvPr>
+            <p:ph sz="quarter" idx="1"/>
+          </p:nvPr>
+        </p:nvSpPr>
+        <p:spPr/>
+        <p:txBody>
+          <a:bodyPr/>
+          <a:lstStyle/>
+          <a:p>
+            <a:pPr marL="0" indent="0">
+              <a:buNone/>
+            </a:pPr>
+            <a:endParaRPr lang="pt-BR" dirty="0" smtClean="0"/>
+          </a:p>
+          <a:p>
+            <a:endParaRPr lang="pt-BR" dirty="0"/>
+          </a:p>
+          <a:p>
+            <a:r>
+              <a:rPr lang="pt-BR" dirty="0" smtClean="0"/>
+              <a:t>Um </a:t>
+            </a:r>
+            <a:r>
+              <a:rPr lang="pt-BR" dirty="0"/>
+              <a:t>caso de uso conta uma história sobre como um usuário final (interpretando um de uma série de papéis) interage com o sistema dentro de um conjunto de circunstâncias.(Pressman)</a:t>
+            </a:r>
+          </a:p>
+        </p:txBody>
+      </p:sp>
+    </p:spTree>
+    <p:extLst>
+      <p:ext uri="{BB962C8B-B14F-4D97-AF65-F5344CB8AC3E}">
+        <p14:creationId xmlns:p14="http://schemas.microsoft.com/office/powerpoint/2010/main" val="1748257237"/>
+      </p:ext>
+    </p:extLst>
+  </p:cSld>
+  <p:clrMapOvr>
+    <a:masterClrMapping/>
+  </p:clrMapOvr>
+  <p:timing>
+    <p:tnLst>
+      <p:par>
+        <p:cTn id="1" dur="indefinite" restart="never" nodeType="tmRoot"/>
+      </p:par>
+    </p:tnLst>
+  </p:timing>
+</p:sld>
+</file>
+
+<file path=ppt/slides/slide9.xml><?xml version="1.0" encoding="utf-8"?>
+<p:sld xmlns:a="http://schemas.openxmlformats.org/drawingml/2006/main" xmlns:r="http://schemas.openxmlformats.org/officeDocument/2006/relationships" xmlns:p="http://schemas.openxmlformats.org/presentationml/2006/main">
+  <p:cSld>
+    <p:spTree>
+      <p:nvGrpSpPr>
+        <p:cNvPr id="1" name=""/>
+        <p:cNvGrpSpPr/>
+        <p:nvPr/>
+      </p:nvGrpSpPr>
+      <p:grpSpPr>
+        <a:xfrm>
+          <a:off x="0" y="0"/>
+          <a:ext cx="0" cy="0"/>
+          <a:chOff x="0" y="0"/>
+          <a:chExt cx="0" cy="0"/>
+        </a:xfrm>
+      </p:grpSpPr>
+      <p:sp>
+        <p:nvSpPr>
+          <p:cNvPr id="2" name="Título 1"/>
+          <p:cNvSpPr>
+            <a:spLocks noGrp="1"/>
+          </p:cNvSpPr>
+          <p:nvPr>
+            <p:ph type="title"/>
+          </p:nvPr>
+        </p:nvSpPr>
+        <p:spPr/>
+        <p:txBody>
+          <a:bodyPr/>
+          <a:lstStyle/>
+          <a:p>
+            <a:r>
+              <a:rPr lang="pt-BR" dirty="0" smtClean="0"/>
+              <a:t>DIAGRAMA DE CASO DE USO:</a:t>
+            </a:r>
+            <a:endParaRPr lang="pt-BR" dirty="0"/>
+          </a:p>
+        </p:txBody>
+      </p:sp>
+      <p:pic>
+        <p:nvPicPr>
+          <p:cNvPr id="4" name="image39.png"/>
+          <p:cNvPicPr>
+            <a:picLocks noGrp="1"/>
+          </p:cNvPicPr>
+          <p:nvPr>
+            <p:ph sz="quarter" idx="1"/>
+          </p:nvPr>
+        </p:nvPicPr>
+        <p:blipFill>
+          <a:blip r:embed="rId2"/>
+          <a:srcRect/>
+          <a:stretch>
+            <a:fillRect/>
+          </a:stretch>
+        </p:blipFill>
+        <p:spPr>
+          <a:xfrm>
+            <a:off x="107505" y="1340768"/>
+            <a:ext cx="9036496" cy="4926161"/>
+          </a:xfrm>
+          <a:prstGeom prst="rect">
+            <a:avLst/>
+          </a:prstGeom>
+          <a:ln/>
+        </p:spPr>
+      </p:pic>
+    </p:spTree>
+    <p:extLst>
+      <p:ext uri="{BB962C8B-B14F-4D97-AF65-F5344CB8AC3E}">
+        <p14:creationId xmlns:p14="http://schemas.microsoft.com/office/powerpoint/2010/main" val="1621561085"/>
+      </p:ext>
+    </p:extLst>
+  </p:cSld>
+  <p:clrMapOvr>
+    <a:masterClrMapping/>
+  </p:clrMapOvr>
+  <p:timing>
+    <p:tnLst>
+      <p:par>
+        <p:cTn id="1" dur="indefinite" restart="never" nodeType="tmRoot"/>
+      </p:par>
+    </p:tnLst>
+  </p:timing>
 </p:sld>
 </file>
 

--- a/DocumentoPSIQ/PSIQ.pptx
+++ b/DocumentoPSIQ/PSIQ.pptx
@@ -16,6 +16,7 @@
     <p:sldId id="263" r:id="rId10"/>
     <p:sldId id="266" r:id="rId11"/>
     <p:sldId id="264" r:id="rId12"/>
+    <p:sldId id="267" r:id="rId13"/>
   </p:sldIdLst>
   <p:sldSz cx="9144000" cy="6858000" type="screen4x3"/>
   <p:notesSz cx="6858000" cy="9144000"/>
@@ -114,6 +115,22 @@
       </a:defRPr>
     </a:lvl9pPr>
   </p:defaultTextStyle>
+  <p:extLst>
+    <p:ext uri="{EFAFB233-063F-42B5-8137-9DF3F51BA10A}">
+      <p15:sldGuideLst xmlns:p15="http://schemas.microsoft.com/office/powerpoint/2012/main">
+        <p15:guide id="1" orient="horz" pos="2160">
+          <p15:clr>
+            <a:srgbClr val="A4A3A4"/>
+          </p15:clr>
+        </p15:guide>
+        <p15:guide id="2" pos="2880">
+          <p15:clr>
+            <a:srgbClr val="A4A3A4"/>
+          </p15:clr>
+        </p15:guide>
+      </p15:sldGuideLst>
+    </p:ext>
+  </p:extLst>
 </p:presentation>
 </file>
 
@@ -6169,6 +6186,13 @@
   <p:clrMapOvr>
     <a:masterClrMapping/>
   </p:clrMapOvr>
+  <p:timing>
+    <p:tnLst>
+      <p:par>
+        <p:cTn id="1" dur="indefinite" restart="never" nodeType="tmRoot"/>
+      </p:par>
+    </p:tnLst>
+  </p:timing>
 </p:sld>
 </file>
 
@@ -6342,6 +6366,119 @@
   <p:clrMapOvr>
     <a:masterClrMapping/>
   </p:clrMapOvr>
+  <p:timing>
+    <p:tnLst>
+      <p:par>
+        <p:cTn id="1" dur="indefinite" restart="never" nodeType="tmRoot"/>
+      </p:par>
+    </p:tnLst>
+  </p:timing>
+</p:sld>
+</file>
+
+<file path=ppt/slides/slide12.xml><?xml version="1.0" encoding="utf-8"?>
+<p:sld xmlns:a="http://schemas.openxmlformats.org/drawingml/2006/main" xmlns:r="http://schemas.openxmlformats.org/officeDocument/2006/relationships" xmlns:p="http://schemas.openxmlformats.org/presentationml/2006/main">
+  <p:cSld>
+    <p:spTree>
+      <p:nvGrpSpPr>
+        <p:cNvPr id="1" name=""/>
+        <p:cNvGrpSpPr/>
+        <p:nvPr/>
+      </p:nvGrpSpPr>
+      <p:grpSpPr>
+        <a:xfrm>
+          <a:off x="0" y="0"/>
+          <a:ext cx="0" cy="0"/>
+          <a:chOff x="0" y="0"/>
+          <a:chExt cx="0" cy="0"/>
+        </a:xfrm>
+      </p:grpSpPr>
+      <p:sp>
+        <p:nvSpPr>
+          <p:cNvPr id="2" name="Título 1"/>
+          <p:cNvSpPr>
+            <a:spLocks noGrp="1"/>
+          </p:cNvSpPr>
+          <p:nvPr>
+            <p:ph type="title"/>
+          </p:nvPr>
+        </p:nvSpPr>
+        <p:spPr/>
+        <p:txBody>
+          <a:bodyPr/>
+          <a:lstStyle/>
+          <a:p>
+            <a:r>
+              <a:rPr lang="pt-BR" dirty="0" smtClean="0"/>
+              <a:t>O SITE:</a:t>
+            </a:r>
+            <a:endParaRPr lang="pt-BR" dirty="0"/>
+          </a:p>
+        </p:txBody>
+      </p:sp>
+      <p:sp>
+        <p:nvSpPr>
+          <p:cNvPr id="3" name="Espaço Reservado para Conteúdo 2"/>
+          <p:cNvSpPr>
+            <a:spLocks noGrp="1"/>
+          </p:cNvSpPr>
+          <p:nvPr>
+            <p:ph sz="quarter" idx="1"/>
+          </p:nvPr>
+        </p:nvSpPr>
+        <p:spPr/>
+        <p:txBody>
+          <a:bodyPr/>
+          <a:lstStyle/>
+          <a:p>
+            <a:pPr marL="0" indent="0">
+              <a:buNone/>
+            </a:pPr>
+            <a:endParaRPr lang="pt-BR" dirty="0" smtClean="0"/>
+          </a:p>
+          <a:p>
+            <a:r>
+              <a:rPr lang="pt-BR" dirty="0">
+                <a:hlinkClick r:id="rId2"/>
+              </a:rPr>
+              <a:t>http://</a:t>
+            </a:r>
+            <a:r>
+              <a:rPr lang="pt-BR" dirty="0" smtClean="0">
+                <a:hlinkClick r:id="rId2"/>
+              </a:rPr>
+              <a:t>psiqweb.azurewebsites.net/</a:t>
+            </a:r>
+            <a:endParaRPr lang="pt-BR" dirty="0" smtClean="0"/>
+          </a:p>
+          <a:p>
+            <a:endParaRPr lang="pt-BR"/>
+          </a:p>
+          <a:p>
+            <a:pPr marL="0" indent="0">
+              <a:buNone/>
+            </a:pPr>
+            <a:endParaRPr lang="pt-BR" dirty="0"/>
+          </a:p>
+        </p:txBody>
+      </p:sp>
+    </p:spTree>
+    <p:extLst>
+      <p:ext uri="{BB962C8B-B14F-4D97-AF65-F5344CB8AC3E}">
+        <p14:creationId xmlns:p14="http://schemas.microsoft.com/office/powerpoint/2010/main" val="3474605057"/>
+      </p:ext>
+    </p:extLst>
+  </p:cSld>
+  <p:clrMapOvr>
+    <a:masterClrMapping/>
+  </p:clrMapOvr>
+  <p:timing>
+    <p:tnLst>
+      <p:par>
+        <p:cTn id="1" dur="indefinite" restart="never" nodeType="tmRoot"/>
+      </p:par>
+    </p:tnLst>
+  </p:timing>
 </p:sld>
 </file>
 
@@ -6414,11 +6551,7 @@
           <a:p>
             <a:r>
               <a:rPr lang="pt-BR" dirty="0" smtClean="0"/>
-              <a:t>Forma de controle de consultas e de </a:t>
-            </a:r>
-            <a:r>
-              <a:rPr lang="pt-BR" dirty="0" smtClean="0"/>
-              <a:t>diagnósticos.</a:t>
+              <a:t>Forma de controle de consultas e de diagnósticos.</a:t>
             </a:r>
             <a:endParaRPr lang="pt-BR" dirty="0"/>
           </a:p>
@@ -6434,6 +6567,13 @@
   <p:clrMapOvr>
     <a:masterClrMapping/>
   </p:clrMapOvr>
+  <p:timing>
+    <p:tnLst>
+      <p:par>
+        <p:cTn id="1" dur="indefinite" restart="never" nodeType="tmRoot"/>
+      </p:par>
+    </p:tnLst>
+  </p:timing>
 </p:sld>
 </file>
 
@@ -6533,6 +6673,13 @@
   <p:clrMapOvr>
     <a:masterClrMapping/>
   </p:clrMapOvr>
+  <p:timing>
+    <p:tnLst>
+      <p:par>
+        <p:cTn id="1" dur="indefinite" restart="never" nodeType="tmRoot"/>
+      </p:par>
+    </p:tnLst>
+  </p:timing>
 </p:sld>
 </file>
 
@@ -6647,6 +6794,13 @@
   <p:clrMapOvr>
     <a:masterClrMapping/>
   </p:clrMapOvr>
+  <p:timing>
+    <p:tnLst>
+      <p:par>
+        <p:cTn id="1" dur="indefinite" restart="never" nodeType="tmRoot"/>
+      </p:par>
+    </p:tnLst>
+  </p:timing>
 </p:sld>
 </file>
 
@@ -6783,6 +6937,13 @@
   <p:clrMapOvr>
     <a:masterClrMapping/>
   </p:clrMapOvr>
+  <p:timing>
+    <p:tnLst>
+      <p:par>
+        <p:cTn id="1" dur="indefinite" restart="never" nodeType="tmRoot"/>
+      </p:par>
+    </p:tnLst>
+  </p:timing>
 </p:sld>
 </file>
 
@@ -6898,11 +7059,7 @@
             </a:r>
             <a:r>
               <a:rPr lang="pt-BR" dirty="0" smtClean="0"/>
-              <a:t>sistema” (</a:t>
-            </a:r>
-            <a:r>
-              <a:rPr lang="pt-BR" dirty="0" smtClean="0"/>
-              <a:t>SOMMERVILLE, 2008</a:t>
+              <a:t>sistema” (SOMMERVILLE, 2008</a:t>
             </a:r>
             <a:r>
               <a:rPr lang="pt-BR" dirty="0"/>

--- a/DocumentoPSIQ/PSIQ.pptx
+++ b/DocumentoPSIQ/PSIQ.pptx
@@ -6452,7 +6452,7 @@
             <a:endParaRPr lang="pt-BR" dirty="0" smtClean="0"/>
           </a:p>
           <a:p>
-            <a:endParaRPr lang="pt-BR"/>
+            <a:endParaRPr lang="pt-BR" dirty="0"/>
           </a:p>
           <a:p>
             <a:pPr marL="0" indent="0">

--- a/DocumentoPSIQ/PSIQ.pptx
+++ b/DocumentoPSIQ/PSIQ.pptx
@@ -4,18 +4,21 @@
   <p:sldMasterIdLst>
     <p:sldMasterId id="2147483660" r:id="rId1"/>
   </p:sldMasterIdLst>
+  <p:notesMasterIdLst>
+    <p:notesMasterId r:id="rId14"/>
+  </p:notesMasterIdLst>
   <p:sldIdLst>
     <p:sldId id="256" r:id="rId2"/>
     <p:sldId id="257" r:id="rId3"/>
     <p:sldId id="258" r:id="rId4"/>
     <p:sldId id="261" r:id="rId5"/>
     <p:sldId id="262" r:id="rId6"/>
-    <p:sldId id="259" r:id="rId7"/>
-    <p:sldId id="260" r:id="rId8"/>
-    <p:sldId id="265" r:id="rId9"/>
+    <p:sldId id="270" r:id="rId7"/>
+    <p:sldId id="268" r:id="rId8"/>
+    <p:sldId id="260" r:id="rId9"/>
     <p:sldId id="263" r:id="rId10"/>
-    <p:sldId id="266" r:id="rId11"/>
-    <p:sldId id="264" r:id="rId12"/>
+    <p:sldId id="264" r:id="rId11"/>
+    <p:sldId id="269" r:id="rId12"/>
     <p:sldId id="267" r:id="rId13"/>
   </p:sldIdLst>
   <p:sldSz cx="9144000" cy="6858000" type="screen4x3"/>
@@ -134,6 +137,440 @@
 </p:presentation>
 </file>
 
+<file path=ppt/notesMasters/notesMaster1.xml><?xml version="1.0" encoding="utf-8"?>
+<p:notesMaster xmlns:a="http://schemas.openxmlformats.org/drawingml/2006/main" xmlns:r="http://schemas.openxmlformats.org/officeDocument/2006/relationships" xmlns:p="http://schemas.openxmlformats.org/presentationml/2006/main">
+  <p:cSld>
+    <p:bg>
+      <p:bgRef idx="1001">
+        <a:schemeClr val="bg1"/>
+      </p:bgRef>
+    </p:bg>
+    <p:spTree>
+      <p:nvGrpSpPr>
+        <p:cNvPr id="1" name=""/>
+        <p:cNvGrpSpPr/>
+        <p:nvPr/>
+      </p:nvGrpSpPr>
+      <p:grpSpPr>
+        <a:xfrm>
+          <a:off x="0" y="0"/>
+          <a:ext cx="0" cy="0"/>
+          <a:chOff x="0" y="0"/>
+          <a:chExt cx="0" cy="0"/>
+        </a:xfrm>
+      </p:grpSpPr>
+      <p:sp>
+        <p:nvSpPr>
+          <p:cNvPr id="2" name="Espaço Reservado para Cabeçalho 1"/>
+          <p:cNvSpPr>
+            <a:spLocks noGrp="1"/>
+          </p:cNvSpPr>
+          <p:nvPr>
+            <p:ph type="hdr" sz="quarter"/>
+          </p:nvPr>
+        </p:nvSpPr>
+        <p:spPr>
+          <a:xfrm>
+            <a:off x="0" y="0"/>
+            <a:ext cx="2971800" cy="458788"/>
+          </a:xfrm>
+          <a:prstGeom prst="rect">
+            <a:avLst/>
+          </a:prstGeom>
+        </p:spPr>
+        <p:txBody>
+          <a:bodyPr vert="horz" lIns="91440" tIns="45720" rIns="91440" bIns="45720" rtlCol="0"/>
+          <a:lstStyle>
+            <a:lvl1pPr algn="l">
+              <a:defRPr sz="1200"/>
+            </a:lvl1pPr>
+          </a:lstStyle>
+          <a:p>
+            <a:endParaRPr lang="pt-BR"/>
+          </a:p>
+        </p:txBody>
+      </p:sp>
+      <p:sp>
+        <p:nvSpPr>
+          <p:cNvPr id="3" name="Espaço Reservado para Data 2"/>
+          <p:cNvSpPr>
+            <a:spLocks noGrp="1"/>
+          </p:cNvSpPr>
+          <p:nvPr>
+            <p:ph type="dt" idx="1"/>
+          </p:nvPr>
+        </p:nvSpPr>
+        <p:spPr>
+          <a:xfrm>
+            <a:off x="3884613" y="0"/>
+            <a:ext cx="2971800" cy="458788"/>
+          </a:xfrm>
+          <a:prstGeom prst="rect">
+            <a:avLst/>
+          </a:prstGeom>
+        </p:spPr>
+        <p:txBody>
+          <a:bodyPr vert="horz" lIns="91440" tIns="45720" rIns="91440" bIns="45720" rtlCol="0"/>
+          <a:lstStyle>
+            <a:lvl1pPr algn="r">
+              <a:defRPr sz="1200"/>
+            </a:lvl1pPr>
+          </a:lstStyle>
+          <a:p>
+            <a:fld id="{5F5DD785-582E-4FA3-B18E-8F80F35AAC7E}" type="datetimeFigureOut">
+              <a:rPr lang="pt-BR" smtClean="0"/>
+              <a:t>26/06/2018</a:t>
+            </a:fld>
+            <a:endParaRPr lang="pt-BR"/>
+          </a:p>
+        </p:txBody>
+      </p:sp>
+      <p:sp>
+        <p:nvSpPr>
+          <p:cNvPr id="4" name="Espaço Reservado para Imagem de Slide 3"/>
+          <p:cNvSpPr>
+            <a:spLocks noGrp="1" noRot="1" noChangeAspect="1"/>
+          </p:cNvSpPr>
+          <p:nvPr>
+            <p:ph type="sldImg" idx="2"/>
+          </p:nvPr>
+        </p:nvSpPr>
+        <p:spPr>
+          <a:xfrm>
+            <a:off x="1371600" y="1143000"/>
+            <a:ext cx="4114800" cy="3086100"/>
+          </a:xfrm>
+          <a:prstGeom prst="rect">
+            <a:avLst/>
+          </a:prstGeom>
+          <a:noFill/>
+          <a:ln w="12700">
+            <a:solidFill>
+              <a:prstClr val="black"/>
+            </a:solidFill>
+          </a:ln>
+        </p:spPr>
+        <p:txBody>
+          <a:bodyPr vert="horz" lIns="91440" tIns="45720" rIns="91440" bIns="45720" rtlCol="0" anchor="ctr"/>
+          <a:lstStyle/>
+          <a:p>
+            <a:endParaRPr lang="pt-BR"/>
+          </a:p>
+        </p:txBody>
+      </p:sp>
+      <p:sp>
+        <p:nvSpPr>
+          <p:cNvPr id="5" name="Espaço Reservado para Anotações 4"/>
+          <p:cNvSpPr>
+            <a:spLocks noGrp="1"/>
+          </p:cNvSpPr>
+          <p:nvPr>
+            <p:ph type="body" sz="quarter" idx="3"/>
+          </p:nvPr>
+        </p:nvSpPr>
+        <p:spPr>
+          <a:xfrm>
+            <a:off x="685800" y="4400550"/>
+            <a:ext cx="5486400" cy="3600450"/>
+          </a:xfrm>
+          <a:prstGeom prst="rect">
+            <a:avLst/>
+          </a:prstGeom>
+        </p:spPr>
+        <p:txBody>
+          <a:bodyPr vert="horz" lIns="91440" tIns="45720" rIns="91440" bIns="45720" rtlCol="0"/>
+          <a:lstStyle/>
+          <a:p>
+            <a:pPr lvl="0"/>
+            <a:r>
+              <a:rPr lang="pt-BR" smtClean="0"/>
+              <a:t>Clique para editar o texto mestre</a:t>
+            </a:r>
+          </a:p>
+          <a:p>
+            <a:pPr lvl="1"/>
+            <a:r>
+              <a:rPr lang="pt-BR" smtClean="0"/>
+              <a:t>Segundo nível</a:t>
+            </a:r>
+          </a:p>
+          <a:p>
+            <a:pPr lvl="2"/>
+            <a:r>
+              <a:rPr lang="pt-BR" smtClean="0"/>
+              <a:t>Terceiro nível</a:t>
+            </a:r>
+          </a:p>
+          <a:p>
+            <a:pPr lvl="3"/>
+            <a:r>
+              <a:rPr lang="pt-BR" smtClean="0"/>
+              <a:t>Quarto nível</a:t>
+            </a:r>
+          </a:p>
+          <a:p>
+            <a:pPr lvl="4"/>
+            <a:r>
+              <a:rPr lang="pt-BR" smtClean="0"/>
+              <a:t>Quinto nível</a:t>
+            </a:r>
+            <a:endParaRPr lang="pt-BR"/>
+          </a:p>
+        </p:txBody>
+      </p:sp>
+      <p:sp>
+        <p:nvSpPr>
+          <p:cNvPr id="6" name="Espaço Reservado para Rodapé 5"/>
+          <p:cNvSpPr>
+            <a:spLocks noGrp="1"/>
+          </p:cNvSpPr>
+          <p:nvPr>
+            <p:ph type="ftr" sz="quarter" idx="4"/>
+          </p:nvPr>
+        </p:nvSpPr>
+        <p:spPr>
+          <a:xfrm>
+            <a:off x="0" y="8685213"/>
+            <a:ext cx="2971800" cy="458787"/>
+          </a:xfrm>
+          <a:prstGeom prst="rect">
+            <a:avLst/>
+          </a:prstGeom>
+        </p:spPr>
+        <p:txBody>
+          <a:bodyPr vert="horz" lIns="91440" tIns="45720" rIns="91440" bIns="45720" rtlCol="0" anchor="b"/>
+          <a:lstStyle>
+            <a:lvl1pPr algn="l">
+              <a:defRPr sz="1200"/>
+            </a:lvl1pPr>
+          </a:lstStyle>
+          <a:p>
+            <a:endParaRPr lang="pt-BR"/>
+          </a:p>
+        </p:txBody>
+      </p:sp>
+      <p:sp>
+        <p:nvSpPr>
+          <p:cNvPr id="7" name="Espaço Reservado para Número de Slide 6"/>
+          <p:cNvSpPr>
+            <a:spLocks noGrp="1"/>
+          </p:cNvSpPr>
+          <p:nvPr>
+            <p:ph type="sldNum" sz="quarter" idx="5"/>
+          </p:nvPr>
+        </p:nvSpPr>
+        <p:spPr>
+          <a:xfrm>
+            <a:off x="3884613" y="8685213"/>
+            <a:ext cx="2971800" cy="458787"/>
+          </a:xfrm>
+          <a:prstGeom prst="rect">
+            <a:avLst/>
+          </a:prstGeom>
+        </p:spPr>
+        <p:txBody>
+          <a:bodyPr vert="horz" lIns="91440" tIns="45720" rIns="91440" bIns="45720" rtlCol="0" anchor="b"/>
+          <a:lstStyle>
+            <a:lvl1pPr algn="r">
+              <a:defRPr sz="1200"/>
+            </a:lvl1pPr>
+          </a:lstStyle>
+          <a:p>
+            <a:fld id="{0B8FA79A-8FA9-4F50-BCC2-1978DD9FDE32}" type="slidenum">
+              <a:rPr lang="pt-BR" smtClean="0"/>
+              <a:t>‹nº›</a:t>
+            </a:fld>
+            <a:endParaRPr lang="pt-BR"/>
+          </a:p>
+        </p:txBody>
+      </p:sp>
+    </p:spTree>
+    <p:extLst>
+      <p:ext uri="{BB962C8B-B14F-4D97-AF65-F5344CB8AC3E}">
+        <p14:creationId xmlns:p14="http://schemas.microsoft.com/office/powerpoint/2010/main" val="824323557"/>
+      </p:ext>
+    </p:extLst>
+  </p:cSld>
+  <p:clrMap bg1="lt1" tx1="dk1" bg2="lt2" tx2="dk2" accent1="accent1" accent2="accent2" accent3="accent3" accent4="accent4" accent5="accent5" accent6="accent6" hlink="hlink" folHlink="folHlink"/>
+  <p:notesStyle>
+    <a:lvl1pPr marL="0" algn="l" defTabSz="914400" rtl="0" eaLnBrk="1" latinLnBrk="0" hangingPunct="1">
+      <a:defRPr sz="1200" kern="1200">
+        <a:solidFill>
+          <a:schemeClr val="tx1"/>
+        </a:solidFill>
+        <a:latin typeface="+mn-lt"/>
+        <a:ea typeface="+mn-ea"/>
+        <a:cs typeface="+mn-cs"/>
+      </a:defRPr>
+    </a:lvl1pPr>
+    <a:lvl2pPr marL="457200" algn="l" defTabSz="914400" rtl="0" eaLnBrk="1" latinLnBrk="0" hangingPunct="1">
+      <a:defRPr sz="1200" kern="1200">
+        <a:solidFill>
+          <a:schemeClr val="tx1"/>
+        </a:solidFill>
+        <a:latin typeface="+mn-lt"/>
+        <a:ea typeface="+mn-ea"/>
+        <a:cs typeface="+mn-cs"/>
+      </a:defRPr>
+    </a:lvl2pPr>
+    <a:lvl3pPr marL="914400" algn="l" defTabSz="914400" rtl="0" eaLnBrk="1" latinLnBrk="0" hangingPunct="1">
+      <a:defRPr sz="1200" kern="1200">
+        <a:solidFill>
+          <a:schemeClr val="tx1"/>
+        </a:solidFill>
+        <a:latin typeface="+mn-lt"/>
+        <a:ea typeface="+mn-ea"/>
+        <a:cs typeface="+mn-cs"/>
+      </a:defRPr>
+    </a:lvl3pPr>
+    <a:lvl4pPr marL="1371600" algn="l" defTabSz="914400" rtl="0" eaLnBrk="1" latinLnBrk="0" hangingPunct="1">
+      <a:defRPr sz="1200" kern="1200">
+        <a:solidFill>
+          <a:schemeClr val="tx1"/>
+        </a:solidFill>
+        <a:latin typeface="+mn-lt"/>
+        <a:ea typeface="+mn-ea"/>
+        <a:cs typeface="+mn-cs"/>
+      </a:defRPr>
+    </a:lvl4pPr>
+    <a:lvl5pPr marL="1828800" algn="l" defTabSz="914400" rtl="0" eaLnBrk="1" latinLnBrk="0" hangingPunct="1">
+      <a:defRPr sz="1200" kern="1200">
+        <a:solidFill>
+          <a:schemeClr val="tx1"/>
+        </a:solidFill>
+        <a:latin typeface="+mn-lt"/>
+        <a:ea typeface="+mn-ea"/>
+        <a:cs typeface="+mn-cs"/>
+      </a:defRPr>
+    </a:lvl5pPr>
+    <a:lvl6pPr marL="2286000" algn="l" defTabSz="914400" rtl="0" eaLnBrk="1" latinLnBrk="0" hangingPunct="1">
+      <a:defRPr sz="1200" kern="1200">
+        <a:solidFill>
+          <a:schemeClr val="tx1"/>
+        </a:solidFill>
+        <a:latin typeface="+mn-lt"/>
+        <a:ea typeface="+mn-ea"/>
+        <a:cs typeface="+mn-cs"/>
+      </a:defRPr>
+    </a:lvl6pPr>
+    <a:lvl7pPr marL="2743200" algn="l" defTabSz="914400" rtl="0" eaLnBrk="1" latinLnBrk="0" hangingPunct="1">
+      <a:defRPr sz="1200" kern="1200">
+        <a:solidFill>
+          <a:schemeClr val="tx1"/>
+        </a:solidFill>
+        <a:latin typeface="+mn-lt"/>
+        <a:ea typeface="+mn-ea"/>
+        <a:cs typeface="+mn-cs"/>
+      </a:defRPr>
+    </a:lvl7pPr>
+    <a:lvl8pPr marL="3200400" algn="l" defTabSz="914400" rtl="0" eaLnBrk="1" latinLnBrk="0" hangingPunct="1">
+      <a:defRPr sz="1200" kern="1200">
+        <a:solidFill>
+          <a:schemeClr val="tx1"/>
+        </a:solidFill>
+        <a:latin typeface="+mn-lt"/>
+        <a:ea typeface="+mn-ea"/>
+        <a:cs typeface="+mn-cs"/>
+      </a:defRPr>
+    </a:lvl8pPr>
+    <a:lvl9pPr marL="3657600" algn="l" defTabSz="914400" rtl="0" eaLnBrk="1" latinLnBrk="0" hangingPunct="1">
+      <a:defRPr sz="1200" kern="1200">
+        <a:solidFill>
+          <a:schemeClr val="tx1"/>
+        </a:solidFill>
+        <a:latin typeface="+mn-lt"/>
+        <a:ea typeface="+mn-ea"/>
+        <a:cs typeface="+mn-cs"/>
+      </a:defRPr>
+    </a:lvl9pPr>
+  </p:notesStyle>
+</p:notesMaster>
+</file>
+
+<file path=ppt/notesSlides/notesSlide1.xml><?xml version="1.0" encoding="utf-8"?>
+<p:notes xmlns:a="http://schemas.openxmlformats.org/drawingml/2006/main" xmlns:r="http://schemas.openxmlformats.org/officeDocument/2006/relationships" xmlns:p="http://schemas.openxmlformats.org/presentationml/2006/main">
+  <p:cSld>
+    <p:spTree>
+      <p:nvGrpSpPr>
+        <p:cNvPr id="1" name=""/>
+        <p:cNvGrpSpPr/>
+        <p:nvPr/>
+      </p:nvGrpSpPr>
+      <p:grpSpPr>
+        <a:xfrm>
+          <a:off x="0" y="0"/>
+          <a:ext cx="0" cy="0"/>
+          <a:chOff x="0" y="0"/>
+          <a:chExt cx="0" cy="0"/>
+        </a:xfrm>
+      </p:grpSpPr>
+      <p:sp>
+        <p:nvSpPr>
+          <p:cNvPr id="2" name="Espaço Reservado para Imagem de Slide 1"/>
+          <p:cNvSpPr>
+            <a:spLocks noGrp="1" noRot="1" noChangeAspect="1"/>
+          </p:cNvSpPr>
+          <p:nvPr>
+            <p:ph type="sldImg"/>
+          </p:nvPr>
+        </p:nvSpPr>
+        <p:spPr/>
+      </p:sp>
+      <p:sp>
+        <p:nvSpPr>
+          <p:cNvPr id="3" name="Espaço Reservado para Anotações 2"/>
+          <p:cNvSpPr>
+            <a:spLocks noGrp="1"/>
+          </p:cNvSpPr>
+          <p:nvPr>
+            <p:ph type="body" idx="1"/>
+          </p:nvPr>
+        </p:nvSpPr>
+        <p:spPr/>
+        <p:txBody>
+          <a:bodyPr/>
+          <a:lstStyle/>
+          <a:p>
+            <a:endParaRPr lang="pt-BR" dirty="0"/>
+          </a:p>
+        </p:txBody>
+      </p:sp>
+      <p:sp>
+        <p:nvSpPr>
+          <p:cNvPr id="4" name="Espaço Reservado para Número de Slide 3"/>
+          <p:cNvSpPr>
+            <a:spLocks noGrp="1"/>
+          </p:cNvSpPr>
+          <p:nvPr>
+            <p:ph type="sldNum" sz="quarter" idx="10"/>
+          </p:nvPr>
+        </p:nvSpPr>
+        <p:spPr/>
+        <p:txBody>
+          <a:bodyPr/>
+          <a:lstStyle/>
+          <a:p>
+            <a:fld id="{0B8FA79A-8FA9-4F50-BCC2-1978DD9FDE32}" type="slidenum">
+              <a:rPr lang="pt-BR" smtClean="0"/>
+              <a:t>10</a:t>
+            </a:fld>
+            <a:endParaRPr lang="pt-BR"/>
+          </a:p>
+        </p:txBody>
+      </p:sp>
+    </p:spTree>
+    <p:extLst>
+      <p:ext uri="{BB962C8B-B14F-4D97-AF65-F5344CB8AC3E}">
+        <p14:creationId xmlns:p14="http://schemas.microsoft.com/office/powerpoint/2010/main" val="148003680"/>
+      </p:ext>
+    </p:extLst>
+  </p:cSld>
+  <p:clrMapOvr>
+    <a:masterClrMapping/>
+  </p:clrMapOvr>
+</p:notes>
+</file>
+
 <file path=ppt/slideLayouts/slideLayout1.xml><?xml version="1.0" encoding="utf-8"?>
 <p:sldLayout xmlns:a="http://schemas.openxmlformats.org/drawingml/2006/main" xmlns:r="http://schemas.openxmlformats.org/officeDocument/2006/relationships" xmlns:p="http://schemas.openxmlformats.org/presentationml/2006/main" showMasterSp="0" type="title" preserve="1">
   <p:cSld name="Slide de título">
@@ -414,7 +851,7 @@
           <a:p>
             <a:fld id="{B225FCC5-4AAF-49A2-93AB-99056224CF82}" type="datetimeFigureOut">
               <a:rPr lang="pt-BR" smtClean="0"/>
-              <a:t>25/06/2018</a:t>
+              <a:t>26/06/2018</a:t>
             </a:fld>
             <a:endParaRPr lang="pt-BR"/>
           </a:p>
@@ -807,7 +1244,7 @@
           <a:p>
             <a:fld id="{B225FCC5-4AAF-49A2-93AB-99056224CF82}" type="datetimeFigureOut">
               <a:rPr lang="pt-BR" smtClean="0"/>
-              <a:t>25/06/2018</a:t>
+              <a:t>26/06/2018</a:t>
             </a:fld>
             <a:endParaRPr lang="pt-BR"/>
           </a:p>
@@ -1339,7 +1776,7 @@
           <a:p>
             <a:fld id="{B225FCC5-4AAF-49A2-93AB-99056224CF82}" type="datetimeFigureOut">
               <a:rPr lang="pt-BR" smtClean="0"/>
-              <a:t>25/06/2018</a:t>
+              <a:t>26/06/2018</a:t>
             </a:fld>
             <a:endParaRPr lang="pt-BR"/>
           </a:p>
@@ -1472,7 +1909,7 @@
           <a:p>
             <a:fld id="{B225FCC5-4AAF-49A2-93AB-99056224CF82}" type="datetimeFigureOut">
               <a:rPr lang="pt-BR" smtClean="0"/>
-              <a:t>25/06/2018</a:t>
+              <a:t>26/06/2018</a:t>
             </a:fld>
             <a:endParaRPr lang="pt-BR"/>
           </a:p>
@@ -2015,7 +2452,7 @@
           <a:p>
             <a:fld id="{B225FCC5-4AAF-49A2-93AB-99056224CF82}" type="datetimeFigureOut">
               <a:rPr lang="pt-BR" smtClean="0"/>
-              <a:t>25/06/2018</a:t>
+              <a:t>26/06/2018</a:t>
             </a:fld>
             <a:endParaRPr lang="pt-BR"/>
           </a:p>
@@ -2310,7 +2747,7 @@
           <a:p>
             <a:fld id="{B225FCC5-4AAF-49A2-93AB-99056224CF82}" type="datetimeFigureOut">
               <a:rPr lang="pt-BR" smtClean="0"/>
-              <a:t>25/06/2018</a:t>
+              <a:t>26/06/2018</a:t>
             </a:fld>
             <a:endParaRPr lang="pt-BR"/>
           </a:p>
@@ -2969,7 +3406,7 @@
           <a:p>
             <a:fld id="{B225FCC5-4AAF-49A2-93AB-99056224CF82}" type="datetimeFigureOut">
               <a:rPr lang="pt-BR" smtClean="0"/>
-              <a:t>25/06/2018</a:t>
+              <a:t>26/06/2018</a:t>
             </a:fld>
             <a:endParaRPr lang="pt-BR"/>
           </a:p>
@@ -3405,7 +3842,7 @@
           <a:p>
             <a:fld id="{B225FCC5-4AAF-49A2-93AB-99056224CF82}" type="datetimeFigureOut">
               <a:rPr lang="pt-BR" smtClean="0"/>
-              <a:t>25/06/2018</a:t>
+              <a:t>26/06/2018</a:t>
             </a:fld>
             <a:endParaRPr lang="pt-BR"/>
           </a:p>
@@ -3718,7 +4155,7 @@
           <a:p>
             <a:fld id="{B225FCC5-4AAF-49A2-93AB-99056224CF82}" type="datetimeFigureOut">
               <a:rPr lang="pt-BR" smtClean="0"/>
-              <a:t>25/06/2018</a:t>
+              <a:t>26/06/2018</a:t>
             </a:fld>
             <a:endParaRPr lang="pt-BR"/>
           </a:p>
@@ -4450,7 +4887,7 @@
           <a:p>
             <a:fld id="{B225FCC5-4AAF-49A2-93AB-99056224CF82}" type="datetimeFigureOut">
               <a:rPr lang="pt-BR" smtClean="0"/>
-              <a:t>25/06/2018</a:t>
+              <a:t>26/06/2018</a:t>
             </a:fld>
             <a:endParaRPr lang="pt-BR"/>
           </a:p>
@@ -5114,7 +5551,7 @@
           <a:p>
             <a:fld id="{B225FCC5-4AAF-49A2-93AB-99056224CF82}" type="datetimeFigureOut">
               <a:rPr lang="pt-BR" smtClean="0"/>
-              <a:t>25/06/2018</a:t>
+              <a:t>26/06/2018</a:t>
             </a:fld>
             <a:endParaRPr lang="pt-BR"/>
           </a:p>
@@ -5387,7 +5824,7 @@
           <a:p>
             <a:fld id="{B225FCC5-4AAF-49A2-93AB-99056224CF82}" type="datetimeFigureOut">
               <a:rPr lang="pt-BR" smtClean="0"/>
-              <a:t>25/06/2018</a:t>
+              <a:t>26/06/2018</a:t>
             </a:fld>
             <a:endParaRPr lang="pt-BR"/>
           </a:p>
@@ -6107,31 +6544,6 @@
       </p:sp>
       <p:sp>
         <p:nvSpPr>
-          <p:cNvPr id="2" name="Título 1"/>
-          <p:cNvSpPr>
-            <a:spLocks noGrp="1"/>
-          </p:cNvSpPr>
-          <p:nvPr>
-            <p:ph type="ctrTitle"/>
-          </p:nvPr>
-        </p:nvSpPr>
-        <p:spPr/>
-        <p:txBody>
-          <a:bodyPr>
-            <a:normAutofit/>
-          </a:bodyPr>
-          <a:lstStyle/>
-          <a:p>
-            <a:r>
-              <a:rPr lang="pt-BR" sz="9600" dirty="0" smtClean="0"/>
-              <a:t>PSIQ</a:t>
-            </a:r>
-            <a:endParaRPr lang="pt-BR" sz="9600" dirty="0"/>
-          </a:p>
-        </p:txBody>
-      </p:sp>
-      <p:sp>
-        <p:nvSpPr>
           <p:cNvPr id="5" name="CaixaDeTexto 4"/>
           <p:cNvSpPr txBox="1"/>
           <p:nvPr/>
@@ -6176,6 +6588,36 @@
           </a:p>
         </p:txBody>
       </p:sp>
+      <p:pic>
+        <p:nvPicPr>
+          <p:cNvPr id="4" name="Imagem 3"/>
+          <p:cNvPicPr>
+            <a:picLocks noChangeAspect="1"/>
+          </p:cNvPicPr>
+          <p:nvPr/>
+        </p:nvPicPr>
+        <p:blipFill>
+          <a:blip r:embed="rId2">
+            <a:extLst>
+              <a:ext uri="{28A0092B-C50C-407E-A947-70E740481C1C}">
+                <a14:useLocalDpi xmlns:a14="http://schemas.microsoft.com/office/drawing/2010/main" val="0"/>
+              </a:ext>
+            </a:extLst>
+          </a:blip>
+          <a:stretch>
+            <a:fillRect/>
+          </a:stretch>
+        </p:blipFill>
+        <p:spPr>
+          <a:xfrm>
+            <a:off x="2555776" y="141365"/>
+            <a:ext cx="4176464" cy="2702768"/>
+          </a:xfrm>
+          <a:prstGeom prst="rect">
+            <a:avLst/>
+          </a:prstGeom>
+        </p:spPr>
+      </p:pic>
     </p:spTree>
     <p:extLst>
       <p:ext uri="{BB962C8B-B14F-4D97-AF65-F5344CB8AC3E}">
@@ -6229,49 +6671,75 @@
           <a:lstStyle/>
           <a:p>
             <a:r>
-              <a:rPr lang="pt-BR" smtClean="0"/>
-              <a:t>DIAGRAMA  DE </a:t>
-            </a:r>
-            <a:r>
               <a:rPr lang="pt-BR" dirty="0" smtClean="0"/>
-              <a:t>CLASSE:</a:t>
+              <a:t>DIAGRAMA DE CLASSE:</a:t>
             </a:r>
             <a:endParaRPr lang="pt-BR" dirty="0"/>
           </a:p>
         </p:txBody>
       </p:sp>
-      <p:sp>
-        <p:nvSpPr>
-          <p:cNvPr id="3" name="Espaço Reservado para Conteúdo 2"/>
-          <p:cNvSpPr>
-            <a:spLocks noGrp="1"/>
-          </p:cNvSpPr>
-          <p:nvPr>
-            <p:ph sz="quarter" idx="1"/>
-          </p:nvPr>
-        </p:nvSpPr>
-        <p:spPr/>
-        <p:txBody>
-          <a:bodyPr/>
-          <a:lstStyle/>
-          <a:p>
-            <a:pPr marL="0" indent="0">
-              <a:buNone/>
-            </a:pPr>
-            <a:endParaRPr lang="pt-BR" dirty="0" smtClean="0"/>
-          </a:p>
-          <a:p>
-            <a:r>
-              <a:rPr lang="pt-BR" dirty="0"/>
-              <a:t>	Um diagrama de classe é um diagrama que mostra um conjunto de classes, interfaces e colaborações e seus relacionamentos. Graficamente, um diagrama de classes é uma coleção de vértices e arcos. Eles são importantes não só para a visualização, a especificação e a documentação de modelos estruturais, mas também para a construção de sistemas executáveis por intermédio de engenharia direta ou reversa. (BOOCH, 2012)</a:t>
-            </a:r>
-          </a:p>
-        </p:txBody>
-      </p:sp>
+      <p:pic>
+        <p:nvPicPr>
+          <p:cNvPr id="3" name="Imagem 2"/>
+          <p:cNvPicPr/>
+          <p:nvPr/>
+        </p:nvPicPr>
+        <p:blipFill>
+          <a:blip r:embed="rId3">
+            <a:extLst>
+              <a:ext uri="{28A0092B-C50C-407E-A947-70E740481C1C}">
+                <a14:useLocalDpi xmlns:a14="http://schemas.microsoft.com/office/drawing/2010/main" val="0"/>
+              </a:ext>
+            </a:extLst>
+          </a:blip>
+          <a:stretch>
+            <a:fillRect/>
+          </a:stretch>
+        </p:blipFill>
+        <p:spPr>
+          <a:xfrm>
+            <a:off x="323528" y="1488085"/>
+            <a:ext cx="8568952" cy="4677219"/>
+          </a:xfrm>
+          <a:prstGeom prst="rect">
+            <a:avLst/>
+          </a:prstGeom>
+        </p:spPr>
+      </p:pic>
+      <p:pic>
+        <p:nvPicPr>
+          <p:cNvPr id="4" name="Imagem 3"/>
+          <p:cNvPicPr>
+            <a:picLocks noChangeAspect="1"/>
+          </p:cNvPicPr>
+          <p:nvPr/>
+        </p:nvPicPr>
+        <p:blipFill>
+          <a:blip r:embed="rId4">
+            <a:extLst>
+              <a:ext uri="{28A0092B-C50C-407E-A947-70E740481C1C}">
+                <a14:useLocalDpi xmlns:a14="http://schemas.microsoft.com/office/drawing/2010/main" val="0"/>
+              </a:ext>
+            </a:extLst>
+          </a:blip>
+          <a:stretch>
+            <a:fillRect/>
+          </a:stretch>
+        </p:blipFill>
+        <p:spPr>
+          <a:xfrm>
+            <a:off x="7092280" y="263381"/>
+            <a:ext cx="1739184" cy="1499095"/>
+          </a:xfrm>
+          <a:prstGeom prst="rect">
+            <a:avLst/>
+          </a:prstGeom>
+        </p:spPr>
+      </p:pic>
     </p:spTree>
     <p:extLst>
       <p:ext uri="{BB962C8B-B14F-4D97-AF65-F5344CB8AC3E}">
-        <p14:creationId xmlns:p14="http://schemas.microsoft.com/office/powerpoint/2010/main" val="781854496"/>
+        <p14:creationId xmlns:p14="http://schemas.microsoft.com/office/powerpoint/2010/main" val="3167741729"/>
       </p:ext>
     </p:extLst>
   </p:cSld>
@@ -6322,16 +6790,49 @@
           <a:p>
             <a:r>
               <a:rPr lang="pt-BR" dirty="0" smtClean="0"/>
-              <a:t>DIAGRAMA DE CLASSE:</a:t>
-            </a:r>
+              <a:t>DER:</a:t>
+            </a:r>
+            <a:endParaRPr lang="pt-BR" dirty="0"/>
+          </a:p>
+        </p:txBody>
+      </p:sp>
+      <p:sp>
+        <p:nvSpPr>
+          <p:cNvPr id="3" name="Espaço Reservado para Conteúdo 2"/>
+          <p:cNvSpPr>
+            <a:spLocks noGrp="1"/>
+          </p:cNvSpPr>
+          <p:nvPr>
+            <p:ph sz="quarter" idx="1"/>
+          </p:nvPr>
+        </p:nvSpPr>
+        <p:spPr/>
+        <p:txBody>
+          <a:bodyPr/>
+          <a:lstStyle/>
+          <a:p>
+            <a:pPr marL="0" indent="0">
+              <a:buNone/>
+            </a:pPr>
+            <a:endParaRPr lang="pt-BR" dirty="0" smtClean="0"/>
+          </a:p>
+          <a:p>
+            <a:endParaRPr lang="pt-BR" dirty="0"/>
+          </a:p>
+          <a:p>
+            <a:pPr marL="0" indent="0">
+              <a:buNone/>
+            </a:pPr>
             <a:endParaRPr lang="pt-BR" dirty="0"/>
           </a:p>
         </p:txBody>
       </p:sp>
       <p:pic>
         <p:nvPicPr>
-          <p:cNvPr id="3" name="Imagem 2"/>
-          <p:cNvPicPr/>
+          <p:cNvPr id="4" name="Imagem 3"/>
+          <p:cNvPicPr>
+            <a:picLocks noChangeAspect="1"/>
+          </p:cNvPicPr>
           <p:nvPr/>
         </p:nvPicPr>
         <p:blipFill>
@@ -6348,8 +6849,38 @@
         </p:blipFill>
         <p:spPr>
           <a:xfrm>
-            <a:off x="323528" y="1488085"/>
-            <a:ext cx="8568952" cy="5107191"/>
+            <a:off x="7092280" y="263381"/>
+            <a:ext cx="1739184" cy="1499095"/>
+          </a:xfrm>
+          <a:prstGeom prst="rect">
+            <a:avLst/>
+          </a:prstGeom>
+        </p:spPr>
+      </p:pic>
+      <p:pic>
+        <p:nvPicPr>
+          <p:cNvPr id="5" name="Imagem 4"/>
+          <p:cNvPicPr>
+            <a:picLocks noChangeAspect="1"/>
+          </p:cNvPicPr>
+          <p:nvPr/>
+        </p:nvPicPr>
+        <p:blipFill>
+          <a:blip r:embed="rId3">
+            <a:extLst>
+              <a:ext uri="{28A0092B-C50C-407E-A947-70E740481C1C}">
+                <a14:useLocalDpi xmlns:a14="http://schemas.microsoft.com/office/drawing/2010/main" val="0"/>
+              </a:ext>
+            </a:extLst>
+          </a:blip>
+          <a:stretch>
+            <a:fillRect/>
+          </a:stretch>
+        </p:blipFill>
+        <p:spPr>
+          <a:xfrm>
+            <a:off x="1331640" y="1899666"/>
+            <a:ext cx="5760640" cy="3826764"/>
           </a:xfrm>
           <a:prstGeom prst="rect">
             <a:avLst/>
@@ -6359,7 +6890,7 @@
     </p:spTree>
     <p:extLst>
       <p:ext uri="{BB962C8B-B14F-4D97-AF65-F5344CB8AC3E}">
-        <p14:creationId xmlns:p14="http://schemas.microsoft.com/office/powerpoint/2010/main" val="3167741729"/>
+        <p14:creationId xmlns:p14="http://schemas.microsoft.com/office/powerpoint/2010/main" val="1037366921"/>
       </p:ext>
     </p:extLst>
   </p:cSld>
@@ -6462,6 +6993,36 @@
           </a:p>
         </p:txBody>
       </p:sp>
+      <p:pic>
+        <p:nvPicPr>
+          <p:cNvPr id="4" name="Imagem 3"/>
+          <p:cNvPicPr>
+            <a:picLocks noChangeAspect="1"/>
+          </p:cNvPicPr>
+          <p:nvPr/>
+        </p:nvPicPr>
+        <p:blipFill>
+          <a:blip r:embed="rId3">
+            <a:extLst>
+              <a:ext uri="{28A0092B-C50C-407E-A947-70E740481C1C}">
+                <a14:useLocalDpi xmlns:a14="http://schemas.microsoft.com/office/drawing/2010/main" val="0"/>
+              </a:ext>
+            </a:extLst>
+          </a:blip>
+          <a:stretch>
+            <a:fillRect/>
+          </a:stretch>
+        </p:blipFill>
+        <p:spPr>
+          <a:xfrm>
+            <a:off x="7092280" y="263381"/>
+            <a:ext cx="1739184" cy="1499095"/>
+          </a:xfrm>
+          <a:prstGeom prst="rect">
+            <a:avLst/>
+          </a:prstGeom>
+        </p:spPr>
+      </p:pic>
     </p:spTree>
     <p:extLst>
       <p:ext uri="{BB962C8B-B14F-4D97-AF65-F5344CB8AC3E}">
@@ -6557,6 +7118,36 @@
           </a:p>
         </p:txBody>
       </p:sp>
+      <p:pic>
+        <p:nvPicPr>
+          <p:cNvPr id="4" name="Imagem 3"/>
+          <p:cNvPicPr>
+            <a:picLocks noChangeAspect="1"/>
+          </p:cNvPicPr>
+          <p:nvPr/>
+        </p:nvPicPr>
+        <p:blipFill>
+          <a:blip r:embed="rId2">
+            <a:extLst>
+              <a:ext uri="{28A0092B-C50C-407E-A947-70E740481C1C}">
+                <a14:useLocalDpi xmlns:a14="http://schemas.microsoft.com/office/drawing/2010/main" val="0"/>
+              </a:ext>
+            </a:extLst>
+          </a:blip>
+          <a:stretch>
+            <a:fillRect/>
+          </a:stretch>
+        </p:blipFill>
+        <p:spPr>
+          <a:xfrm>
+            <a:off x="7236296" y="213562"/>
+            <a:ext cx="1739184" cy="1499095"/>
+          </a:xfrm>
+          <a:prstGeom prst="rect">
+            <a:avLst/>
+          </a:prstGeom>
+        </p:spPr>
+      </p:pic>
     </p:spTree>
     <p:extLst>
       <p:ext uri="{BB962C8B-B14F-4D97-AF65-F5344CB8AC3E}">
@@ -6663,6 +7254,36 @@
           </a:p>
         </p:txBody>
       </p:sp>
+      <p:pic>
+        <p:nvPicPr>
+          <p:cNvPr id="4" name="Imagem 3"/>
+          <p:cNvPicPr>
+            <a:picLocks noChangeAspect="1"/>
+          </p:cNvPicPr>
+          <p:nvPr/>
+        </p:nvPicPr>
+        <p:blipFill>
+          <a:blip r:embed="rId2">
+            <a:extLst>
+              <a:ext uri="{28A0092B-C50C-407E-A947-70E740481C1C}">
+                <a14:useLocalDpi xmlns:a14="http://schemas.microsoft.com/office/drawing/2010/main" val="0"/>
+              </a:ext>
+            </a:extLst>
+          </a:blip>
+          <a:stretch>
+            <a:fillRect/>
+          </a:stretch>
+        </p:blipFill>
+        <p:spPr>
+          <a:xfrm>
+            <a:off x="7092280" y="263381"/>
+            <a:ext cx="1739184" cy="1499095"/>
+          </a:xfrm>
+          <a:prstGeom prst="rect">
+            <a:avLst/>
+          </a:prstGeom>
+        </p:spPr>
+      </p:pic>
     </p:spTree>
     <p:extLst>
       <p:ext uri="{BB962C8B-B14F-4D97-AF65-F5344CB8AC3E}">
@@ -6784,6 +7405,36 @@
           </a:p>
         </p:txBody>
       </p:sp>
+      <p:pic>
+        <p:nvPicPr>
+          <p:cNvPr id="4" name="Imagem 3"/>
+          <p:cNvPicPr>
+            <a:picLocks noChangeAspect="1"/>
+          </p:cNvPicPr>
+          <p:nvPr/>
+        </p:nvPicPr>
+        <p:blipFill>
+          <a:blip r:embed="rId2">
+            <a:extLst>
+              <a:ext uri="{28A0092B-C50C-407E-A947-70E740481C1C}">
+                <a14:useLocalDpi xmlns:a14="http://schemas.microsoft.com/office/drawing/2010/main" val="0"/>
+              </a:ext>
+            </a:extLst>
+          </a:blip>
+          <a:stretch>
+            <a:fillRect/>
+          </a:stretch>
+        </p:blipFill>
+        <p:spPr>
+          <a:xfrm>
+            <a:off x="7092280" y="263381"/>
+            <a:ext cx="1739184" cy="1499095"/>
+          </a:xfrm>
+          <a:prstGeom prst="rect">
+            <a:avLst/>
+          </a:prstGeom>
+        </p:spPr>
+      </p:pic>
     </p:spTree>
     <p:extLst>
       <p:ext uri="{BB962C8B-B14F-4D97-AF65-F5344CB8AC3E}">
@@ -6927,6 +7578,36 @@
           </a:p>
         </p:txBody>
       </p:sp>
+      <p:pic>
+        <p:nvPicPr>
+          <p:cNvPr id="4" name="Imagem 3"/>
+          <p:cNvPicPr>
+            <a:picLocks noChangeAspect="1"/>
+          </p:cNvPicPr>
+          <p:nvPr/>
+        </p:nvPicPr>
+        <p:blipFill>
+          <a:blip r:embed="rId2">
+            <a:extLst>
+              <a:ext uri="{28A0092B-C50C-407E-A947-70E740481C1C}">
+                <a14:useLocalDpi xmlns:a14="http://schemas.microsoft.com/office/drawing/2010/main" val="0"/>
+              </a:ext>
+            </a:extLst>
+          </a:blip>
+          <a:stretch>
+            <a:fillRect/>
+          </a:stretch>
+        </p:blipFill>
+        <p:spPr>
+          <a:xfrm>
+            <a:off x="7096968" y="83688"/>
+            <a:ext cx="1739184" cy="1499095"/>
+          </a:xfrm>
+          <a:prstGeom prst="rect">
+            <a:avLst/>
+          </a:prstGeom>
+        </p:spPr>
+      </p:pic>
     </p:spTree>
     <p:extLst>
       <p:ext uri="{BB962C8B-B14F-4D97-AF65-F5344CB8AC3E}">
@@ -6981,7 +7662,7 @@
           <a:p>
             <a:r>
               <a:rPr lang="pt-BR" dirty="0" smtClean="0"/>
-              <a:t>REQUISITOS FUNCIONAIS</a:t>
+              <a:t>Pesquisa de mercado:</a:t>
             </a:r>
             <a:endParaRPr lang="pt-BR" dirty="0"/>
           </a:p>
@@ -7002,77 +7683,86 @@
           <a:bodyPr/>
           <a:lstStyle/>
           <a:p>
-            <a:pPr marL="0" indent="0" algn="just">
+            <a:pPr marL="0" indent="0">
               <a:buNone/>
             </a:pPr>
-            <a:r>
-              <a:rPr lang="pt-BR" dirty="0"/>
-              <a:t>“Os requisitos funcionais descrevem a funcionalidade ou </a:t>
-            </a:r>
-            <a:r>
-              <a:rPr lang="pt-BR" dirty="0" smtClean="0"/>
-              <a:t>os serviços </a:t>
-            </a:r>
-            <a:r>
-              <a:rPr lang="pt-BR" dirty="0"/>
-              <a:t>que se espera que o sistema realize em </a:t>
-            </a:r>
-            <a:r>
-              <a:rPr lang="pt-BR" dirty="0" smtClean="0"/>
-              <a:t>benefício dos usuários</a:t>
-            </a:r>
-            <a:r>
-              <a:rPr lang="pt-BR" dirty="0"/>
-              <a:t>” (FILHO, 2000</a:t>
-            </a:r>
-            <a:r>
-              <a:rPr lang="pt-BR" dirty="0" smtClean="0"/>
-              <a:t>).</a:t>
-            </a:r>
-          </a:p>
-          <a:p>
-            <a:pPr marL="0" indent="0" algn="just">
+            <a:endParaRPr lang="pt-BR" dirty="0" smtClean="0"/>
+          </a:p>
+          <a:p>
+            <a:endParaRPr lang="pt-BR" dirty="0"/>
+          </a:p>
+          <a:p>
+            <a:pPr marL="0" indent="0">
               <a:buNone/>
             </a:pPr>
             <a:endParaRPr lang="pt-BR" dirty="0"/>
           </a:p>
-          <a:p>
-            <a:pPr marL="0" indent="0" algn="just">
-              <a:buNone/>
-            </a:pPr>
-            <a:r>
-              <a:rPr lang="pt-BR" dirty="0" smtClean="0"/>
-              <a:t>“Os </a:t>
-            </a:r>
-            <a:r>
-              <a:rPr lang="pt-BR" dirty="0"/>
-              <a:t>requisitos funcionais de usuários definem recursos</a:t>
-            </a:r>
-          </a:p>
-          <a:p>
-            <a:pPr marL="0" indent="0" algn="just">
-              <a:buNone/>
-            </a:pPr>
-            <a:r>
-              <a:rPr lang="pt-BR" dirty="0"/>
-              <a:t>específicos que devem ser fornecidos pelo </a:t>
-            </a:r>
-            <a:r>
-              <a:rPr lang="pt-BR" dirty="0" smtClean="0"/>
-              <a:t>sistema” (SOMMERVILLE, 2008</a:t>
-            </a:r>
-            <a:r>
-              <a:rPr lang="pt-BR" dirty="0"/>
-              <a:t>)</a:t>
-            </a:r>
-            <a:endParaRPr lang="pt-BR" dirty="0" smtClean="0"/>
-          </a:p>
-        </p:txBody>
-      </p:sp>
+        </p:txBody>
+      </p:sp>
+      <p:pic>
+        <p:nvPicPr>
+          <p:cNvPr id="4" name="Imagem 3"/>
+          <p:cNvPicPr>
+            <a:picLocks noChangeAspect="1"/>
+          </p:cNvPicPr>
+          <p:nvPr/>
+        </p:nvPicPr>
+        <p:blipFill>
+          <a:blip r:embed="rId2">
+            <a:extLst>
+              <a:ext uri="{28A0092B-C50C-407E-A947-70E740481C1C}">
+                <a14:useLocalDpi xmlns:a14="http://schemas.microsoft.com/office/drawing/2010/main" val="0"/>
+              </a:ext>
+            </a:extLst>
+          </a:blip>
+          <a:stretch>
+            <a:fillRect/>
+          </a:stretch>
+        </p:blipFill>
+        <p:spPr>
+          <a:xfrm>
+            <a:off x="7092280" y="263381"/>
+            <a:ext cx="1739184" cy="1499095"/>
+          </a:xfrm>
+          <a:prstGeom prst="rect">
+            <a:avLst/>
+          </a:prstGeom>
+        </p:spPr>
+      </p:pic>
+      <p:pic>
+        <p:nvPicPr>
+          <p:cNvPr id="5" name="Imagem 4"/>
+          <p:cNvPicPr>
+            <a:picLocks noChangeAspect="1"/>
+          </p:cNvPicPr>
+          <p:nvPr/>
+        </p:nvPicPr>
+        <p:blipFill>
+          <a:blip r:embed="rId3">
+            <a:extLst>
+              <a:ext uri="{28A0092B-C50C-407E-A947-70E740481C1C}">
+                <a14:useLocalDpi xmlns:a14="http://schemas.microsoft.com/office/drawing/2010/main" val="0"/>
+              </a:ext>
+            </a:extLst>
+          </a:blip>
+          <a:stretch>
+            <a:fillRect/>
+          </a:stretch>
+        </p:blipFill>
+        <p:spPr>
+          <a:xfrm>
+            <a:off x="1481137" y="1819274"/>
+            <a:ext cx="6181725" cy="3625949"/>
+          </a:xfrm>
+          <a:prstGeom prst="rect">
+            <a:avLst/>
+          </a:prstGeom>
+        </p:spPr>
+      </p:pic>
     </p:spTree>
     <p:extLst>
       <p:ext uri="{BB962C8B-B14F-4D97-AF65-F5344CB8AC3E}">
-        <p14:creationId xmlns:p14="http://schemas.microsoft.com/office/powerpoint/2010/main" val="2531734687"/>
+        <p14:creationId xmlns:p14="http://schemas.microsoft.com/office/powerpoint/2010/main" val="3662288727"/>
       </p:ext>
     </p:extLst>
   </p:cSld>
@@ -7123,7 +7813,7 @@
           <a:p>
             <a:r>
               <a:rPr lang="pt-BR" dirty="0" smtClean="0"/>
-              <a:t>REQUISITOS FUNCIONAIS</a:t>
+              <a:t>ARQUITETURA E METODOLOGIA</a:t>
             </a:r>
             <a:endParaRPr lang="pt-BR" dirty="0"/>
           </a:p>
@@ -7141,51 +7831,72 @@
         </p:nvSpPr>
         <p:spPr/>
         <p:txBody>
-          <a:bodyPr>
-            <a:normAutofit/>
-          </a:bodyPr>
-          <a:lstStyle/>
-          <a:p>
-            <a:pPr algn="just"/>
-            <a:r>
-              <a:rPr lang="pt-BR" sz="3600" dirty="0" smtClean="0"/>
-              <a:t>RF09 Diagnóstico específico </a:t>
-            </a:r>
-            <a:r>
-              <a:rPr lang="pt-BR" sz="3600" dirty="0"/>
-              <a:t>do </a:t>
-            </a:r>
-            <a:r>
-              <a:rPr lang="pt-BR" sz="3600" dirty="0" smtClean="0"/>
-              <a:t>paciente</a:t>
-            </a:r>
-            <a:endParaRPr lang="pt-BR" sz="3600" dirty="0"/>
-          </a:p>
-          <a:p>
-            <a:pPr algn="just"/>
-            <a:r>
-              <a:rPr lang="pt-BR" sz="3600" dirty="0"/>
-              <a:t>RF06 Pré cadastrar </a:t>
-            </a:r>
-            <a:r>
-              <a:rPr lang="pt-BR" sz="3600" dirty="0" smtClean="0"/>
-              <a:t>pacientes</a:t>
-            </a:r>
-          </a:p>
-          <a:p>
-            <a:pPr algn="just"/>
-            <a:r>
-              <a:rPr lang="pt-BR" sz="3600" dirty="0"/>
-              <a:t>RF08 Acesso ao chat - RF14 Chat</a:t>
-            </a:r>
-            <a:endParaRPr lang="pt-BR" sz="3600" dirty="0" smtClean="0"/>
-          </a:p>
-        </p:txBody>
-      </p:sp>
+          <a:bodyPr/>
+          <a:lstStyle/>
+          <a:p>
+            <a:pPr marL="0" indent="0">
+              <a:buNone/>
+            </a:pPr>
+            <a:endParaRPr lang="pt-BR" dirty="0" smtClean="0"/>
+          </a:p>
+          <a:p>
+            <a:r>
+              <a:rPr lang="pt-BR" dirty="0" smtClean="0"/>
+              <a:t>MVC;</a:t>
+            </a:r>
+          </a:p>
+          <a:p>
+            <a:r>
+              <a:rPr lang="pt-BR" dirty="0" smtClean="0"/>
+              <a:t>SCRUM.</a:t>
+            </a:r>
+            <a:endParaRPr lang="pt-BR" dirty="0" smtClean="0"/>
+          </a:p>
+          <a:p>
+            <a:endParaRPr lang="pt-BR" dirty="0"/>
+          </a:p>
+          <a:p>
+            <a:pPr marL="0" indent="0">
+              <a:buNone/>
+            </a:pPr>
+            <a:endParaRPr lang="pt-BR" dirty="0"/>
+          </a:p>
+        </p:txBody>
+      </p:sp>
+      <p:pic>
+        <p:nvPicPr>
+          <p:cNvPr id="4" name="Imagem 3"/>
+          <p:cNvPicPr>
+            <a:picLocks noChangeAspect="1"/>
+          </p:cNvPicPr>
+          <p:nvPr/>
+        </p:nvPicPr>
+        <p:blipFill>
+          <a:blip r:embed="rId2">
+            <a:extLst>
+              <a:ext uri="{28A0092B-C50C-407E-A947-70E740481C1C}">
+                <a14:useLocalDpi xmlns:a14="http://schemas.microsoft.com/office/drawing/2010/main" val="0"/>
+              </a:ext>
+            </a:extLst>
+          </a:blip>
+          <a:stretch>
+            <a:fillRect/>
+          </a:stretch>
+        </p:blipFill>
+        <p:spPr>
+          <a:xfrm>
+            <a:off x="7164288" y="956395"/>
+            <a:ext cx="1739184" cy="1499095"/>
+          </a:xfrm>
+          <a:prstGeom prst="rect">
+            <a:avLst/>
+          </a:prstGeom>
+        </p:spPr>
+      </p:pic>
     </p:spTree>
     <p:extLst>
       <p:ext uri="{BB962C8B-B14F-4D97-AF65-F5344CB8AC3E}">
-        <p14:creationId xmlns:p14="http://schemas.microsoft.com/office/powerpoint/2010/main" val="3227034781"/>
+        <p14:creationId xmlns:p14="http://schemas.microsoft.com/office/powerpoint/2010/main" val="569410568"/>
       </p:ext>
     </p:extLst>
   </p:cSld>
@@ -7236,7 +7947,7 @@
           <a:p>
             <a:r>
               <a:rPr lang="pt-BR" dirty="0" smtClean="0"/>
-              <a:t>DIAGRAMA DE CASO DE USO:</a:t>
+              <a:t>REQUISITOS FUNCIONAIS</a:t>
             </a:r>
             <a:endParaRPr lang="pt-BR" dirty="0"/>
           </a:p>
@@ -7254,33 +7965,81 @@
         </p:nvSpPr>
         <p:spPr/>
         <p:txBody>
-          <a:bodyPr/>
-          <a:lstStyle/>
-          <a:p>
-            <a:pPr marL="0" indent="0">
-              <a:buNone/>
-            </a:pPr>
-            <a:endParaRPr lang="pt-BR" dirty="0" smtClean="0"/>
-          </a:p>
-          <a:p>
-            <a:endParaRPr lang="pt-BR" dirty="0"/>
-          </a:p>
-          <a:p>
-            <a:r>
-              <a:rPr lang="pt-BR" dirty="0" smtClean="0"/>
-              <a:t>Um </a:t>
-            </a:r>
-            <a:r>
-              <a:rPr lang="pt-BR" dirty="0"/>
-              <a:t>caso de uso conta uma história sobre como um usuário final (interpretando um de uma série de papéis) interage com o sistema dentro de um conjunto de circunstâncias.(Pressman)</a:t>
-            </a:r>
-          </a:p>
-        </p:txBody>
-      </p:sp>
+          <a:bodyPr>
+            <a:normAutofit/>
+          </a:bodyPr>
+          <a:lstStyle/>
+          <a:p>
+            <a:pPr algn="just"/>
+            <a:r>
+              <a:rPr lang="pt-BR" sz="3600" dirty="0" smtClean="0"/>
+              <a:t>RF09 Diagnóstico específico </a:t>
+            </a:r>
+            <a:r>
+              <a:rPr lang="pt-BR" sz="3600" dirty="0"/>
+              <a:t>do </a:t>
+            </a:r>
+            <a:r>
+              <a:rPr lang="pt-BR" sz="3600" dirty="0" smtClean="0"/>
+              <a:t>paciente</a:t>
+            </a:r>
+            <a:endParaRPr lang="pt-BR" sz="3600" dirty="0"/>
+          </a:p>
+          <a:p>
+            <a:pPr algn="just"/>
+            <a:r>
+              <a:rPr lang="pt-BR" sz="3600" dirty="0"/>
+              <a:t>RF06 Pré cadastrar </a:t>
+            </a:r>
+            <a:r>
+              <a:rPr lang="pt-BR" sz="3600" dirty="0" smtClean="0"/>
+              <a:t>pacientes</a:t>
+            </a:r>
+          </a:p>
+          <a:p>
+            <a:pPr algn="just"/>
+            <a:r>
+              <a:rPr lang="pt-BR" sz="3600" dirty="0"/>
+              <a:t>RF08 Acesso ao chat - RF14 Chat</a:t>
+            </a:r>
+            <a:endParaRPr lang="pt-BR" sz="3600" dirty="0" smtClean="0"/>
+          </a:p>
+        </p:txBody>
+      </p:sp>
+      <p:pic>
+        <p:nvPicPr>
+          <p:cNvPr id="4" name="Imagem 3"/>
+          <p:cNvPicPr>
+            <a:picLocks noChangeAspect="1"/>
+          </p:cNvPicPr>
+          <p:nvPr/>
+        </p:nvPicPr>
+        <p:blipFill>
+          <a:blip r:embed="rId2">
+            <a:extLst>
+              <a:ext uri="{28A0092B-C50C-407E-A947-70E740481C1C}">
+                <a14:useLocalDpi xmlns:a14="http://schemas.microsoft.com/office/drawing/2010/main" val="0"/>
+              </a:ext>
+            </a:extLst>
+          </a:blip>
+          <a:stretch>
+            <a:fillRect/>
+          </a:stretch>
+        </p:blipFill>
+        <p:spPr>
+          <a:xfrm>
+            <a:off x="7236296" y="228600"/>
+            <a:ext cx="1739184" cy="1499095"/>
+          </a:xfrm>
+          <a:prstGeom prst="rect">
+            <a:avLst/>
+          </a:prstGeom>
+        </p:spPr>
+      </p:pic>
     </p:spTree>
     <p:extLst>
       <p:ext uri="{BB962C8B-B14F-4D97-AF65-F5344CB8AC3E}">
-        <p14:creationId xmlns:p14="http://schemas.microsoft.com/office/powerpoint/2010/main" val="1748257237"/>
+        <p14:creationId xmlns:p14="http://schemas.microsoft.com/office/powerpoint/2010/main" val="3227034781"/>
       </p:ext>
     </p:extLst>
   </p:cSld>
@@ -7363,6 +8122,36 @@
             <a:avLst/>
           </a:prstGeom>
           <a:ln/>
+        </p:spPr>
+      </p:pic>
+      <p:pic>
+        <p:nvPicPr>
+          <p:cNvPr id="5" name="Imagem 4"/>
+          <p:cNvPicPr>
+            <a:picLocks noChangeAspect="1"/>
+          </p:cNvPicPr>
+          <p:nvPr/>
+        </p:nvPicPr>
+        <p:blipFill>
+          <a:blip r:embed="rId3">
+            <a:extLst>
+              <a:ext uri="{28A0092B-C50C-407E-A947-70E740481C1C}">
+                <a14:useLocalDpi xmlns:a14="http://schemas.microsoft.com/office/drawing/2010/main" val="0"/>
+              </a:ext>
+            </a:extLst>
+          </a:blip>
+          <a:stretch>
+            <a:fillRect/>
+          </a:stretch>
+        </p:blipFill>
+        <p:spPr>
+          <a:xfrm>
+            <a:off x="7631832" y="116632"/>
+            <a:ext cx="1512168" cy="1303418"/>
+          </a:xfrm>
+          <a:prstGeom prst="rect">
+            <a:avLst/>
+          </a:prstGeom>
         </p:spPr>
       </p:pic>
     </p:spTree>
@@ -7632,4 +8421,265 @@
   <a:objectDefaults/>
   <a:extraClrSchemeLst/>
 </a:theme>
+</file>
+
+<file path=ppt/theme/theme2.xml><?xml version="1.0" encoding="utf-8"?>
+<a:theme xmlns:a="http://schemas.openxmlformats.org/drawingml/2006/main" name="Tema do Office">
+  <a:themeElements>
+    <a:clrScheme name="Escritório">
+      <a:dk1>
+        <a:sysClr val="windowText" lastClr="000000"/>
+      </a:dk1>
+      <a:lt1>
+        <a:sysClr val="window" lastClr="FFFFFF"/>
+      </a:lt1>
+      <a:dk2>
+        <a:srgbClr val="44546A"/>
+      </a:dk2>
+      <a:lt2>
+        <a:srgbClr val="E7E6E6"/>
+      </a:lt2>
+      <a:accent1>
+        <a:srgbClr val="5B9BD5"/>
+      </a:accent1>
+      <a:accent2>
+        <a:srgbClr val="ED7D31"/>
+      </a:accent2>
+      <a:accent3>
+        <a:srgbClr val="A5A5A5"/>
+      </a:accent3>
+      <a:accent4>
+        <a:srgbClr val="FFC000"/>
+      </a:accent4>
+      <a:accent5>
+        <a:srgbClr val="4472C4"/>
+      </a:accent5>
+      <a:accent6>
+        <a:srgbClr val="70AD47"/>
+      </a:accent6>
+      <a:hlink>
+        <a:srgbClr val="0563C1"/>
+      </a:hlink>
+      <a:folHlink>
+        <a:srgbClr val="954F72"/>
+      </a:folHlink>
+    </a:clrScheme>
+    <a:fontScheme name="Escritório">
+      <a:majorFont>
+        <a:latin typeface="Calibri Light" panose="020F0302020204030204"/>
+        <a:ea typeface=""/>
+        <a:cs typeface=""/>
+        <a:font script="Jpan" typeface="ＭＳ Ｐゴシック"/>
+        <a:font script="Hang" typeface="맑은 고딕"/>
+        <a:font script="Hans" typeface="宋体"/>
+        <a:font script="Hant" typeface="新細明體"/>
+        <a:font script="Arab" typeface="Times New Roman"/>
+        <a:font script="Hebr" typeface="Times New Roman"/>
+        <a:font script="Thai" typeface="Angsana New"/>
+        <a:font script="Ethi" typeface="Nyala"/>
+        <a:font script="Beng" typeface="Vrinda"/>
+        <a:font script="Gujr" typeface="Shruti"/>
+        <a:font script="Khmr" typeface="MoolBoran"/>
+        <a:font script="Knda" typeface="Tunga"/>
+        <a:font script="Guru" typeface="Raavi"/>
+        <a:font script="Cans" typeface="Euphemia"/>
+        <a:font script="Cher" typeface="Plantagenet Cherokee"/>
+        <a:font script="Yiii" typeface="Microsoft Yi Baiti"/>
+        <a:font script="Tibt" typeface="Microsoft Himalaya"/>
+        <a:font script="Thaa" typeface="MV Boli"/>
+        <a:font script="Deva" typeface="Mangal"/>
+        <a:font script="Telu" typeface="Gautami"/>
+        <a:font script="Taml" typeface="Latha"/>
+        <a:font script="Syrc" typeface="Estrangelo Edessa"/>
+        <a:font script="Orya" typeface="Kalinga"/>
+        <a:font script="Mlym" typeface="Kartika"/>
+        <a:font script="Laoo" typeface="DokChampa"/>
+        <a:font script="Sinh" typeface="Iskoola Pota"/>
+        <a:font script="Mong" typeface="Mongolian Baiti"/>
+        <a:font script="Viet" typeface="Times New Roman"/>
+        <a:font script="Uigh" typeface="Microsoft Uighur"/>
+        <a:font script="Geor" typeface="Sylfaen"/>
+      </a:majorFont>
+      <a:minorFont>
+        <a:latin typeface="Calibri" panose="020F0502020204030204"/>
+        <a:ea typeface=""/>
+        <a:cs typeface=""/>
+        <a:font script="Jpan" typeface="ＭＳ Ｐゴシック"/>
+        <a:font script="Hang" typeface="맑은 고딕"/>
+        <a:font script="Hans" typeface="宋体"/>
+        <a:font script="Hant" typeface="新細明體"/>
+        <a:font script="Arab" typeface="Arial"/>
+        <a:font script="Hebr" typeface="Arial"/>
+        <a:font script="Thai" typeface="Cordia New"/>
+        <a:font script="Ethi" typeface="Nyala"/>
+        <a:font script="Beng" typeface="Vrinda"/>
+        <a:font script="Gujr" typeface="Shruti"/>
+        <a:font script="Khmr" typeface="DaunPenh"/>
+        <a:font script="Knda" typeface="Tunga"/>
+        <a:font script="Guru" typeface="Raavi"/>
+        <a:font script="Cans" typeface="Euphemia"/>
+        <a:font script="Cher" typeface="Plantagenet Cherokee"/>
+        <a:font script="Yiii" typeface="Microsoft Yi Baiti"/>
+        <a:font script="Tibt" typeface="Microsoft Himalaya"/>
+        <a:font script="Thaa" typeface="MV Boli"/>
+        <a:font script="Deva" typeface="Mangal"/>
+        <a:font script="Telu" typeface="Gautami"/>
+        <a:font script="Taml" typeface="Latha"/>
+        <a:font script="Syrc" typeface="Estrangelo Edessa"/>
+        <a:font script="Orya" typeface="Kalinga"/>
+        <a:font script="Mlym" typeface="Kartika"/>
+        <a:font script="Laoo" typeface="DokChampa"/>
+        <a:font script="Sinh" typeface="Iskoola Pota"/>
+        <a:font script="Mong" typeface="Mongolian Baiti"/>
+        <a:font script="Viet" typeface="Arial"/>
+        <a:font script="Uigh" typeface="Microsoft Uighur"/>
+        <a:font script="Geor" typeface="Sylfaen"/>
+      </a:minorFont>
+    </a:fontScheme>
+    <a:fmtScheme name="Escritório">
+      <a:fillStyleLst>
+        <a:solidFill>
+          <a:schemeClr val="phClr"/>
+        </a:solidFill>
+        <a:gradFill rotWithShape="1">
+          <a:gsLst>
+            <a:gs pos="0">
+              <a:schemeClr val="phClr">
+                <a:lumMod val="110000"/>
+                <a:satMod val="105000"/>
+                <a:tint val="67000"/>
+              </a:schemeClr>
+            </a:gs>
+            <a:gs pos="50000">
+              <a:schemeClr val="phClr">
+                <a:lumMod val="105000"/>
+                <a:satMod val="103000"/>
+                <a:tint val="73000"/>
+              </a:schemeClr>
+            </a:gs>
+            <a:gs pos="100000">
+              <a:schemeClr val="phClr">
+                <a:lumMod val="105000"/>
+                <a:satMod val="109000"/>
+                <a:tint val="81000"/>
+              </a:schemeClr>
+            </a:gs>
+          </a:gsLst>
+          <a:lin ang="5400000" scaled="0"/>
+        </a:gradFill>
+        <a:gradFill rotWithShape="1">
+          <a:gsLst>
+            <a:gs pos="0">
+              <a:schemeClr val="phClr">
+                <a:satMod val="103000"/>
+                <a:lumMod val="102000"/>
+                <a:tint val="94000"/>
+              </a:schemeClr>
+            </a:gs>
+            <a:gs pos="50000">
+              <a:schemeClr val="phClr">
+                <a:satMod val="110000"/>
+                <a:lumMod val="100000"/>
+                <a:shade val="100000"/>
+              </a:schemeClr>
+            </a:gs>
+            <a:gs pos="100000">
+              <a:schemeClr val="phClr">
+                <a:lumMod val="99000"/>
+                <a:satMod val="120000"/>
+                <a:shade val="78000"/>
+              </a:schemeClr>
+            </a:gs>
+          </a:gsLst>
+          <a:lin ang="5400000" scaled="0"/>
+        </a:gradFill>
+      </a:fillStyleLst>
+      <a:lnStyleLst>
+        <a:ln w="6350" cap="flat" cmpd="sng" algn="ctr">
+          <a:solidFill>
+            <a:schemeClr val="phClr"/>
+          </a:solidFill>
+          <a:prstDash val="solid"/>
+          <a:miter lim="800000"/>
+        </a:ln>
+        <a:ln w="12700" cap="flat" cmpd="sng" algn="ctr">
+          <a:solidFill>
+            <a:schemeClr val="phClr"/>
+          </a:solidFill>
+          <a:prstDash val="solid"/>
+          <a:miter lim="800000"/>
+        </a:ln>
+        <a:ln w="19050" cap="flat" cmpd="sng" algn="ctr">
+          <a:solidFill>
+            <a:schemeClr val="phClr"/>
+          </a:solidFill>
+          <a:prstDash val="solid"/>
+          <a:miter lim="800000"/>
+        </a:ln>
+      </a:lnStyleLst>
+      <a:effectStyleLst>
+        <a:effectStyle>
+          <a:effectLst/>
+        </a:effectStyle>
+        <a:effectStyle>
+          <a:effectLst/>
+        </a:effectStyle>
+        <a:effectStyle>
+          <a:effectLst>
+            <a:outerShdw blurRad="57150" dist="19050" dir="5400000" algn="ctr" rotWithShape="0">
+              <a:srgbClr val="000000">
+                <a:alpha val="63000"/>
+              </a:srgbClr>
+            </a:outerShdw>
+          </a:effectLst>
+        </a:effectStyle>
+      </a:effectStyleLst>
+      <a:bgFillStyleLst>
+        <a:solidFill>
+          <a:schemeClr val="phClr"/>
+        </a:solidFill>
+        <a:solidFill>
+          <a:schemeClr val="phClr">
+            <a:tint val="95000"/>
+            <a:satMod val="170000"/>
+          </a:schemeClr>
+        </a:solidFill>
+        <a:gradFill rotWithShape="1">
+          <a:gsLst>
+            <a:gs pos="0">
+              <a:schemeClr val="phClr">
+                <a:tint val="93000"/>
+                <a:satMod val="150000"/>
+                <a:shade val="98000"/>
+                <a:lumMod val="102000"/>
+              </a:schemeClr>
+            </a:gs>
+            <a:gs pos="50000">
+              <a:schemeClr val="phClr">
+                <a:tint val="98000"/>
+                <a:satMod val="130000"/>
+                <a:shade val="90000"/>
+                <a:lumMod val="103000"/>
+              </a:schemeClr>
+            </a:gs>
+            <a:gs pos="100000">
+              <a:schemeClr val="phClr">
+                <a:shade val="63000"/>
+                <a:satMod val="120000"/>
+              </a:schemeClr>
+            </a:gs>
+          </a:gsLst>
+          <a:lin ang="5400000" scaled="0"/>
+        </a:gradFill>
+      </a:bgFillStyleLst>
+    </a:fmtScheme>
+  </a:themeElements>
+  <a:objectDefaults/>
+  <a:extraClrSchemeLst/>
+  <a:extLst>
+    <a:ext uri="{05A4C25C-085E-4340-85A3-A5531E510DB2}">
+      <thm15:themeFamily xmlns:thm15="http://schemas.microsoft.com/office/thememl/2012/main" name="Office Theme" id="{62F939B6-93AF-4DB8-9C6B-D6C7DFDC589F}" vid="{4A3C46E8-61CC-4603-A589-7422A47A8E4A}"/>
+    </a:ext>
+  </a:extLst>
+</a:theme>
 </file>
--- a/DocumentoPSIQ/PSIQ.pptx
+++ b/DocumentoPSIQ/PSIQ.pptx
@@ -5,7 +5,7 @@
     <p:sldMasterId id="2147483660" r:id="rId1"/>
   </p:sldMasterIdLst>
   <p:notesMasterIdLst>
-    <p:notesMasterId r:id="rId14"/>
+    <p:notesMasterId r:id="rId15"/>
   </p:notesMasterIdLst>
   <p:sldIdLst>
     <p:sldId id="256" r:id="rId2"/>
@@ -19,7 +19,8 @@
     <p:sldId id="263" r:id="rId10"/>
     <p:sldId id="264" r:id="rId11"/>
     <p:sldId id="269" r:id="rId12"/>
-    <p:sldId id="267" r:id="rId13"/>
+    <p:sldId id="271" r:id="rId13"/>
+    <p:sldId id="267" r:id="rId14"/>
   </p:sldIdLst>
   <p:sldSz cx="9144000" cy="6858000" type="screen4x3"/>
   <p:notesSz cx="6858000" cy="9144000"/>
@@ -6908,6 +6909,152 @@
 </file>
 
 <file path=ppt/slides/slide12.xml><?xml version="1.0" encoding="utf-8"?>
+<p:sld xmlns:a="http://schemas.openxmlformats.org/drawingml/2006/main" xmlns:r="http://schemas.openxmlformats.org/officeDocument/2006/relationships" xmlns:p="http://schemas.openxmlformats.org/presentationml/2006/main">
+  <p:cSld>
+    <p:spTree>
+      <p:nvGrpSpPr>
+        <p:cNvPr id="1" name=""/>
+        <p:cNvGrpSpPr/>
+        <p:nvPr/>
+      </p:nvGrpSpPr>
+      <p:grpSpPr>
+        <a:xfrm>
+          <a:off x="0" y="0"/>
+          <a:ext cx="0" cy="0"/>
+          <a:chOff x="0" y="0"/>
+          <a:chExt cx="0" cy="0"/>
+        </a:xfrm>
+      </p:grpSpPr>
+      <p:pic>
+        <p:nvPicPr>
+          <p:cNvPr id="4" name="Imagem 3"/>
+          <p:cNvPicPr>
+            <a:picLocks noChangeAspect="1"/>
+          </p:cNvPicPr>
+          <p:nvPr/>
+        </p:nvPicPr>
+        <p:blipFill>
+          <a:blip r:embed="rId2">
+            <a:extLst>
+              <a:ext uri="{28A0092B-C50C-407E-A947-70E740481C1C}">
+                <a14:useLocalDpi xmlns:a14="http://schemas.microsoft.com/office/drawing/2010/main" val="0"/>
+              </a:ext>
+            </a:extLst>
+          </a:blip>
+          <a:stretch>
+            <a:fillRect/>
+          </a:stretch>
+        </p:blipFill>
+        <p:spPr>
+          <a:xfrm>
+            <a:off x="7390510" y="777500"/>
+            <a:ext cx="1739184" cy="1499095"/>
+          </a:xfrm>
+          <a:prstGeom prst="rect">
+            <a:avLst/>
+          </a:prstGeom>
+        </p:spPr>
+      </p:pic>
+      <p:sp>
+        <p:nvSpPr>
+          <p:cNvPr id="2" name="Título 1"/>
+          <p:cNvSpPr>
+            <a:spLocks noGrp="1"/>
+          </p:cNvSpPr>
+          <p:nvPr>
+            <p:ph type="title"/>
+          </p:nvPr>
+        </p:nvSpPr>
+        <p:spPr/>
+        <p:txBody>
+          <a:bodyPr>
+            <a:normAutofit fontScale="90000"/>
+          </a:bodyPr>
+          <a:lstStyle/>
+          <a:p>
+            <a:pPr algn="l"/>
+            <a:r>
+              <a:rPr lang="pt-BR" dirty="0" smtClean="0"/>
+              <a:t>PLANOS FUTUROS DE IMPLEMENTAÇÃO</a:t>
+            </a:r>
+            <a:r>
+              <a:rPr lang="pt-BR" dirty="0" smtClean="0"/>
+              <a:t>:</a:t>
+            </a:r>
+            <a:endParaRPr lang="pt-BR" dirty="0"/>
+          </a:p>
+        </p:txBody>
+      </p:sp>
+      <p:sp>
+        <p:nvSpPr>
+          <p:cNvPr id="3" name="Espaço Reservado para Conteúdo 2"/>
+          <p:cNvSpPr>
+            <a:spLocks noGrp="1"/>
+          </p:cNvSpPr>
+          <p:nvPr>
+            <p:ph sz="quarter" idx="1"/>
+          </p:nvPr>
+        </p:nvSpPr>
+        <p:spPr/>
+        <p:txBody>
+          <a:bodyPr/>
+          <a:lstStyle/>
+          <a:p>
+            <a:pPr marL="0" indent="0">
+              <a:buNone/>
+            </a:pPr>
+            <a:endParaRPr lang="pt-BR" dirty="0" smtClean="0"/>
+          </a:p>
+          <a:p>
+            <a:r>
+              <a:rPr lang="pt-BR" dirty="0" smtClean="0"/>
+              <a:t>Inclusão de fotos e vídeos no chat;</a:t>
+            </a:r>
+          </a:p>
+          <a:p>
+            <a:r>
+              <a:rPr lang="pt-BR" dirty="0" smtClean="0"/>
+              <a:t>Anotações pessoais terapeuta;</a:t>
+            </a:r>
+          </a:p>
+          <a:p>
+            <a:r>
+              <a:rPr lang="pt-BR" dirty="0" smtClean="0"/>
+              <a:t>Cadastro de remédios no sistema.</a:t>
+            </a:r>
+          </a:p>
+          <a:p>
+            <a:endParaRPr lang="pt-BR" dirty="0"/>
+          </a:p>
+          <a:p>
+            <a:pPr marL="0" indent="0">
+              <a:buNone/>
+            </a:pPr>
+            <a:endParaRPr lang="pt-BR" dirty="0"/>
+          </a:p>
+        </p:txBody>
+      </p:sp>
+    </p:spTree>
+    <p:extLst>
+      <p:ext uri="{BB962C8B-B14F-4D97-AF65-F5344CB8AC3E}">
+        <p14:creationId xmlns:p14="http://schemas.microsoft.com/office/powerpoint/2010/main" val="1147144648"/>
+      </p:ext>
+    </p:extLst>
+  </p:cSld>
+  <p:clrMapOvr>
+    <a:masterClrMapping/>
+  </p:clrMapOvr>
+  <p:timing>
+    <p:tnLst>
+      <p:par>
+        <p:cTn id="1" dur="indefinite" restart="never" nodeType="tmRoot"/>
+      </p:par>
+    </p:tnLst>
+  </p:timing>
+</p:sld>
+</file>
+
+<file path=ppt/slides/slide13.xml><?xml version="1.0" encoding="utf-8"?>
 <p:sld xmlns:a="http://schemas.openxmlformats.org/drawingml/2006/main" xmlns:r="http://schemas.openxmlformats.org/officeDocument/2006/relationships" xmlns:p="http://schemas.openxmlformats.org/presentationml/2006/main">
   <p:cSld>
     <p:spTree>

--- a/DocumentoPSIQ/PSIQ.pptx
+++ b/DocumentoPSIQ/PSIQ.pptx
@@ -5,7 +5,7 @@
     <p:sldMasterId id="2147483660" r:id="rId1"/>
   </p:sldMasterIdLst>
   <p:notesMasterIdLst>
-    <p:notesMasterId r:id="rId15"/>
+    <p:notesMasterId r:id="rId14"/>
   </p:notesMasterIdLst>
   <p:sldIdLst>
     <p:sldId id="256" r:id="rId2"/>
@@ -14,13 +14,12 @@
     <p:sldId id="261" r:id="rId5"/>
     <p:sldId id="262" r:id="rId6"/>
     <p:sldId id="270" r:id="rId7"/>
-    <p:sldId id="268" r:id="rId8"/>
-    <p:sldId id="260" r:id="rId9"/>
-    <p:sldId id="263" r:id="rId10"/>
-    <p:sldId id="264" r:id="rId11"/>
-    <p:sldId id="269" r:id="rId12"/>
-    <p:sldId id="271" r:id="rId13"/>
-    <p:sldId id="267" r:id="rId14"/>
+    <p:sldId id="260" r:id="rId8"/>
+    <p:sldId id="263" r:id="rId9"/>
+    <p:sldId id="264" r:id="rId10"/>
+    <p:sldId id="269" r:id="rId11"/>
+    <p:sldId id="271" r:id="rId12"/>
+    <p:sldId id="267" r:id="rId13"/>
   </p:sldIdLst>
   <p:sldSz cx="9144000" cy="6858000" type="screen4x3"/>
   <p:notesSz cx="6858000" cy="9144000"/>
@@ -121,7 +120,7 @@
   </p:defaultTextStyle>
   <p:extLst>
     <p:ext uri="{EFAFB233-063F-42B5-8137-9DF3F51BA10A}">
-      <p15:sldGuideLst xmlns:p15="http://schemas.microsoft.com/office/powerpoint/2012/main">
+      <p15:sldGuideLst xmlns:p15="http://schemas.microsoft.com/office/powerpoint/2012/main" xmlns="">
         <p15:guide id="1" orient="horz" pos="2160">
           <p15:clr>
             <a:srgbClr val="A4A3A4"/>
@@ -220,7 +219,7 @@
           <a:p>
             <a:fld id="{5F5DD785-582E-4FA3-B18E-8F80F35AAC7E}" type="datetimeFigureOut">
               <a:rPr lang="pt-BR" smtClean="0"/>
-              <a:t>26/06/2018</a:t>
+              <a:t>27/06/2018</a:t>
             </a:fld>
             <a:endParaRPr lang="pt-BR"/>
           </a:p>
@@ -553,7 +552,7 @@
           <a:p>
             <a:fld id="{0B8FA79A-8FA9-4F50-BCC2-1978DD9FDE32}" type="slidenum">
               <a:rPr lang="pt-BR" smtClean="0"/>
-              <a:t>10</a:t>
+              <a:t>9</a:t>
             </a:fld>
             <a:endParaRPr lang="pt-BR"/>
           </a:p>
@@ -852,7 +851,7 @@
           <a:p>
             <a:fld id="{B225FCC5-4AAF-49A2-93AB-99056224CF82}" type="datetimeFigureOut">
               <a:rPr lang="pt-BR" smtClean="0"/>
-              <a:t>26/06/2018</a:t>
+              <a:t>27/06/2018</a:t>
             </a:fld>
             <a:endParaRPr lang="pt-BR"/>
           </a:p>
@@ -1245,7 +1244,7 @@
           <a:p>
             <a:fld id="{B225FCC5-4AAF-49A2-93AB-99056224CF82}" type="datetimeFigureOut">
               <a:rPr lang="pt-BR" smtClean="0"/>
-              <a:t>26/06/2018</a:t>
+              <a:t>27/06/2018</a:t>
             </a:fld>
             <a:endParaRPr lang="pt-BR"/>
           </a:p>
@@ -1777,7 +1776,7 @@
           <a:p>
             <a:fld id="{B225FCC5-4AAF-49A2-93AB-99056224CF82}" type="datetimeFigureOut">
               <a:rPr lang="pt-BR" smtClean="0"/>
-              <a:t>26/06/2018</a:t>
+              <a:t>27/06/2018</a:t>
             </a:fld>
             <a:endParaRPr lang="pt-BR"/>
           </a:p>
@@ -1910,7 +1909,7 @@
           <a:p>
             <a:fld id="{B225FCC5-4AAF-49A2-93AB-99056224CF82}" type="datetimeFigureOut">
               <a:rPr lang="pt-BR" smtClean="0"/>
-              <a:t>26/06/2018</a:t>
+              <a:t>27/06/2018</a:t>
             </a:fld>
             <a:endParaRPr lang="pt-BR"/>
           </a:p>
@@ -2453,7 +2452,7 @@
           <a:p>
             <a:fld id="{B225FCC5-4AAF-49A2-93AB-99056224CF82}" type="datetimeFigureOut">
               <a:rPr lang="pt-BR" smtClean="0"/>
-              <a:t>26/06/2018</a:t>
+              <a:t>27/06/2018</a:t>
             </a:fld>
             <a:endParaRPr lang="pt-BR"/>
           </a:p>
@@ -2748,7 +2747,7 @@
           <a:p>
             <a:fld id="{B225FCC5-4AAF-49A2-93AB-99056224CF82}" type="datetimeFigureOut">
               <a:rPr lang="pt-BR" smtClean="0"/>
-              <a:t>26/06/2018</a:t>
+              <a:t>27/06/2018</a:t>
             </a:fld>
             <a:endParaRPr lang="pt-BR"/>
           </a:p>
@@ -3407,7 +3406,7 @@
           <a:p>
             <a:fld id="{B225FCC5-4AAF-49A2-93AB-99056224CF82}" type="datetimeFigureOut">
               <a:rPr lang="pt-BR" smtClean="0"/>
-              <a:t>26/06/2018</a:t>
+              <a:t>27/06/2018</a:t>
             </a:fld>
             <a:endParaRPr lang="pt-BR"/>
           </a:p>
@@ -3843,7 +3842,7 @@
           <a:p>
             <a:fld id="{B225FCC5-4AAF-49A2-93AB-99056224CF82}" type="datetimeFigureOut">
               <a:rPr lang="pt-BR" smtClean="0"/>
-              <a:t>26/06/2018</a:t>
+              <a:t>27/06/2018</a:t>
             </a:fld>
             <a:endParaRPr lang="pt-BR"/>
           </a:p>
@@ -4156,7 +4155,7 @@
           <a:p>
             <a:fld id="{B225FCC5-4AAF-49A2-93AB-99056224CF82}" type="datetimeFigureOut">
               <a:rPr lang="pt-BR" smtClean="0"/>
-              <a:t>26/06/2018</a:t>
+              <a:t>27/06/2018</a:t>
             </a:fld>
             <a:endParaRPr lang="pt-BR"/>
           </a:p>
@@ -4888,7 +4887,7 @@
           <a:p>
             <a:fld id="{B225FCC5-4AAF-49A2-93AB-99056224CF82}" type="datetimeFigureOut">
               <a:rPr lang="pt-BR" smtClean="0"/>
-              <a:t>26/06/2018</a:t>
+              <a:t>27/06/2018</a:t>
             </a:fld>
             <a:endParaRPr lang="pt-BR"/>
           </a:p>
@@ -5552,7 +5551,7 @@
           <a:p>
             <a:fld id="{B225FCC5-4AAF-49A2-93AB-99056224CF82}" type="datetimeFigureOut">
               <a:rPr lang="pt-BR" smtClean="0"/>
-              <a:t>26/06/2018</a:t>
+              <a:t>27/06/2018</a:t>
             </a:fld>
             <a:endParaRPr lang="pt-BR"/>
           </a:p>
@@ -5825,7 +5824,7 @@
           <a:p>
             <a:fld id="{B225FCC5-4AAF-49A2-93AB-99056224CF82}" type="datetimeFigureOut">
               <a:rPr lang="pt-BR" smtClean="0"/>
-              <a:t>26/06/2018</a:t>
+              <a:t>27/06/2018</a:t>
             </a:fld>
             <a:endParaRPr lang="pt-BR"/>
           </a:p>
@@ -6673,16 +6672,79 @@
           <a:p>
             <a:r>
               <a:rPr lang="pt-BR" dirty="0" smtClean="0"/>
-              <a:t>DIAGRAMA DE CLASSE:</a:t>
-            </a:r>
+              <a:t>DER:</a:t>
+            </a:r>
+            <a:endParaRPr lang="pt-BR" dirty="0"/>
+          </a:p>
+        </p:txBody>
+      </p:sp>
+      <p:sp>
+        <p:nvSpPr>
+          <p:cNvPr id="3" name="Espaço Reservado para Conteúdo 2"/>
+          <p:cNvSpPr>
+            <a:spLocks noGrp="1"/>
+          </p:cNvSpPr>
+          <p:nvPr>
+            <p:ph sz="quarter" idx="1"/>
+          </p:nvPr>
+        </p:nvSpPr>
+        <p:spPr/>
+        <p:txBody>
+          <a:bodyPr/>
+          <a:lstStyle/>
+          <a:p>
+            <a:pPr marL="0" indent="0">
+              <a:buNone/>
+            </a:pPr>
+            <a:endParaRPr lang="pt-BR" dirty="0" smtClean="0"/>
+          </a:p>
+          <a:p>
+            <a:endParaRPr lang="pt-BR" dirty="0"/>
+          </a:p>
+          <a:p>
+            <a:pPr marL="0" indent="0">
+              <a:buNone/>
+            </a:pPr>
             <a:endParaRPr lang="pt-BR" dirty="0"/>
           </a:p>
         </p:txBody>
       </p:sp>
       <p:pic>
         <p:nvPicPr>
-          <p:cNvPr id="3" name="Imagem 2"/>
-          <p:cNvPicPr/>
+          <p:cNvPr id="4" name="Imagem 3"/>
+          <p:cNvPicPr>
+            <a:picLocks noChangeAspect="1"/>
+          </p:cNvPicPr>
+          <p:nvPr/>
+        </p:nvPicPr>
+        <p:blipFill>
+          <a:blip r:embed="rId2">
+            <a:extLst>
+              <a:ext uri="{28A0092B-C50C-407E-A947-70E740481C1C}">
+                <a14:useLocalDpi xmlns:a14="http://schemas.microsoft.com/office/drawing/2010/main" val="0"/>
+              </a:ext>
+            </a:extLst>
+          </a:blip>
+          <a:stretch>
+            <a:fillRect/>
+          </a:stretch>
+        </p:blipFill>
+        <p:spPr>
+          <a:xfrm>
+            <a:off x="7092280" y="263381"/>
+            <a:ext cx="1739184" cy="1499095"/>
+          </a:xfrm>
+          <a:prstGeom prst="rect">
+            <a:avLst/>
+          </a:prstGeom>
+        </p:spPr>
+      </p:pic>
+      <p:pic>
+        <p:nvPicPr>
+          <p:cNvPr id="7" name="Imagem 6"/>
+          <p:cNvPicPr>
+            <a:picLocks noChangeAspect="1"/>
+          </p:cNvPicPr>
           <p:nvPr/>
         </p:nvPicPr>
         <p:blipFill>
@@ -6699,38 +6761,8 @@
         </p:blipFill>
         <p:spPr>
           <a:xfrm>
-            <a:off x="323528" y="1488085"/>
-            <a:ext cx="8568952" cy="4677219"/>
-          </a:xfrm>
-          <a:prstGeom prst="rect">
-            <a:avLst/>
-          </a:prstGeom>
-        </p:spPr>
-      </p:pic>
-      <p:pic>
-        <p:nvPicPr>
-          <p:cNvPr id="4" name="Imagem 3"/>
-          <p:cNvPicPr>
-            <a:picLocks noChangeAspect="1"/>
-          </p:cNvPicPr>
-          <p:nvPr/>
-        </p:nvPicPr>
-        <p:blipFill>
-          <a:blip r:embed="rId4">
-            <a:extLst>
-              <a:ext uri="{28A0092B-C50C-407E-A947-70E740481C1C}">
-                <a14:useLocalDpi xmlns:a14="http://schemas.microsoft.com/office/drawing/2010/main" val="0"/>
-              </a:ext>
-            </a:extLst>
-          </a:blip>
-          <a:stretch>
-            <a:fillRect/>
-          </a:stretch>
-        </p:blipFill>
-        <p:spPr>
-          <a:xfrm>
-            <a:off x="7092280" y="263381"/>
-            <a:ext cx="1739184" cy="1499095"/>
+            <a:off x="1785937" y="2243137"/>
+            <a:ext cx="5572125" cy="3058071"/>
           </a:xfrm>
           <a:prstGeom prst="rect">
             <a:avLst/>
@@ -6740,7 +6772,7 @@
     </p:spTree>
     <p:extLst>
       <p:ext uri="{BB962C8B-B14F-4D97-AF65-F5344CB8AC3E}">
-        <p14:creationId xmlns:p14="http://schemas.microsoft.com/office/powerpoint/2010/main" val="3167741729"/>
+        <p14:creationId xmlns:p14="http://schemas.microsoft.com/office/powerpoint/2010/main" val="1037366921"/>
       </p:ext>
     </p:extLst>
   </p:cSld>
@@ -6774,60 +6806,6 @@
           <a:chExt cx="0" cy="0"/>
         </a:xfrm>
       </p:grpSpPr>
-      <p:sp>
-        <p:nvSpPr>
-          <p:cNvPr id="2" name="Título 1"/>
-          <p:cNvSpPr>
-            <a:spLocks noGrp="1"/>
-          </p:cNvSpPr>
-          <p:nvPr>
-            <p:ph type="title"/>
-          </p:nvPr>
-        </p:nvSpPr>
-        <p:spPr/>
-        <p:txBody>
-          <a:bodyPr/>
-          <a:lstStyle/>
-          <a:p>
-            <a:r>
-              <a:rPr lang="pt-BR" dirty="0" smtClean="0"/>
-              <a:t>DER:</a:t>
-            </a:r>
-            <a:endParaRPr lang="pt-BR" dirty="0"/>
-          </a:p>
-        </p:txBody>
-      </p:sp>
-      <p:sp>
-        <p:nvSpPr>
-          <p:cNvPr id="3" name="Espaço Reservado para Conteúdo 2"/>
-          <p:cNvSpPr>
-            <a:spLocks noGrp="1"/>
-          </p:cNvSpPr>
-          <p:nvPr>
-            <p:ph sz="quarter" idx="1"/>
-          </p:nvPr>
-        </p:nvSpPr>
-        <p:spPr/>
-        <p:txBody>
-          <a:bodyPr/>
-          <a:lstStyle/>
-          <a:p>
-            <a:pPr marL="0" indent="0">
-              <a:buNone/>
-            </a:pPr>
-            <a:endParaRPr lang="pt-BR" dirty="0" smtClean="0"/>
-          </a:p>
-          <a:p>
-            <a:endParaRPr lang="pt-BR" dirty="0"/>
-          </a:p>
-          <a:p>
-            <a:pPr marL="0" indent="0">
-              <a:buNone/>
-            </a:pPr>
-            <a:endParaRPr lang="pt-BR" dirty="0"/>
-          </a:p>
-        </p:txBody>
-      </p:sp>
       <p:pic>
         <p:nvPicPr>
           <p:cNvPr id="4" name="Imagem 3"/>
@@ -6850,103 +6828,6 @@
         </p:blipFill>
         <p:spPr>
           <a:xfrm>
-            <a:off x="7092280" y="263381"/>
-            <a:ext cx="1739184" cy="1499095"/>
-          </a:xfrm>
-          <a:prstGeom prst="rect">
-            <a:avLst/>
-          </a:prstGeom>
-        </p:spPr>
-      </p:pic>
-      <p:pic>
-        <p:nvPicPr>
-          <p:cNvPr id="5" name="Imagem 4"/>
-          <p:cNvPicPr>
-            <a:picLocks noChangeAspect="1"/>
-          </p:cNvPicPr>
-          <p:nvPr/>
-        </p:nvPicPr>
-        <p:blipFill>
-          <a:blip r:embed="rId3">
-            <a:extLst>
-              <a:ext uri="{28A0092B-C50C-407E-A947-70E740481C1C}">
-                <a14:useLocalDpi xmlns:a14="http://schemas.microsoft.com/office/drawing/2010/main" val="0"/>
-              </a:ext>
-            </a:extLst>
-          </a:blip>
-          <a:stretch>
-            <a:fillRect/>
-          </a:stretch>
-        </p:blipFill>
-        <p:spPr>
-          <a:xfrm>
-            <a:off x="1331640" y="1899666"/>
-            <a:ext cx="5760640" cy="3826764"/>
-          </a:xfrm>
-          <a:prstGeom prst="rect">
-            <a:avLst/>
-          </a:prstGeom>
-        </p:spPr>
-      </p:pic>
-    </p:spTree>
-    <p:extLst>
-      <p:ext uri="{BB962C8B-B14F-4D97-AF65-F5344CB8AC3E}">
-        <p14:creationId xmlns:p14="http://schemas.microsoft.com/office/powerpoint/2010/main" val="1037366921"/>
-      </p:ext>
-    </p:extLst>
-  </p:cSld>
-  <p:clrMapOvr>
-    <a:masterClrMapping/>
-  </p:clrMapOvr>
-  <p:timing>
-    <p:tnLst>
-      <p:par>
-        <p:cTn id="1" dur="indefinite" restart="never" nodeType="tmRoot"/>
-      </p:par>
-    </p:tnLst>
-  </p:timing>
-</p:sld>
-</file>
-
-<file path=ppt/slides/slide12.xml><?xml version="1.0" encoding="utf-8"?>
-<p:sld xmlns:a="http://schemas.openxmlformats.org/drawingml/2006/main" xmlns:r="http://schemas.openxmlformats.org/officeDocument/2006/relationships" xmlns:p="http://schemas.openxmlformats.org/presentationml/2006/main">
-  <p:cSld>
-    <p:spTree>
-      <p:nvGrpSpPr>
-        <p:cNvPr id="1" name=""/>
-        <p:cNvGrpSpPr/>
-        <p:nvPr/>
-      </p:nvGrpSpPr>
-      <p:grpSpPr>
-        <a:xfrm>
-          <a:off x="0" y="0"/>
-          <a:ext cx="0" cy="0"/>
-          <a:chOff x="0" y="0"/>
-          <a:chExt cx="0" cy="0"/>
-        </a:xfrm>
-      </p:grpSpPr>
-      <p:pic>
-        <p:nvPicPr>
-          <p:cNvPr id="4" name="Imagem 3"/>
-          <p:cNvPicPr>
-            <a:picLocks noChangeAspect="1"/>
-          </p:cNvPicPr>
-          <p:nvPr/>
-        </p:nvPicPr>
-        <p:blipFill>
-          <a:blip r:embed="rId2">
-            <a:extLst>
-              <a:ext uri="{28A0092B-C50C-407E-A947-70E740481C1C}">
-                <a14:useLocalDpi xmlns:a14="http://schemas.microsoft.com/office/drawing/2010/main" val="0"/>
-              </a:ext>
-            </a:extLst>
-          </a:blip>
-          <a:stretch>
-            <a:fillRect/>
-          </a:stretch>
-        </p:blipFill>
-        <p:spPr>
-          <a:xfrm>
             <a:off x="7390510" y="777500"/>
             <a:ext cx="1739184" cy="1499095"/>
           </a:xfrm>
@@ -6975,11 +6856,7 @@
             <a:pPr algn="l"/>
             <a:r>
               <a:rPr lang="pt-BR" dirty="0" smtClean="0"/>
-              <a:t>PLANOS FUTUROS DE IMPLEMENTAÇÃO</a:t>
-            </a:r>
-            <a:r>
-              <a:rPr lang="pt-BR" dirty="0" smtClean="0"/>
-              <a:t>:</a:t>
+              <a:t>PLANOS FUTUROS DE IMPLEMENTAÇÃO:</a:t>
             </a:r>
             <a:endParaRPr lang="pt-BR" dirty="0"/>
           </a:p>
@@ -7054,7 +6931,7 @@
 </p:sld>
 </file>
 
-<file path=ppt/slides/slide13.xml><?xml version="1.0" encoding="utf-8"?>
+<file path=ppt/slides/slide12.xml><?xml version="1.0" encoding="utf-8"?>
 <p:sld xmlns:a="http://schemas.openxmlformats.org/drawingml/2006/main" xmlns:r="http://schemas.openxmlformats.org/officeDocument/2006/relationships" xmlns:p="http://schemas.openxmlformats.org/presentationml/2006/main">
   <p:cSld>
     <p:spTree>
@@ -7960,7 +7837,7 @@
           <a:p>
             <a:r>
               <a:rPr lang="pt-BR" dirty="0" smtClean="0"/>
-              <a:t>ARQUITETURA E METODOLOGIA</a:t>
+              <a:t>REQUISITOS FUNCIONAIS</a:t>
             </a:r>
             <a:endParaRPr lang="pt-BR" dirty="0"/>
           </a:p>
@@ -7978,35 +7855,44 @@
         </p:nvSpPr>
         <p:spPr/>
         <p:txBody>
-          <a:bodyPr/>
-          <a:lstStyle/>
-          <a:p>
-            <a:pPr marL="0" indent="0">
-              <a:buNone/>
-            </a:pPr>
-            <a:endParaRPr lang="pt-BR" dirty="0" smtClean="0"/>
-          </a:p>
-          <a:p>
-            <a:r>
-              <a:rPr lang="pt-BR" dirty="0" smtClean="0"/>
-              <a:t>MVC;</a:t>
-            </a:r>
-          </a:p>
-          <a:p>
-            <a:r>
-              <a:rPr lang="pt-BR" dirty="0" smtClean="0"/>
-              <a:t>SCRUM.</a:t>
-            </a:r>
-            <a:endParaRPr lang="pt-BR" dirty="0" smtClean="0"/>
-          </a:p>
-          <a:p>
-            <a:endParaRPr lang="pt-BR" dirty="0"/>
-          </a:p>
-          <a:p>
-            <a:pPr marL="0" indent="0">
-              <a:buNone/>
-            </a:pPr>
-            <a:endParaRPr lang="pt-BR" dirty="0"/>
+          <a:bodyPr>
+            <a:normAutofit/>
+          </a:bodyPr>
+          <a:lstStyle/>
+          <a:p>
+            <a:pPr algn="just"/>
+            <a:r>
+              <a:rPr lang="pt-BR" sz="3600" dirty="0" smtClean="0"/>
+              <a:t>RF09 Diagnóstico específico </a:t>
+            </a:r>
+            <a:r>
+              <a:rPr lang="pt-BR" sz="3600" dirty="0"/>
+              <a:t>do </a:t>
+            </a:r>
+            <a:r>
+              <a:rPr lang="pt-BR" sz="3600" dirty="0" smtClean="0"/>
+              <a:t>paciente</a:t>
+            </a:r>
+            <a:endParaRPr lang="pt-BR" sz="3600" dirty="0"/>
+          </a:p>
+          <a:p>
+            <a:pPr algn="just"/>
+            <a:r>
+              <a:rPr lang="pt-BR" sz="3600" dirty="0"/>
+              <a:t>RF06 Pré cadastrar </a:t>
+            </a:r>
+            <a:r>
+              <a:rPr lang="pt-BR" sz="3600" dirty="0" smtClean="0"/>
+              <a:t>pacientes</a:t>
+            </a:r>
+          </a:p>
+          <a:p>
+            <a:pPr algn="just"/>
+            <a:r>
+              <a:rPr lang="pt-BR" sz="3600" dirty="0"/>
+              <a:t>RF08 Acesso ao chat - RF14 Chat</a:t>
+            </a:r>
+            <a:endParaRPr lang="pt-BR" sz="3600" dirty="0" smtClean="0"/>
           </a:p>
         </p:txBody>
       </p:sp>
@@ -8032,7 +7918,7 @@
         </p:blipFill>
         <p:spPr>
           <a:xfrm>
-            <a:off x="7164288" y="956395"/>
+            <a:off x="7236296" y="228600"/>
             <a:ext cx="1739184" cy="1499095"/>
           </a:xfrm>
           <a:prstGeom prst="rect">
@@ -8043,7 +7929,7 @@
     </p:spTree>
     <p:extLst>
       <p:ext uri="{BB962C8B-B14F-4D97-AF65-F5344CB8AC3E}">
-        <p14:creationId xmlns:p14="http://schemas.microsoft.com/office/powerpoint/2010/main" val="569410568"/>
+        <p14:creationId xmlns:p14="http://schemas.microsoft.com/office/powerpoint/2010/main" val="3227034781"/>
       </p:ext>
     </p:extLst>
   </p:cSld>
@@ -8094,75 +7980,50 @@
           <a:p>
             <a:r>
               <a:rPr lang="pt-BR" dirty="0" smtClean="0"/>
-              <a:t>REQUISITOS FUNCIONAIS</a:t>
+              <a:t>DIAGRAMA DE CASO DE USO:</a:t>
             </a:r>
             <a:endParaRPr lang="pt-BR" dirty="0"/>
-          </a:p>
-        </p:txBody>
-      </p:sp>
-      <p:sp>
-        <p:nvSpPr>
-          <p:cNvPr id="3" name="Espaço Reservado para Conteúdo 2"/>
-          <p:cNvSpPr>
-            <a:spLocks noGrp="1"/>
-          </p:cNvSpPr>
-          <p:nvPr>
-            <p:ph sz="quarter" idx="1"/>
-          </p:nvPr>
-        </p:nvSpPr>
-        <p:spPr/>
-        <p:txBody>
-          <a:bodyPr>
-            <a:normAutofit/>
-          </a:bodyPr>
-          <a:lstStyle/>
-          <a:p>
-            <a:pPr algn="just"/>
-            <a:r>
-              <a:rPr lang="pt-BR" sz="3600" dirty="0" smtClean="0"/>
-              <a:t>RF09 Diagnóstico específico </a:t>
-            </a:r>
-            <a:r>
-              <a:rPr lang="pt-BR" sz="3600" dirty="0"/>
-              <a:t>do </a:t>
-            </a:r>
-            <a:r>
-              <a:rPr lang="pt-BR" sz="3600" dirty="0" smtClean="0"/>
-              <a:t>paciente</a:t>
-            </a:r>
-            <a:endParaRPr lang="pt-BR" sz="3600" dirty="0"/>
-          </a:p>
-          <a:p>
-            <a:pPr algn="just"/>
-            <a:r>
-              <a:rPr lang="pt-BR" sz="3600" dirty="0"/>
-              <a:t>RF06 Pré cadastrar </a:t>
-            </a:r>
-            <a:r>
-              <a:rPr lang="pt-BR" sz="3600" dirty="0" smtClean="0"/>
-              <a:t>pacientes</a:t>
-            </a:r>
-          </a:p>
-          <a:p>
-            <a:pPr algn="just"/>
-            <a:r>
-              <a:rPr lang="pt-BR" sz="3600" dirty="0"/>
-              <a:t>RF08 Acesso ao chat - RF14 Chat</a:t>
-            </a:r>
-            <a:endParaRPr lang="pt-BR" sz="3600" dirty="0" smtClean="0"/>
           </a:p>
         </p:txBody>
       </p:sp>
       <p:pic>
         <p:nvPicPr>
-          <p:cNvPr id="4" name="Imagem 3"/>
+          <p:cNvPr id="4" name="image39.png"/>
+          <p:cNvPicPr>
+            <a:picLocks noGrp="1"/>
+          </p:cNvPicPr>
+          <p:nvPr>
+            <p:ph sz="quarter" idx="1"/>
+          </p:nvPr>
+        </p:nvPicPr>
+        <p:blipFill>
+          <a:blip r:embed="rId2"/>
+          <a:srcRect/>
+          <a:stretch>
+            <a:fillRect/>
+          </a:stretch>
+        </p:blipFill>
+        <p:spPr>
+          <a:xfrm>
+            <a:off x="107505" y="1340768"/>
+            <a:ext cx="9036496" cy="4926161"/>
+          </a:xfrm>
+          <a:prstGeom prst="rect">
+            <a:avLst/>
+          </a:prstGeom>
+          <a:ln/>
+        </p:spPr>
+      </p:pic>
+      <p:pic>
+        <p:nvPicPr>
+          <p:cNvPr id="5" name="Imagem 4"/>
           <p:cNvPicPr>
             <a:picLocks noChangeAspect="1"/>
           </p:cNvPicPr>
           <p:nvPr/>
         </p:nvPicPr>
         <p:blipFill>
-          <a:blip r:embed="rId2">
+          <a:blip r:embed="rId3">
             <a:extLst>
               <a:ext uri="{28A0092B-C50C-407E-A947-70E740481C1C}">
                 <a14:useLocalDpi xmlns:a14="http://schemas.microsoft.com/office/drawing/2010/main" val="0"/>
@@ -8175,8 +8036,8 @@
         </p:blipFill>
         <p:spPr>
           <a:xfrm>
-            <a:off x="7236296" y="228600"/>
-            <a:ext cx="1739184" cy="1499095"/>
+            <a:off x="7631832" y="116632"/>
+            <a:ext cx="1512168" cy="1303418"/>
           </a:xfrm>
           <a:prstGeom prst="rect">
             <a:avLst/>
@@ -8186,7 +8047,7 @@
     </p:spTree>
     <p:extLst>
       <p:ext uri="{BB962C8B-B14F-4D97-AF65-F5344CB8AC3E}">
-        <p14:creationId xmlns:p14="http://schemas.microsoft.com/office/powerpoint/2010/main" val="3227034781"/>
+        <p14:creationId xmlns:p14="http://schemas.microsoft.com/office/powerpoint/2010/main" val="1621561085"/>
       </p:ext>
     </p:extLst>
   </p:cSld>
@@ -8237,7 +8098,7 @@
           <a:p>
             <a:r>
               <a:rPr lang="pt-BR" dirty="0" smtClean="0"/>
-              <a:t>DIAGRAMA DE CASO DE USO:</a:t>
+              <a:t>DIAGRAMA DE CLASSE:</a:t>
             </a:r>
             <a:endParaRPr lang="pt-BR" dirty="0"/>
           </a:p>
@@ -8245,38 +8106,8 @@
       </p:sp>
       <p:pic>
         <p:nvPicPr>
-          <p:cNvPr id="4" name="image39.png"/>
-          <p:cNvPicPr>
-            <a:picLocks noGrp="1"/>
-          </p:cNvPicPr>
-          <p:nvPr>
-            <p:ph sz="quarter" idx="1"/>
-          </p:nvPr>
-        </p:nvPicPr>
-        <p:blipFill>
-          <a:blip r:embed="rId2"/>
-          <a:srcRect/>
-          <a:stretch>
-            <a:fillRect/>
-          </a:stretch>
-        </p:blipFill>
-        <p:spPr>
-          <a:xfrm>
-            <a:off x="107505" y="1340768"/>
-            <a:ext cx="9036496" cy="4926161"/>
-          </a:xfrm>
-          <a:prstGeom prst="rect">
-            <a:avLst/>
-          </a:prstGeom>
-          <a:ln/>
-        </p:spPr>
-      </p:pic>
-      <p:pic>
-        <p:nvPicPr>
-          <p:cNvPr id="5" name="Imagem 4"/>
-          <p:cNvPicPr>
-            <a:picLocks noChangeAspect="1"/>
-          </p:cNvPicPr>
+          <p:cNvPr id="3" name="Imagem 2"/>
+          <p:cNvPicPr/>
           <p:nvPr/>
         </p:nvPicPr>
         <p:blipFill>
@@ -8293,8 +8124,38 @@
         </p:blipFill>
         <p:spPr>
           <a:xfrm>
-            <a:off x="7631832" y="116632"/>
-            <a:ext cx="1512168" cy="1303418"/>
+            <a:off x="323528" y="1488085"/>
+            <a:ext cx="8568952" cy="4677219"/>
+          </a:xfrm>
+          <a:prstGeom prst="rect">
+            <a:avLst/>
+          </a:prstGeom>
+        </p:spPr>
+      </p:pic>
+      <p:pic>
+        <p:nvPicPr>
+          <p:cNvPr id="4" name="Imagem 3"/>
+          <p:cNvPicPr>
+            <a:picLocks noChangeAspect="1"/>
+          </p:cNvPicPr>
+          <p:nvPr/>
+        </p:nvPicPr>
+        <p:blipFill>
+          <a:blip r:embed="rId4">
+            <a:extLst>
+              <a:ext uri="{28A0092B-C50C-407E-A947-70E740481C1C}">
+                <a14:useLocalDpi xmlns:a14="http://schemas.microsoft.com/office/drawing/2010/main" val="0"/>
+              </a:ext>
+            </a:extLst>
+          </a:blip>
+          <a:stretch>
+            <a:fillRect/>
+          </a:stretch>
+        </p:blipFill>
+        <p:spPr>
+          <a:xfrm>
+            <a:off x="7092280" y="263381"/>
+            <a:ext cx="1739184" cy="1499095"/>
           </a:xfrm>
           <a:prstGeom prst="rect">
             <a:avLst/>
@@ -8304,7 +8165,7 @@
     </p:spTree>
     <p:extLst>
       <p:ext uri="{BB962C8B-B14F-4D97-AF65-F5344CB8AC3E}">
-        <p14:creationId xmlns:p14="http://schemas.microsoft.com/office/powerpoint/2010/main" val="1621561085"/>
+        <p14:creationId xmlns:p14="http://schemas.microsoft.com/office/powerpoint/2010/main" val="3167741729"/>
       </p:ext>
     </p:extLst>
   </p:cSld>
@@ -8613,7 +8474,7 @@
     </a:clrScheme>
     <a:fontScheme name="Escritório">
       <a:majorFont>
-        <a:latin typeface="Calibri Light" panose="020F0302020204030204"/>
+        <a:latin typeface="Calibri Light"/>
         <a:ea typeface=""/>
         <a:cs typeface=""/>
         <a:font script="Jpan" typeface="ＭＳ Ｐゴシック"/>
@@ -8648,7 +8509,7 @@
         <a:font script="Geor" typeface="Sylfaen"/>
       </a:majorFont>
       <a:minorFont>
-        <a:latin typeface="Calibri" panose="020F0502020204030204"/>
+        <a:latin typeface="Calibri"/>
         <a:ea typeface=""/>
         <a:cs typeface=""/>
         <a:font script="Jpan" typeface="ＭＳ Ｐゴシック"/>
@@ -8825,7 +8686,7 @@
   <a:extraClrSchemeLst/>
   <a:extLst>
     <a:ext uri="{05A4C25C-085E-4340-85A3-A5531E510DB2}">
-      <thm15:themeFamily xmlns:thm15="http://schemas.microsoft.com/office/thememl/2012/main" name="Office Theme" id="{62F939B6-93AF-4DB8-9C6B-D6C7DFDC589F}" vid="{4A3C46E8-61CC-4603-A589-7422A47A8E4A}"/>
+      <thm15:themeFamily xmlns:thm15="http://schemas.microsoft.com/office/thememl/2012/main" xmlns="" name="Office Theme" id="{62F939B6-93AF-4DB8-9C6B-D6C7DFDC589F}" vid="{4A3C46E8-61CC-4603-A589-7422A47A8E4A}"/>
     </a:ext>
   </a:extLst>
 </a:theme>

--- a/DocumentoPSIQ/PSIQ.pptx
+++ b/DocumentoPSIQ/PSIQ.pptx
@@ -571,6 +571,90 @@
 </p:notes>
 </file>
 
+<file path=ppt/notesSlides/notesSlide2.xml><?xml version="1.0" encoding="utf-8"?>
+<p:notes xmlns:a="http://schemas.openxmlformats.org/drawingml/2006/main" xmlns:r="http://schemas.openxmlformats.org/officeDocument/2006/relationships" xmlns:p="http://schemas.openxmlformats.org/presentationml/2006/main">
+  <p:cSld>
+    <p:spTree>
+      <p:nvGrpSpPr>
+        <p:cNvPr id="1" name=""/>
+        <p:cNvGrpSpPr/>
+        <p:nvPr/>
+      </p:nvGrpSpPr>
+      <p:grpSpPr>
+        <a:xfrm>
+          <a:off x="0" y="0"/>
+          <a:ext cx="0" cy="0"/>
+          <a:chOff x="0" y="0"/>
+          <a:chExt cx="0" cy="0"/>
+        </a:xfrm>
+      </p:grpSpPr>
+      <p:sp>
+        <p:nvSpPr>
+          <p:cNvPr id="2" name="Espaço Reservado para Imagem de Slide 1"/>
+          <p:cNvSpPr>
+            <a:spLocks noGrp="1" noRot="1" noChangeAspect="1"/>
+          </p:cNvSpPr>
+          <p:nvPr>
+            <p:ph type="sldImg"/>
+          </p:nvPr>
+        </p:nvSpPr>
+        <p:spPr/>
+      </p:sp>
+      <p:sp>
+        <p:nvSpPr>
+          <p:cNvPr id="3" name="Espaço Reservado para Anotações 2"/>
+          <p:cNvSpPr>
+            <a:spLocks noGrp="1"/>
+          </p:cNvSpPr>
+          <p:nvPr>
+            <p:ph type="body" idx="1"/>
+          </p:nvPr>
+        </p:nvSpPr>
+        <p:spPr/>
+        <p:txBody>
+          <a:bodyPr/>
+          <a:lstStyle/>
+          <a:p>
+            <a:endParaRPr lang="pt-BR"/>
+          </a:p>
+        </p:txBody>
+      </p:sp>
+      <p:sp>
+        <p:nvSpPr>
+          <p:cNvPr id="4" name="Espaço Reservado para Número de Slide 3"/>
+          <p:cNvSpPr>
+            <a:spLocks noGrp="1"/>
+          </p:cNvSpPr>
+          <p:nvPr>
+            <p:ph type="sldNum" sz="quarter" idx="10"/>
+          </p:nvPr>
+        </p:nvSpPr>
+        <p:spPr/>
+        <p:txBody>
+          <a:bodyPr/>
+          <a:lstStyle/>
+          <a:p>
+            <a:fld id="{0B8FA79A-8FA9-4F50-BCC2-1978DD9FDE32}" type="slidenum">
+              <a:rPr lang="pt-BR" smtClean="0"/>
+              <a:t>10</a:t>
+            </a:fld>
+            <a:endParaRPr lang="pt-BR"/>
+          </a:p>
+        </p:txBody>
+      </p:sp>
+    </p:spTree>
+    <p:extLst>
+      <p:ext uri="{BB962C8B-B14F-4D97-AF65-F5344CB8AC3E}">
+        <p14:creationId xmlns:p14="http://schemas.microsoft.com/office/powerpoint/2010/main" val="3027889737"/>
+      </p:ext>
+    </p:extLst>
+  </p:cSld>
+  <p:clrMapOvr>
+    <a:masterClrMapping/>
+  </p:clrMapOvr>
+</p:notes>
+</file>
+
 <file path=ppt/slideLayouts/slideLayout1.xml><?xml version="1.0" encoding="utf-8"?>
 <p:sldLayout xmlns:a="http://schemas.openxmlformats.org/drawingml/2006/main" xmlns:r="http://schemas.openxmlformats.org/officeDocument/2006/relationships" xmlns:p="http://schemas.openxmlformats.org/presentationml/2006/main" showMasterSp="0" type="title" preserve="1">
   <p:cSld name="Slide de título">
@@ -849,7 +933,7 @@
           <a:bodyPr/>
           <a:lstStyle/>
           <a:p>
-            <a:fld id="{B225FCC5-4AAF-49A2-93AB-99056224CF82}" type="datetimeFigureOut">
+            <a:fld id="{16D93210-CC13-4869-8065-F0EEFF0F4E4E}" type="datetime1">
               <a:rPr lang="pt-BR" smtClean="0"/>
               <a:t>27/06/2018</a:t>
             </a:fld>
@@ -1242,7 +1326,7 @@
           <a:bodyPr/>
           <a:lstStyle/>
           <a:p>
-            <a:fld id="{B225FCC5-4AAF-49A2-93AB-99056224CF82}" type="datetimeFigureOut">
+            <a:fld id="{09EB5E0B-E930-417B-A88E-8A7C26D388A5}" type="datetime1">
               <a:rPr lang="pt-BR" smtClean="0"/>
               <a:t>27/06/2018</a:t>
             </a:fld>
@@ -1774,7 +1858,7 @@
           <a:bodyPr/>
           <a:lstStyle/>
           <a:p>
-            <a:fld id="{B225FCC5-4AAF-49A2-93AB-99056224CF82}" type="datetimeFigureOut">
+            <a:fld id="{85CD0CD6-AF38-402C-823C-76C2C1ABF79C}" type="datetime1">
               <a:rPr lang="pt-BR" smtClean="0"/>
               <a:t>27/06/2018</a:t>
             </a:fld>
@@ -1907,7 +1991,7 @@
           <a:bodyPr/>
           <a:lstStyle/>
           <a:p>
-            <a:fld id="{B225FCC5-4AAF-49A2-93AB-99056224CF82}" type="datetimeFigureOut">
+            <a:fld id="{8106FE50-3F89-402F-83CD-9F09B3418EA2}" type="datetime1">
               <a:rPr lang="pt-BR" smtClean="0"/>
               <a:t>27/06/2018</a:t>
             </a:fld>
@@ -2450,7 +2534,7 @@
           <a:bodyPr/>
           <a:lstStyle/>
           <a:p>
-            <a:fld id="{B225FCC5-4AAF-49A2-93AB-99056224CF82}" type="datetimeFigureOut">
+            <a:fld id="{AC47F7F9-BD0E-4C68-BD9D-8C7053B78922}" type="datetime1">
               <a:rPr lang="pt-BR" smtClean="0"/>
               <a:t>27/06/2018</a:t>
             </a:fld>
@@ -2745,7 +2829,7 @@
           <a:bodyPr/>
           <a:lstStyle/>
           <a:p>
-            <a:fld id="{B225FCC5-4AAF-49A2-93AB-99056224CF82}" type="datetimeFigureOut">
+            <a:fld id="{3419CEE9-D89E-456C-A592-EB8B6F68C72E}" type="datetime1">
               <a:rPr lang="pt-BR" smtClean="0"/>
               <a:t>27/06/2018</a:t>
             </a:fld>
@@ -3404,7 +3488,7 @@
           <a:bodyPr/>
           <a:lstStyle/>
           <a:p>
-            <a:fld id="{B225FCC5-4AAF-49A2-93AB-99056224CF82}" type="datetimeFigureOut">
+            <a:fld id="{56D3F6E6-CBBC-404B-A579-CA56A33C25D2}" type="datetime1">
               <a:rPr lang="pt-BR" smtClean="0"/>
               <a:t>27/06/2018</a:t>
             </a:fld>
@@ -3840,7 +3924,7 @@
           <a:bodyPr/>
           <a:lstStyle/>
           <a:p>
-            <a:fld id="{B225FCC5-4AAF-49A2-93AB-99056224CF82}" type="datetimeFigureOut">
+            <a:fld id="{858E9C77-12E9-4D38-A236-B647C5095014}" type="datetime1">
               <a:rPr lang="pt-BR" smtClean="0"/>
               <a:t>27/06/2018</a:t>
             </a:fld>
@@ -4153,7 +4237,7 @@
           <a:bodyPr/>
           <a:lstStyle/>
           <a:p>
-            <a:fld id="{B225FCC5-4AAF-49A2-93AB-99056224CF82}" type="datetimeFigureOut">
+            <a:fld id="{1AA8A1EC-D394-47E2-91B3-67471AE945BA}" type="datetime1">
               <a:rPr lang="pt-BR" smtClean="0"/>
               <a:t>27/06/2018</a:t>
             </a:fld>
@@ -4885,7 +4969,7 @@
           <a:bodyPr/>
           <a:lstStyle/>
           <a:p>
-            <a:fld id="{B225FCC5-4AAF-49A2-93AB-99056224CF82}" type="datetimeFigureOut">
+            <a:fld id="{71C02039-6C25-4C32-89C4-70DD24413095}" type="datetime1">
               <a:rPr lang="pt-BR" smtClean="0"/>
               <a:t>27/06/2018</a:t>
             </a:fld>
@@ -5549,7 +5633,7 @@
           <a:bodyPr/>
           <a:lstStyle/>
           <a:p>
-            <a:fld id="{B225FCC5-4AAF-49A2-93AB-99056224CF82}" type="datetimeFigureOut">
+            <a:fld id="{424BF231-3AEC-4A3C-AD11-DBE3092F4511}" type="datetime1">
               <a:rPr lang="pt-BR" smtClean="0"/>
               <a:t>27/06/2018</a:t>
             </a:fld>
@@ -5822,7 +5906,7 @@
             </a:lvl1pPr>
           </a:lstStyle>
           <a:p>
-            <a:fld id="{B225FCC5-4AAF-49A2-93AB-99056224CF82}" type="datetimeFigureOut">
+            <a:fld id="{CD27A55B-1A3A-455F-86BE-9961BF27000A}" type="datetime1">
               <a:rPr lang="pt-BR" smtClean="0"/>
               <a:t>27/06/2018</a:t>
             </a:fld>
@@ -6191,6 +6275,7 @@
     <p:sldLayoutId id="2147483670" r:id="rId10"/>
     <p:sldLayoutId id="2147483671" r:id="rId11"/>
   </p:sldLayoutIdLst>
+  <p:hf hdr="0" ftr="0" dt="0"/>
   <p:txStyles>
     <p:titleStyle>
       <a:lvl1pPr algn="ctr" rtl="0" eaLnBrk="1" latinLnBrk="0" hangingPunct="1">
@@ -6618,6 +6703,29 @@
           </a:prstGeom>
         </p:spPr>
       </p:pic>
+      <p:sp>
+        <p:nvSpPr>
+          <p:cNvPr id="2" name="Espaço Reservado para Número de Slide 1"/>
+          <p:cNvSpPr>
+            <a:spLocks noGrp="1"/>
+          </p:cNvSpPr>
+          <p:nvPr>
+            <p:ph type="sldNum" sz="quarter" idx="12"/>
+          </p:nvPr>
+        </p:nvSpPr>
+        <p:spPr/>
+        <p:txBody>
+          <a:bodyPr/>
+          <a:lstStyle/>
+          <a:p>
+            <a:fld id="{FF627D9A-0869-49C4-A54A-6A487E4C7A2A}" type="slidenum">
+              <a:rPr lang="pt-BR" smtClean="0"/>
+              <a:t>1</a:t>
+            </a:fld>
+            <a:endParaRPr lang="pt-BR"/>
+          </a:p>
+        </p:txBody>
+      </p:sp>
     </p:spTree>
     <p:extLst>
       <p:ext uri="{BB962C8B-B14F-4D97-AF65-F5344CB8AC3E}">
@@ -6665,14 +6773,65 @@
             <p:ph type="title"/>
           </p:nvPr>
         </p:nvSpPr>
-        <p:spPr/>
-        <p:txBody>
-          <a:bodyPr/>
-          <a:lstStyle/>
-          <a:p>
+        <p:spPr>
+          <a:xfrm>
+            <a:off x="304799" y="260648"/>
+            <a:ext cx="8534400" cy="1008112"/>
+          </a:xfrm>
+        </p:spPr>
+        <p:txBody>
+          <a:bodyPr>
+            <a:normAutofit fontScale="90000"/>
+          </a:bodyPr>
+          <a:lstStyle/>
+          <a:p>
+            <a:pPr algn="l"/>
+            <a:r>
+              <a:rPr lang="pt-BR" dirty="0"/>
+              <a:t/>
+            </a:r>
+            <a:br>
+              <a:rPr lang="pt-BR" dirty="0"/>
+            </a:br>
             <a:r>
               <a:rPr lang="pt-BR" dirty="0" smtClean="0"/>
-              <a:t>DER:</a:t>
+              <a:t/>
+            </a:r>
+            <a:br>
+              <a:rPr lang="pt-BR" dirty="0" smtClean="0"/>
+            </a:br>
+            <a:r>
+              <a:rPr lang="pt-BR" dirty="0"/>
+              <a:t/>
+            </a:r>
+            <a:br>
+              <a:rPr lang="pt-BR" dirty="0"/>
+            </a:br>
+            <a:r>
+              <a:rPr lang="pt-BR" dirty="0" smtClean="0"/>
+              <a:t/>
+            </a:r>
+            <a:br>
+              <a:rPr lang="pt-BR" dirty="0" smtClean="0"/>
+            </a:br>
+            <a:r>
+              <a:rPr lang="pt-BR" dirty="0"/>
+              <a:t/>
+            </a:r>
+            <a:br>
+              <a:rPr lang="pt-BR" dirty="0"/>
+            </a:br>
+            <a:r>
+              <a:rPr lang="pt-BR" dirty="0" smtClean="0"/>
+              <a:t>DIAGRAMA </a:t>
+            </a:r>
+            <a:r>
+              <a:rPr lang="pt-BR" dirty="0"/>
+              <a:t>DE </a:t>
+            </a:r>
+            <a:r>
+              <a:rPr lang="pt-BR" dirty="0" smtClean="0"/>
+              <a:t>ENTIDADE E RELACIONAMENTO:</a:t>
             </a:r>
             <a:endParaRPr lang="pt-BR" dirty="0"/>
           </a:p>
@@ -6712,36 +6871,6 @@
       <p:pic>
         <p:nvPicPr>
           <p:cNvPr id="4" name="Imagem 3"/>
-          <p:cNvPicPr>
-            <a:picLocks noChangeAspect="1"/>
-          </p:cNvPicPr>
-          <p:nvPr/>
-        </p:nvPicPr>
-        <p:blipFill>
-          <a:blip r:embed="rId2">
-            <a:extLst>
-              <a:ext uri="{28A0092B-C50C-407E-A947-70E740481C1C}">
-                <a14:useLocalDpi xmlns:a14="http://schemas.microsoft.com/office/drawing/2010/main" val="0"/>
-              </a:ext>
-            </a:extLst>
-          </a:blip>
-          <a:stretch>
-            <a:fillRect/>
-          </a:stretch>
-        </p:blipFill>
-        <p:spPr>
-          <a:xfrm>
-            <a:off x="7092280" y="263381"/>
-            <a:ext cx="1739184" cy="1499095"/>
-          </a:xfrm>
-          <a:prstGeom prst="rect">
-            <a:avLst/>
-          </a:prstGeom>
-        </p:spPr>
-      </p:pic>
-      <p:pic>
-        <p:nvPicPr>
-          <p:cNvPr id="7" name="Imagem 6"/>
           <p:cNvPicPr>
             <a:picLocks noChangeAspect="1"/>
           </p:cNvPicPr>
@@ -6761,6 +6890,36 @@
         </p:blipFill>
         <p:spPr>
           <a:xfrm>
+            <a:off x="7323476" y="260648"/>
+            <a:ext cx="1739184" cy="1499095"/>
+          </a:xfrm>
+          <a:prstGeom prst="rect">
+            <a:avLst/>
+          </a:prstGeom>
+        </p:spPr>
+      </p:pic>
+      <p:pic>
+        <p:nvPicPr>
+          <p:cNvPr id="7" name="Imagem 6"/>
+          <p:cNvPicPr>
+            <a:picLocks noChangeAspect="1"/>
+          </p:cNvPicPr>
+          <p:nvPr/>
+        </p:nvPicPr>
+        <p:blipFill>
+          <a:blip r:embed="rId4">
+            <a:extLst>
+              <a:ext uri="{28A0092B-C50C-407E-A947-70E740481C1C}">
+                <a14:useLocalDpi xmlns:a14="http://schemas.microsoft.com/office/drawing/2010/main" val="0"/>
+              </a:ext>
+            </a:extLst>
+          </a:blip>
+          <a:stretch>
+            <a:fillRect/>
+          </a:stretch>
+        </p:blipFill>
+        <p:spPr>
+          <a:xfrm>
             <a:off x="1785937" y="2243137"/>
             <a:ext cx="5572125" cy="3058071"/>
           </a:xfrm>
@@ -6769,6 +6928,29 @@
           </a:prstGeom>
         </p:spPr>
       </p:pic>
+      <p:sp>
+        <p:nvSpPr>
+          <p:cNvPr id="8" name="Espaço Reservado para Número de Slide 7"/>
+          <p:cNvSpPr>
+            <a:spLocks noGrp="1"/>
+          </p:cNvSpPr>
+          <p:nvPr>
+            <p:ph type="sldNum" sz="quarter" idx="12"/>
+          </p:nvPr>
+        </p:nvSpPr>
+        <p:spPr/>
+        <p:txBody>
+          <a:bodyPr/>
+          <a:lstStyle/>
+          <a:p>
+            <a:fld id="{FF627D9A-0869-49C4-A54A-6A487E4C7A2A}" type="slidenum">
+              <a:rPr lang="pt-BR" smtClean="0"/>
+              <a:t>10</a:t>
+            </a:fld>
+            <a:endParaRPr lang="pt-BR"/>
+          </a:p>
+        </p:txBody>
+      </p:sp>
     </p:spTree>
     <p:extLst>
       <p:ext uri="{BB962C8B-B14F-4D97-AF65-F5344CB8AC3E}">
@@ -6911,6 +7093,29 @@
           </a:p>
         </p:txBody>
       </p:sp>
+      <p:sp>
+        <p:nvSpPr>
+          <p:cNvPr id="5" name="Espaço Reservado para Número de Slide 4"/>
+          <p:cNvSpPr>
+            <a:spLocks noGrp="1"/>
+          </p:cNvSpPr>
+          <p:nvPr>
+            <p:ph type="sldNum" sz="quarter" idx="12"/>
+          </p:nvPr>
+        </p:nvSpPr>
+        <p:spPr/>
+        <p:txBody>
+          <a:bodyPr/>
+          <a:lstStyle/>
+          <a:p>
+            <a:fld id="{FF627D9A-0869-49C4-A54A-6A487E4C7A2A}" type="slidenum">
+              <a:rPr lang="pt-BR" smtClean="0"/>
+              <a:t>11</a:t>
+            </a:fld>
+            <a:endParaRPr lang="pt-BR"/>
+          </a:p>
+        </p:txBody>
+      </p:sp>
     </p:spTree>
     <p:extLst>
       <p:ext uri="{BB962C8B-B14F-4D97-AF65-F5344CB8AC3E}">
@@ -7047,6 +7252,29 @@
           </a:prstGeom>
         </p:spPr>
       </p:pic>
+      <p:sp>
+        <p:nvSpPr>
+          <p:cNvPr id="5" name="Espaço Reservado para Número de Slide 4"/>
+          <p:cNvSpPr>
+            <a:spLocks noGrp="1"/>
+          </p:cNvSpPr>
+          <p:nvPr>
+            <p:ph type="sldNum" sz="quarter" idx="12"/>
+          </p:nvPr>
+        </p:nvSpPr>
+        <p:spPr/>
+        <p:txBody>
+          <a:bodyPr/>
+          <a:lstStyle/>
+          <a:p>
+            <a:fld id="{FF627D9A-0869-49C4-A54A-6A487E4C7A2A}" type="slidenum">
+              <a:rPr lang="pt-BR" smtClean="0"/>
+              <a:t>12</a:t>
+            </a:fld>
+            <a:endParaRPr lang="pt-BR"/>
+          </a:p>
+        </p:txBody>
+      </p:sp>
     </p:spTree>
     <p:extLst>
       <p:ext uri="{BB962C8B-B14F-4D97-AF65-F5344CB8AC3E}">
@@ -7172,6 +7400,29 @@
           </a:prstGeom>
         </p:spPr>
       </p:pic>
+      <p:sp>
+        <p:nvSpPr>
+          <p:cNvPr id="5" name="Espaço Reservado para Número de Slide 4"/>
+          <p:cNvSpPr>
+            <a:spLocks noGrp="1"/>
+          </p:cNvSpPr>
+          <p:nvPr>
+            <p:ph type="sldNum" sz="quarter" idx="12"/>
+          </p:nvPr>
+        </p:nvSpPr>
+        <p:spPr/>
+        <p:txBody>
+          <a:bodyPr/>
+          <a:lstStyle/>
+          <a:p>
+            <a:fld id="{FF627D9A-0869-49C4-A54A-6A487E4C7A2A}" type="slidenum">
+              <a:rPr lang="pt-BR" smtClean="0"/>
+              <a:t>2</a:t>
+            </a:fld>
+            <a:endParaRPr lang="pt-BR"/>
+          </a:p>
+        </p:txBody>
+      </p:sp>
     </p:spTree>
     <p:extLst>
       <p:ext uri="{BB962C8B-B14F-4D97-AF65-F5344CB8AC3E}">
@@ -7308,6 +7559,29 @@
           </a:prstGeom>
         </p:spPr>
       </p:pic>
+      <p:sp>
+        <p:nvSpPr>
+          <p:cNvPr id="5" name="Espaço Reservado para Número de Slide 4"/>
+          <p:cNvSpPr>
+            <a:spLocks noGrp="1"/>
+          </p:cNvSpPr>
+          <p:nvPr>
+            <p:ph type="sldNum" sz="quarter" idx="12"/>
+          </p:nvPr>
+        </p:nvSpPr>
+        <p:spPr/>
+        <p:txBody>
+          <a:bodyPr/>
+          <a:lstStyle/>
+          <a:p>
+            <a:fld id="{FF627D9A-0869-49C4-A54A-6A487E4C7A2A}" type="slidenum">
+              <a:rPr lang="pt-BR" smtClean="0"/>
+              <a:t>3</a:t>
+            </a:fld>
+            <a:endParaRPr lang="pt-BR"/>
+          </a:p>
+        </p:txBody>
+      </p:sp>
     </p:spTree>
     <p:extLst>
       <p:ext uri="{BB962C8B-B14F-4D97-AF65-F5344CB8AC3E}">
@@ -7459,6 +7733,29 @@
           </a:prstGeom>
         </p:spPr>
       </p:pic>
+      <p:sp>
+        <p:nvSpPr>
+          <p:cNvPr id="5" name="Espaço Reservado para Número de Slide 4"/>
+          <p:cNvSpPr>
+            <a:spLocks noGrp="1"/>
+          </p:cNvSpPr>
+          <p:nvPr>
+            <p:ph type="sldNum" sz="quarter" idx="12"/>
+          </p:nvPr>
+        </p:nvSpPr>
+        <p:spPr/>
+        <p:txBody>
+          <a:bodyPr/>
+          <a:lstStyle/>
+          <a:p>
+            <a:fld id="{FF627D9A-0869-49C4-A54A-6A487E4C7A2A}" type="slidenum">
+              <a:rPr lang="pt-BR" smtClean="0"/>
+              <a:t>4</a:t>
+            </a:fld>
+            <a:endParaRPr lang="pt-BR"/>
+          </a:p>
+        </p:txBody>
+      </p:sp>
     </p:spTree>
     <p:extLst>
       <p:ext uri="{BB962C8B-B14F-4D97-AF65-F5344CB8AC3E}">
@@ -7632,6 +7929,29 @@
           </a:prstGeom>
         </p:spPr>
       </p:pic>
+      <p:sp>
+        <p:nvSpPr>
+          <p:cNvPr id="5" name="Espaço Reservado para Número de Slide 4"/>
+          <p:cNvSpPr>
+            <a:spLocks noGrp="1"/>
+          </p:cNvSpPr>
+          <p:nvPr>
+            <p:ph type="sldNum" sz="quarter" idx="12"/>
+          </p:nvPr>
+        </p:nvSpPr>
+        <p:spPr/>
+        <p:txBody>
+          <a:bodyPr/>
+          <a:lstStyle/>
+          <a:p>
+            <a:fld id="{FF627D9A-0869-49C4-A54A-6A487E4C7A2A}" type="slidenum">
+              <a:rPr lang="pt-BR" smtClean="0"/>
+              <a:t>5</a:t>
+            </a:fld>
+            <a:endParaRPr lang="pt-BR"/>
+          </a:p>
+        </p:txBody>
+      </p:sp>
     </p:spTree>
     <p:extLst>
       <p:ext uri="{BB962C8B-B14F-4D97-AF65-F5344CB8AC3E}">
@@ -7783,6 +8103,29 @@
           </a:prstGeom>
         </p:spPr>
       </p:pic>
+      <p:sp>
+        <p:nvSpPr>
+          <p:cNvPr id="6" name="Espaço Reservado para Número de Slide 5"/>
+          <p:cNvSpPr>
+            <a:spLocks noGrp="1"/>
+          </p:cNvSpPr>
+          <p:nvPr>
+            <p:ph type="sldNum" sz="quarter" idx="12"/>
+          </p:nvPr>
+        </p:nvSpPr>
+        <p:spPr/>
+        <p:txBody>
+          <a:bodyPr/>
+          <a:lstStyle/>
+          <a:p>
+            <a:fld id="{FF627D9A-0869-49C4-A54A-6A487E4C7A2A}" type="slidenum">
+              <a:rPr lang="pt-BR" smtClean="0"/>
+              <a:t>6</a:t>
+            </a:fld>
+            <a:endParaRPr lang="pt-BR"/>
+          </a:p>
+        </p:txBody>
+      </p:sp>
     </p:spTree>
     <p:extLst>
       <p:ext uri="{BB962C8B-B14F-4D97-AF65-F5344CB8AC3E}">
@@ -7926,6 +8269,29 @@
           </a:prstGeom>
         </p:spPr>
       </p:pic>
+      <p:sp>
+        <p:nvSpPr>
+          <p:cNvPr id="5" name="Espaço Reservado para Número de Slide 4"/>
+          <p:cNvSpPr>
+            <a:spLocks noGrp="1"/>
+          </p:cNvSpPr>
+          <p:nvPr>
+            <p:ph type="sldNum" sz="quarter" idx="12"/>
+          </p:nvPr>
+        </p:nvSpPr>
+        <p:spPr/>
+        <p:txBody>
+          <a:bodyPr/>
+          <a:lstStyle/>
+          <a:p>
+            <a:fld id="{FF627D9A-0869-49C4-A54A-6A487E4C7A2A}" type="slidenum">
+              <a:rPr lang="pt-BR" smtClean="0"/>
+              <a:t>7</a:t>
+            </a:fld>
+            <a:endParaRPr lang="pt-BR"/>
+          </a:p>
+        </p:txBody>
+      </p:sp>
     </p:spTree>
     <p:extLst>
       <p:ext uri="{BB962C8B-B14F-4D97-AF65-F5344CB8AC3E}">
@@ -8044,6 +8410,29 @@
           </a:prstGeom>
         </p:spPr>
       </p:pic>
+      <p:sp>
+        <p:nvSpPr>
+          <p:cNvPr id="3" name="Espaço Reservado para Número de Slide 2"/>
+          <p:cNvSpPr>
+            <a:spLocks noGrp="1"/>
+          </p:cNvSpPr>
+          <p:nvPr>
+            <p:ph type="sldNum" sz="quarter" idx="12"/>
+          </p:nvPr>
+        </p:nvSpPr>
+        <p:spPr/>
+        <p:txBody>
+          <a:bodyPr/>
+          <a:lstStyle/>
+          <a:p>
+            <a:fld id="{FF627D9A-0869-49C4-A54A-6A487E4C7A2A}" type="slidenum">
+              <a:rPr lang="pt-BR" smtClean="0"/>
+              <a:t>8</a:t>
+            </a:fld>
+            <a:endParaRPr lang="pt-BR"/>
+          </a:p>
+        </p:txBody>
+      </p:sp>
     </p:spTree>
     <p:extLst>
       <p:ext uri="{BB962C8B-B14F-4D97-AF65-F5344CB8AC3E}">
@@ -8162,6 +8551,29 @@
           </a:prstGeom>
         </p:spPr>
       </p:pic>
+      <p:sp>
+        <p:nvSpPr>
+          <p:cNvPr id="5" name="Espaço Reservado para Número de Slide 4"/>
+          <p:cNvSpPr>
+            <a:spLocks noGrp="1"/>
+          </p:cNvSpPr>
+          <p:nvPr>
+            <p:ph type="sldNum" sz="quarter" idx="12"/>
+          </p:nvPr>
+        </p:nvSpPr>
+        <p:spPr/>
+        <p:txBody>
+          <a:bodyPr/>
+          <a:lstStyle/>
+          <a:p>
+            <a:fld id="{FF627D9A-0869-49C4-A54A-6A487E4C7A2A}" type="slidenum">
+              <a:rPr lang="pt-BR" smtClean="0"/>
+              <a:t>9</a:t>
+            </a:fld>
+            <a:endParaRPr lang="pt-BR"/>
+          </a:p>
+        </p:txBody>
+      </p:sp>
     </p:spTree>
     <p:extLst>
       <p:ext uri="{BB962C8B-B14F-4D97-AF65-F5344CB8AC3E}">

--- a/DocumentoPSIQ/PSIQ.pptx
+++ b/DocumentoPSIQ/PSIQ.pptx
@@ -5,7 +5,7 @@
     <p:sldMasterId id="2147483660" r:id="rId1"/>
   </p:sldMasterIdLst>
   <p:notesMasterIdLst>
-    <p:notesMasterId r:id="rId14"/>
+    <p:notesMasterId r:id="rId16"/>
   </p:notesMasterIdLst>
   <p:sldIdLst>
     <p:sldId id="256" r:id="rId2"/>
@@ -14,12 +14,14 @@
     <p:sldId id="261" r:id="rId5"/>
     <p:sldId id="262" r:id="rId6"/>
     <p:sldId id="270" r:id="rId7"/>
-    <p:sldId id="260" r:id="rId8"/>
-    <p:sldId id="263" r:id="rId9"/>
-    <p:sldId id="264" r:id="rId10"/>
-    <p:sldId id="269" r:id="rId11"/>
-    <p:sldId id="271" r:id="rId12"/>
-    <p:sldId id="267" r:id="rId13"/>
+    <p:sldId id="273" r:id="rId8"/>
+    <p:sldId id="272" r:id="rId9"/>
+    <p:sldId id="260" r:id="rId10"/>
+    <p:sldId id="263" r:id="rId11"/>
+    <p:sldId id="264" r:id="rId12"/>
+    <p:sldId id="269" r:id="rId13"/>
+    <p:sldId id="271" r:id="rId14"/>
+    <p:sldId id="267" r:id="rId15"/>
   </p:sldIdLst>
   <p:sldSz cx="9144000" cy="6858000" type="screen4x3"/>
   <p:notesSz cx="6858000" cy="9144000"/>
@@ -552,7 +554,7 @@
           <a:p>
             <a:fld id="{0B8FA79A-8FA9-4F50-BCC2-1978DD9FDE32}" type="slidenum">
               <a:rPr lang="pt-BR" smtClean="0"/>
-              <a:t>9</a:t>
+              <a:t>11</a:t>
             </a:fld>
             <a:endParaRPr lang="pt-BR"/>
           </a:p>
@@ -636,7 +638,7 @@
           <a:p>
             <a:fld id="{0B8FA79A-8FA9-4F50-BCC2-1978DD9FDE32}" type="slidenum">
               <a:rPr lang="pt-BR" smtClean="0"/>
-              <a:t>10</a:t>
+              <a:t>12</a:t>
             </a:fld>
             <a:endParaRPr lang="pt-BR"/>
           </a:p>
@@ -6773,104 +6775,50 @@
             <p:ph type="title"/>
           </p:nvPr>
         </p:nvSpPr>
-        <p:spPr>
-          <a:xfrm>
-            <a:off x="304799" y="260648"/>
-            <a:ext cx="8534400" cy="1008112"/>
-          </a:xfrm>
-        </p:spPr>
-        <p:txBody>
-          <a:bodyPr>
-            <a:normAutofit fontScale="90000"/>
-          </a:bodyPr>
-          <a:lstStyle/>
-          <a:p>
-            <a:pPr algn="l"/>
-            <a:r>
-              <a:rPr lang="pt-BR" dirty="0"/>
-              <a:t/>
-            </a:r>
-            <a:br>
-              <a:rPr lang="pt-BR" dirty="0"/>
-            </a:br>
+        <p:spPr/>
+        <p:txBody>
+          <a:bodyPr/>
+          <a:lstStyle/>
+          <a:p>
             <a:r>
               <a:rPr lang="pt-BR" dirty="0" smtClean="0"/>
-              <a:t/>
-            </a:r>
-            <a:br>
-              <a:rPr lang="pt-BR" dirty="0" smtClean="0"/>
-            </a:br>
-            <a:r>
-              <a:rPr lang="pt-BR" dirty="0"/>
-              <a:t/>
-            </a:r>
-            <a:br>
-              <a:rPr lang="pt-BR" dirty="0"/>
-            </a:br>
-            <a:r>
-              <a:rPr lang="pt-BR" dirty="0" smtClean="0"/>
-              <a:t/>
-            </a:r>
-            <a:br>
-              <a:rPr lang="pt-BR" dirty="0" smtClean="0"/>
-            </a:br>
-            <a:r>
-              <a:rPr lang="pt-BR" dirty="0"/>
-              <a:t/>
-            </a:r>
-            <a:br>
-              <a:rPr lang="pt-BR" dirty="0"/>
-            </a:br>
-            <a:r>
-              <a:rPr lang="pt-BR" dirty="0" smtClean="0"/>
-              <a:t>DIAGRAMA </a:t>
-            </a:r>
-            <a:r>
-              <a:rPr lang="pt-BR" dirty="0"/>
-              <a:t>DE </a:t>
-            </a:r>
-            <a:r>
-              <a:rPr lang="pt-BR" dirty="0" smtClean="0"/>
-              <a:t>ENTIDADE E RELACIONAMENTO:</a:t>
-            </a:r>
-            <a:endParaRPr lang="pt-BR" dirty="0"/>
-          </a:p>
-        </p:txBody>
-      </p:sp>
-      <p:sp>
-        <p:nvSpPr>
-          <p:cNvPr id="3" name="Espaço Reservado para Conteúdo 2"/>
-          <p:cNvSpPr>
-            <a:spLocks noGrp="1"/>
-          </p:cNvSpPr>
-          <p:nvPr>
-            <p:ph sz="quarter" idx="1"/>
-          </p:nvPr>
-        </p:nvSpPr>
-        <p:spPr/>
-        <p:txBody>
-          <a:bodyPr/>
-          <a:lstStyle/>
-          <a:p>
-            <a:pPr marL="0" indent="0">
-              <a:buNone/>
-            </a:pPr>
-            <a:endParaRPr lang="pt-BR" dirty="0" smtClean="0"/>
-          </a:p>
-          <a:p>
-            <a:endParaRPr lang="pt-BR" dirty="0"/>
-          </a:p>
-          <a:p>
-            <a:pPr marL="0" indent="0">
-              <a:buNone/>
-            </a:pPr>
+              <a:t>DIAGRAMA DE CASO DE USO:</a:t>
+            </a:r>
             <a:endParaRPr lang="pt-BR" dirty="0"/>
           </a:p>
         </p:txBody>
       </p:sp>
       <p:pic>
         <p:nvPicPr>
-          <p:cNvPr id="4" name="Imagem 3"/>
+          <p:cNvPr id="4" name="image39.png"/>
+          <p:cNvPicPr>
+            <a:picLocks noGrp="1"/>
+          </p:cNvPicPr>
+          <p:nvPr>
+            <p:ph sz="quarter" idx="1"/>
+          </p:nvPr>
+        </p:nvPicPr>
+        <p:blipFill>
+          <a:blip r:embed="rId2"/>
+          <a:srcRect/>
+          <a:stretch>
+            <a:fillRect/>
+          </a:stretch>
+        </p:blipFill>
+        <p:spPr>
+          <a:xfrm>
+            <a:off x="107505" y="1340768"/>
+            <a:ext cx="9036496" cy="4926161"/>
+          </a:xfrm>
+          <a:prstGeom prst="rect">
+            <a:avLst/>
+          </a:prstGeom>
+          <a:ln/>
+        </p:spPr>
+      </p:pic>
+      <p:pic>
+        <p:nvPicPr>
+          <p:cNvPr id="5" name="Imagem 4"/>
           <p:cNvPicPr>
             <a:picLocks noChangeAspect="1"/>
           </p:cNvPicPr>
@@ -6890,47 +6838,17 @@
         </p:blipFill>
         <p:spPr>
           <a:xfrm>
-            <a:off x="7323476" y="260648"/>
-            <a:ext cx="1739184" cy="1499095"/>
+            <a:off x="7631832" y="116632"/>
+            <a:ext cx="1512168" cy="1303418"/>
           </a:xfrm>
           <a:prstGeom prst="rect">
             <a:avLst/>
           </a:prstGeom>
         </p:spPr>
       </p:pic>
-      <p:pic>
-        <p:nvPicPr>
-          <p:cNvPr id="7" name="Imagem 6"/>
-          <p:cNvPicPr>
-            <a:picLocks noChangeAspect="1"/>
-          </p:cNvPicPr>
-          <p:nvPr/>
-        </p:nvPicPr>
-        <p:blipFill>
-          <a:blip r:embed="rId4">
-            <a:extLst>
-              <a:ext uri="{28A0092B-C50C-407E-A947-70E740481C1C}">
-                <a14:useLocalDpi xmlns:a14="http://schemas.microsoft.com/office/drawing/2010/main" val="0"/>
-              </a:ext>
-            </a:extLst>
-          </a:blip>
-          <a:stretch>
-            <a:fillRect/>
-          </a:stretch>
-        </p:blipFill>
-        <p:spPr>
-          <a:xfrm>
-            <a:off x="1785937" y="2243137"/>
-            <a:ext cx="5572125" cy="3058071"/>
-          </a:xfrm>
-          <a:prstGeom prst="rect">
-            <a:avLst/>
-          </a:prstGeom>
-        </p:spPr>
-      </p:pic>
-      <p:sp>
-        <p:nvSpPr>
-          <p:cNvPr id="8" name="Espaço Reservado para Número de Slide 7"/>
+      <p:sp>
+        <p:nvSpPr>
+          <p:cNvPr id="3" name="Espaço Reservado para Número de Slide 2"/>
           <p:cNvSpPr>
             <a:spLocks noGrp="1"/>
           </p:cNvSpPr>
@@ -6954,7 +6872,7 @@
     </p:spTree>
     <p:extLst>
       <p:ext uri="{BB962C8B-B14F-4D97-AF65-F5344CB8AC3E}">
-        <p14:creationId xmlns:p14="http://schemas.microsoft.com/office/powerpoint/2010/main" val="1037366921"/>
+        <p14:creationId xmlns:p14="http://schemas.microsoft.com/office/powerpoint/2010/main" val="1621561085"/>
       </p:ext>
     </p:extLst>
   </p:cSld>
@@ -6988,16 +6906,37 @@
           <a:chExt cx="0" cy="0"/>
         </a:xfrm>
       </p:grpSpPr>
+      <p:sp>
+        <p:nvSpPr>
+          <p:cNvPr id="2" name="Título 1"/>
+          <p:cNvSpPr>
+            <a:spLocks noGrp="1"/>
+          </p:cNvSpPr>
+          <p:nvPr>
+            <p:ph type="title"/>
+          </p:nvPr>
+        </p:nvSpPr>
+        <p:spPr/>
+        <p:txBody>
+          <a:bodyPr/>
+          <a:lstStyle/>
+          <a:p>
+            <a:r>
+              <a:rPr lang="pt-BR" dirty="0" smtClean="0"/>
+              <a:t>DIAGRAMA DE CLASSE:</a:t>
+            </a:r>
+            <a:endParaRPr lang="pt-BR" dirty="0"/>
+          </a:p>
+        </p:txBody>
+      </p:sp>
       <p:pic>
         <p:nvPicPr>
-          <p:cNvPr id="4" name="Imagem 3"/>
-          <p:cNvPicPr>
-            <a:picLocks noChangeAspect="1"/>
-          </p:cNvPicPr>
+          <p:cNvPr id="3" name="Imagem 2"/>
+          <p:cNvPicPr/>
           <p:nvPr/>
         </p:nvPicPr>
         <p:blipFill>
-          <a:blip r:embed="rId2">
+          <a:blip r:embed="rId3">
             <a:extLst>
               <a:ext uri="{28A0092B-C50C-407E-A947-70E740481C1C}">
                 <a14:useLocalDpi xmlns:a14="http://schemas.microsoft.com/office/drawing/2010/main" val="0"/>
@@ -7010,7 +6949,37 @@
         </p:blipFill>
         <p:spPr>
           <a:xfrm>
-            <a:off x="7390510" y="777500"/>
+            <a:off x="323528" y="1488085"/>
+            <a:ext cx="8568952" cy="4677219"/>
+          </a:xfrm>
+          <a:prstGeom prst="rect">
+            <a:avLst/>
+          </a:prstGeom>
+        </p:spPr>
+      </p:pic>
+      <p:pic>
+        <p:nvPicPr>
+          <p:cNvPr id="4" name="Imagem 3"/>
+          <p:cNvPicPr>
+            <a:picLocks noChangeAspect="1"/>
+          </p:cNvPicPr>
+          <p:nvPr/>
+        </p:nvPicPr>
+        <p:blipFill>
+          <a:blip r:embed="rId4">
+            <a:extLst>
+              <a:ext uri="{28A0092B-C50C-407E-A947-70E740481C1C}">
+                <a14:useLocalDpi xmlns:a14="http://schemas.microsoft.com/office/drawing/2010/main" val="0"/>
+              </a:ext>
+            </a:extLst>
+          </a:blip>
+          <a:stretch>
+            <a:fillRect/>
+          </a:stretch>
+        </p:blipFill>
+        <p:spPr>
+          <a:xfrm>
+            <a:off x="7092280" y="263381"/>
             <a:ext cx="1739184" cy="1499095"/>
           </a:xfrm>
           <a:prstGeom prst="rect">
@@ -7018,81 +6987,6 @@
           </a:prstGeom>
         </p:spPr>
       </p:pic>
-      <p:sp>
-        <p:nvSpPr>
-          <p:cNvPr id="2" name="Título 1"/>
-          <p:cNvSpPr>
-            <a:spLocks noGrp="1"/>
-          </p:cNvSpPr>
-          <p:nvPr>
-            <p:ph type="title"/>
-          </p:nvPr>
-        </p:nvSpPr>
-        <p:spPr/>
-        <p:txBody>
-          <a:bodyPr>
-            <a:normAutofit fontScale="90000"/>
-          </a:bodyPr>
-          <a:lstStyle/>
-          <a:p>
-            <a:pPr algn="l"/>
-            <a:r>
-              <a:rPr lang="pt-BR" dirty="0" smtClean="0"/>
-              <a:t>PLANOS FUTUROS DE IMPLEMENTAÇÃO:</a:t>
-            </a:r>
-            <a:endParaRPr lang="pt-BR" dirty="0"/>
-          </a:p>
-        </p:txBody>
-      </p:sp>
-      <p:sp>
-        <p:nvSpPr>
-          <p:cNvPr id="3" name="Espaço Reservado para Conteúdo 2"/>
-          <p:cNvSpPr>
-            <a:spLocks noGrp="1"/>
-          </p:cNvSpPr>
-          <p:nvPr>
-            <p:ph sz="quarter" idx="1"/>
-          </p:nvPr>
-        </p:nvSpPr>
-        <p:spPr/>
-        <p:txBody>
-          <a:bodyPr/>
-          <a:lstStyle/>
-          <a:p>
-            <a:pPr marL="0" indent="0">
-              <a:buNone/>
-            </a:pPr>
-            <a:endParaRPr lang="pt-BR" dirty="0" smtClean="0"/>
-          </a:p>
-          <a:p>
-            <a:r>
-              <a:rPr lang="pt-BR" dirty="0" smtClean="0"/>
-              <a:t>Inclusão de fotos e vídeos no chat;</a:t>
-            </a:r>
-          </a:p>
-          <a:p>
-            <a:r>
-              <a:rPr lang="pt-BR" dirty="0" smtClean="0"/>
-              <a:t>Anotações pessoais terapeuta;</a:t>
-            </a:r>
-          </a:p>
-          <a:p>
-            <a:r>
-              <a:rPr lang="pt-BR" dirty="0" smtClean="0"/>
-              <a:t>Cadastro de remédios no sistema.</a:t>
-            </a:r>
-          </a:p>
-          <a:p>
-            <a:endParaRPr lang="pt-BR" dirty="0"/>
-          </a:p>
-          <a:p>
-            <a:pPr marL="0" indent="0">
-              <a:buNone/>
-            </a:pPr>
-            <a:endParaRPr lang="pt-BR" dirty="0"/>
-          </a:p>
-        </p:txBody>
-      </p:sp>
       <p:sp>
         <p:nvSpPr>
           <p:cNvPr id="5" name="Espaço Reservado para Número de Slide 4"/>
@@ -7119,7 +7013,7 @@
     </p:spTree>
     <p:extLst>
       <p:ext uri="{BB962C8B-B14F-4D97-AF65-F5344CB8AC3E}">
-        <p14:creationId xmlns:p14="http://schemas.microsoft.com/office/powerpoint/2010/main" val="1147144648"/>
+        <p14:creationId xmlns:p14="http://schemas.microsoft.com/office/powerpoint/2010/main" val="3167741729"/>
       </p:ext>
     </p:extLst>
   </p:cSld>
@@ -7163,14 +7057,65 @@
             <p:ph type="title"/>
           </p:nvPr>
         </p:nvSpPr>
-        <p:spPr/>
-        <p:txBody>
-          <a:bodyPr/>
-          <a:lstStyle/>
-          <a:p>
+        <p:spPr>
+          <a:xfrm>
+            <a:off x="304799" y="260648"/>
+            <a:ext cx="8534400" cy="1008112"/>
+          </a:xfrm>
+        </p:spPr>
+        <p:txBody>
+          <a:bodyPr>
+            <a:normAutofit fontScale="90000"/>
+          </a:bodyPr>
+          <a:lstStyle/>
+          <a:p>
+            <a:pPr algn="l"/>
+            <a:r>
+              <a:rPr lang="pt-BR" dirty="0"/>
+              <a:t/>
+            </a:r>
+            <a:br>
+              <a:rPr lang="pt-BR" dirty="0"/>
+            </a:br>
             <a:r>
               <a:rPr lang="pt-BR" dirty="0" smtClean="0"/>
-              <a:t>O SITE:</a:t>
+              <a:t/>
+            </a:r>
+            <a:br>
+              <a:rPr lang="pt-BR" dirty="0" smtClean="0"/>
+            </a:br>
+            <a:r>
+              <a:rPr lang="pt-BR" dirty="0"/>
+              <a:t/>
+            </a:r>
+            <a:br>
+              <a:rPr lang="pt-BR" dirty="0"/>
+            </a:br>
+            <a:r>
+              <a:rPr lang="pt-BR" dirty="0" smtClean="0"/>
+              <a:t/>
+            </a:r>
+            <a:br>
+              <a:rPr lang="pt-BR" dirty="0" smtClean="0"/>
+            </a:br>
+            <a:r>
+              <a:rPr lang="pt-BR" dirty="0"/>
+              <a:t/>
+            </a:r>
+            <a:br>
+              <a:rPr lang="pt-BR" dirty="0"/>
+            </a:br>
+            <a:r>
+              <a:rPr lang="pt-BR" dirty="0" smtClean="0"/>
+              <a:t>DIAGRAMA </a:t>
+            </a:r>
+            <a:r>
+              <a:rPr lang="pt-BR" dirty="0"/>
+              <a:t>DE </a:t>
+            </a:r>
+            <a:r>
+              <a:rPr lang="pt-BR" dirty="0" smtClean="0"/>
+              <a:t>ENTIDADE E RELACIONAMENTO:</a:t>
             </a:r>
             <a:endParaRPr lang="pt-BR" dirty="0"/>
           </a:p>
@@ -7194,21 +7139,6 @@
             <a:pPr marL="0" indent="0">
               <a:buNone/>
             </a:pPr>
-            <a:endParaRPr lang="pt-BR" dirty="0" smtClean="0"/>
-          </a:p>
-          <a:p>
-            <a:r>
-              <a:rPr lang="pt-BR" dirty="0">
-                <a:hlinkClick r:id="rId2"/>
-              </a:rPr>
-              <a:t>http://</a:t>
-            </a:r>
-            <a:r>
-              <a:rPr lang="pt-BR" dirty="0" smtClean="0">
-                <a:hlinkClick r:id="rId2"/>
-              </a:rPr>
-              <a:t>psiqweb.azurewebsites.net/</a:t>
-            </a:r>
             <a:endParaRPr lang="pt-BR" dirty="0" smtClean="0"/>
           </a:p>
           <a:p>
@@ -7244,7 +7174,7 @@
         </p:blipFill>
         <p:spPr>
           <a:xfrm>
-            <a:off x="7092280" y="263381"/>
+            <a:off x="7323476" y="260648"/>
             <a:ext cx="1739184" cy="1499095"/>
           </a:xfrm>
           <a:prstGeom prst="rect">
@@ -7252,9 +7182,39 @@
           </a:prstGeom>
         </p:spPr>
       </p:pic>
-      <p:sp>
-        <p:nvSpPr>
-          <p:cNvPr id="5" name="Espaço Reservado para Número de Slide 4"/>
+      <p:pic>
+        <p:nvPicPr>
+          <p:cNvPr id="7" name="Imagem 6"/>
+          <p:cNvPicPr>
+            <a:picLocks noChangeAspect="1"/>
+          </p:cNvPicPr>
+          <p:nvPr/>
+        </p:nvPicPr>
+        <p:blipFill>
+          <a:blip r:embed="rId4">
+            <a:extLst>
+              <a:ext uri="{28A0092B-C50C-407E-A947-70E740481C1C}">
+                <a14:useLocalDpi xmlns:a14="http://schemas.microsoft.com/office/drawing/2010/main" val="0"/>
+              </a:ext>
+            </a:extLst>
+          </a:blip>
+          <a:stretch>
+            <a:fillRect/>
+          </a:stretch>
+        </p:blipFill>
+        <p:spPr>
+          <a:xfrm>
+            <a:off x="1785937" y="2243137"/>
+            <a:ext cx="5572125" cy="3058071"/>
+          </a:xfrm>
+          <a:prstGeom prst="rect">
+            <a:avLst/>
+          </a:prstGeom>
+        </p:spPr>
+      </p:pic>
+      <p:sp>
+        <p:nvSpPr>
+          <p:cNvPr id="8" name="Espaço Reservado para Número de Slide 7"/>
           <p:cNvSpPr>
             <a:spLocks noGrp="1"/>
           </p:cNvSpPr>
@@ -7270,6 +7230,333 @@
             <a:fld id="{FF627D9A-0869-49C4-A54A-6A487E4C7A2A}" type="slidenum">
               <a:rPr lang="pt-BR" smtClean="0"/>
               <a:t>12</a:t>
+            </a:fld>
+            <a:endParaRPr lang="pt-BR"/>
+          </a:p>
+        </p:txBody>
+      </p:sp>
+    </p:spTree>
+    <p:extLst>
+      <p:ext uri="{BB962C8B-B14F-4D97-AF65-F5344CB8AC3E}">
+        <p14:creationId xmlns:p14="http://schemas.microsoft.com/office/powerpoint/2010/main" val="1037366921"/>
+      </p:ext>
+    </p:extLst>
+  </p:cSld>
+  <p:clrMapOvr>
+    <a:masterClrMapping/>
+  </p:clrMapOvr>
+  <p:timing>
+    <p:tnLst>
+      <p:par>
+        <p:cTn id="1" dur="indefinite" restart="never" nodeType="tmRoot"/>
+      </p:par>
+    </p:tnLst>
+  </p:timing>
+</p:sld>
+</file>
+
+<file path=ppt/slides/slide13.xml><?xml version="1.0" encoding="utf-8"?>
+<p:sld xmlns:a="http://schemas.openxmlformats.org/drawingml/2006/main" xmlns:r="http://schemas.openxmlformats.org/officeDocument/2006/relationships" xmlns:p="http://schemas.openxmlformats.org/presentationml/2006/main">
+  <p:cSld>
+    <p:spTree>
+      <p:nvGrpSpPr>
+        <p:cNvPr id="1" name=""/>
+        <p:cNvGrpSpPr/>
+        <p:nvPr/>
+      </p:nvGrpSpPr>
+      <p:grpSpPr>
+        <a:xfrm>
+          <a:off x="0" y="0"/>
+          <a:ext cx="0" cy="0"/>
+          <a:chOff x="0" y="0"/>
+          <a:chExt cx="0" cy="0"/>
+        </a:xfrm>
+      </p:grpSpPr>
+      <p:pic>
+        <p:nvPicPr>
+          <p:cNvPr id="4" name="Imagem 3"/>
+          <p:cNvPicPr>
+            <a:picLocks noChangeAspect="1"/>
+          </p:cNvPicPr>
+          <p:nvPr/>
+        </p:nvPicPr>
+        <p:blipFill>
+          <a:blip r:embed="rId2">
+            <a:extLst>
+              <a:ext uri="{28A0092B-C50C-407E-A947-70E740481C1C}">
+                <a14:useLocalDpi xmlns:a14="http://schemas.microsoft.com/office/drawing/2010/main" val="0"/>
+              </a:ext>
+            </a:extLst>
+          </a:blip>
+          <a:stretch>
+            <a:fillRect/>
+          </a:stretch>
+        </p:blipFill>
+        <p:spPr>
+          <a:xfrm>
+            <a:off x="7390510" y="777500"/>
+            <a:ext cx="1739184" cy="1499095"/>
+          </a:xfrm>
+          <a:prstGeom prst="rect">
+            <a:avLst/>
+          </a:prstGeom>
+        </p:spPr>
+      </p:pic>
+      <p:sp>
+        <p:nvSpPr>
+          <p:cNvPr id="2" name="Título 1"/>
+          <p:cNvSpPr>
+            <a:spLocks noGrp="1"/>
+          </p:cNvSpPr>
+          <p:nvPr>
+            <p:ph type="title"/>
+          </p:nvPr>
+        </p:nvSpPr>
+        <p:spPr/>
+        <p:txBody>
+          <a:bodyPr>
+            <a:normAutofit fontScale="90000"/>
+          </a:bodyPr>
+          <a:lstStyle/>
+          <a:p>
+            <a:pPr algn="l"/>
+            <a:r>
+              <a:rPr lang="pt-BR" dirty="0" smtClean="0"/>
+              <a:t>PLANOS FUTUROS DE IMPLEMENTAÇÃO:</a:t>
+            </a:r>
+            <a:endParaRPr lang="pt-BR" dirty="0"/>
+          </a:p>
+        </p:txBody>
+      </p:sp>
+      <p:sp>
+        <p:nvSpPr>
+          <p:cNvPr id="3" name="Espaço Reservado para Conteúdo 2"/>
+          <p:cNvSpPr>
+            <a:spLocks noGrp="1"/>
+          </p:cNvSpPr>
+          <p:nvPr>
+            <p:ph sz="quarter" idx="1"/>
+          </p:nvPr>
+        </p:nvSpPr>
+        <p:spPr/>
+        <p:txBody>
+          <a:bodyPr/>
+          <a:lstStyle/>
+          <a:p>
+            <a:pPr marL="0" indent="0">
+              <a:buNone/>
+            </a:pPr>
+            <a:endParaRPr lang="pt-BR" dirty="0" smtClean="0"/>
+          </a:p>
+          <a:p>
+            <a:r>
+              <a:rPr lang="pt-BR" dirty="0" smtClean="0"/>
+              <a:t>Inclusão de fotos e vídeos no chat;</a:t>
+            </a:r>
+          </a:p>
+          <a:p>
+            <a:r>
+              <a:rPr lang="pt-BR" dirty="0" smtClean="0"/>
+              <a:t>Anotações </a:t>
+            </a:r>
+            <a:r>
+              <a:rPr lang="pt-BR" smtClean="0"/>
+              <a:t>pessoais terapeuta</a:t>
+            </a:r>
+            <a:r>
+              <a:rPr lang="pt-BR"/>
+              <a:t>.</a:t>
+            </a:r>
+            <a:endParaRPr lang="pt-BR" dirty="0" smtClean="0"/>
+          </a:p>
+          <a:p>
+            <a:endParaRPr lang="pt-BR" dirty="0"/>
+          </a:p>
+          <a:p>
+            <a:pPr marL="0" indent="0">
+              <a:buNone/>
+            </a:pPr>
+            <a:endParaRPr lang="pt-BR" dirty="0"/>
+          </a:p>
+        </p:txBody>
+      </p:sp>
+      <p:sp>
+        <p:nvSpPr>
+          <p:cNvPr id="5" name="Espaço Reservado para Número de Slide 4"/>
+          <p:cNvSpPr>
+            <a:spLocks noGrp="1"/>
+          </p:cNvSpPr>
+          <p:nvPr>
+            <p:ph type="sldNum" sz="quarter" idx="12"/>
+          </p:nvPr>
+        </p:nvSpPr>
+        <p:spPr/>
+        <p:txBody>
+          <a:bodyPr/>
+          <a:lstStyle/>
+          <a:p>
+            <a:fld id="{FF627D9A-0869-49C4-A54A-6A487E4C7A2A}" type="slidenum">
+              <a:rPr lang="pt-BR" smtClean="0"/>
+              <a:t>13</a:t>
+            </a:fld>
+            <a:endParaRPr lang="pt-BR"/>
+          </a:p>
+        </p:txBody>
+      </p:sp>
+    </p:spTree>
+    <p:extLst>
+      <p:ext uri="{BB962C8B-B14F-4D97-AF65-F5344CB8AC3E}">
+        <p14:creationId xmlns:p14="http://schemas.microsoft.com/office/powerpoint/2010/main" val="1147144648"/>
+      </p:ext>
+    </p:extLst>
+  </p:cSld>
+  <p:clrMapOvr>
+    <a:masterClrMapping/>
+  </p:clrMapOvr>
+  <p:timing>
+    <p:tnLst>
+      <p:par>
+        <p:cTn id="1" dur="indefinite" restart="never" nodeType="tmRoot"/>
+      </p:par>
+    </p:tnLst>
+  </p:timing>
+</p:sld>
+</file>
+
+<file path=ppt/slides/slide14.xml><?xml version="1.0" encoding="utf-8"?>
+<p:sld xmlns:a="http://schemas.openxmlformats.org/drawingml/2006/main" xmlns:r="http://schemas.openxmlformats.org/officeDocument/2006/relationships" xmlns:p="http://schemas.openxmlformats.org/presentationml/2006/main">
+  <p:cSld>
+    <p:spTree>
+      <p:nvGrpSpPr>
+        <p:cNvPr id="1" name=""/>
+        <p:cNvGrpSpPr/>
+        <p:nvPr/>
+      </p:nvGrpSpPr>
+      <p:grpSpPr>
+        <a:xfrm>
+          <a:off x="0" y="0"/>
+          <a:ext cx="0" cy="0"/>
+          <a:chOff x="0" y="0"/>
+          <a:chExt cx="0" cy="0"/>
+        </a:xfrm>
+      </p:grpSpPr>
+      <p:sp>
+        <p:nvSpPr>
+          <p:cNvPr id="2" name="Título 1"/>
+          <p:cNvSpPr>
+            <a:spLocks noGrp="1"/>
+          </p:cNvSpPr>
+          <p:nvPr>
+            <p:ph type="title"/>
+          </p:nvPr>
+        </p:nvSpPr>
+        <p:spPr/>
+        <p:txBody>
+          <a:bodyPr/>
+          <a:lstStyle/>
+          <a:p>
+            <a:r>
+              <a:rPr lang="pt-BR" dirty="0" smtClean="0"/>
+              <a:t>O SITE:</a:t>
+            </a:r>
+            <a:endParaRPr lang="pt-BR" dirty="0"/>
+          </a:p>
+        </p:txBody>
+      </p:sp>
+      <p:sp>
+        <p:nvSpPr>
+          <p:cNvPr id="3" name="Espaço Reservado para Conteúdo 2"/>
+          <p:cNvSpPr>
+            <a:spLocks noGrp="1"/>
+          </p:cNvSpPr>
+          <p:nvPr>
+            <p:ph sz="quarter" idx="1"/>
+          </p:nvPr>
+        </p:nvSpPr>
+        <p:spPr/>
+        <p:txBody>
+          <a:bodyPr/>
+          <a:lstStyle/>
+          <a:p>
+            <a:pPr marL="0" indent="0">
+              <a:buNone/>
+            </a:pPr>
+            <a:endParaRPr lang="pt-BR" dirty="0" smtClean="0"/>
+          </a:p>
+          <a:p>
+            <a:r>
+              <a:rPr lang="pt-BR" dirty="0">
+                <a:hlinkClick r:id="rId2"/>
+              </a:rPr>
+              <a:t>http://</a:t>
+            </a:r>
+            <a:r>
+              <a:rPr lang="pt-BR" dirty="0" smtClean="0">
+                <a:hlinkClick r:id="rId2"/>
+              </a:rPr>
+              <a:t>psiqweb.azurewebsites.net/</a:t>
+            </a:r>
+            <a:endParaRPr lang="pt-BR" dirty="0" smtClean="0"/>
+          </a:p>
+          <a:p>
+            <a:endParaRPr lang="pt-BR" dirty="0"/>
+          </a:p>
+          <a:p>
+            <a:pPr marL="0" indent="0">
+              <a:buNone/>
+            </a:pPr>
+            <a:endParaRPr lang="pt-BR" dirty="0"/>
+          </a:p>
+        </p:txBody>
+      </p:sp>
+      <p:pic>
+        <p:nvPicPr>
+          <p:cNvPr id="4" name="Imagem 3"/>
+          <p:cNvPicPr>
+            <a:picLocks noChangeAspect="1"/>
+          </p:cNvPicPr>
+          <p:nvPr/>
+        </p:nvPicPr>
+        <p:blipFill>
+          <a:blip r:embed="rId3">
+            <a:extLst>
+              <a:ext uri="{28A0092B-C50C-407E-A947-70E740481C1C}">
+                <a14:useLocalDpi xmlns:a14="http://schemas.microsoft.com/office/drawing/2010/main" val="0"/>
+              </a:ext>
+            </a:extLst>
+          </a:blip>
+          <a:stretch>
+            <a:fillRect/>
+          </a:stretch>
+        </p:blipFill>
+        <p:spPr>
+          <a:xfrm>
+            <a:off x="7092280" y="263381"/>
+            <a:ext cx="1739184" cy="1499095"/>
+          </a:xfrm>
+          <a:prstGeom prst="rect">
+            <a:avLst/>
+          </a:prstGeom>
+        </p:spPr>
+      </p:pic>
+      <p:sp>
+        <p:nvSpPr>
+          <p:cNvPr id="5" name="Espaço Reservado para Número de Slide 4"/>
+          <p:cNvSpPr>
+            <a:spLocks noGrp="1"/>
+          </p:cNvSpPr>
+          <p:nvPr>
+            <p:ph type="sldNum" sz="quarter" idx="12"/>
+          </p:nvPr>
+        </p:nvSpPr>
+        <p:spPr/>
+        <p:txBody>
+          <a:bodyPr/>
+          <a:lstStyle/>
+          <a:p>
+            <a:fld id="{FF627D9A-0869-49C4-A54A-6A487E4C7A2A}" type="slidenum">
+              <a:rPr lang="pt-BR" smtClean="0"/>
+              <a:t>14</a:t>
             </a:fld>
             <a:endParaRPr lang="pt-BR"/>
           </a:p>
@@ -8173,69 +8460,22 @@
             <p:ph type="title"/>
           </p:nvPr>
         </p:nvSpPr>
-        <p:spPr/>
+        <p:spPr>
+          <a:xfrm>
+            <a:off x="251520" y="228600"/>
+            <a:ext cx="8534400" cy="758952"/>
+          </a:xfrm>
+        </p:spPr>
         <p:txBody>
           <a:bodyPr/>
           <a:lstStyle/>
           <a:p>
+            <a:pPr algn="l"/>
             <a:r>
               <a:rPr lang="pt-BR" dirty="0" smtClean="0"/>
-              <a:t>REQUISITOS FUNCIONAIS</a:t>
+              <a:t>CANVAS:</a:t>
             </a:r>
             <a:endParaRPr lang="pt-BR" dirty="0"/>
-          </a:p>
-        </p:txBody>
-      </p:sp>
-      <p:sp>
-        <p:nvSpPr>
-          <p:cNvPr id="3" name="Espaço Reservado para Conteúdo 2"/>
-          <p:cNvSpPr>
-            <a:spLocks noGrp="1"/>
-          </p:cNvSpPr>
-          <p:nvPr>
-            <p:ph sz="quarter" idx="1"/>
-          </p:nvPr>
-        </p:nvSpPr>
-        <p:spPr/>
-        <p:txBody>
-          <a:bodyPr>
-            <a:normAutofit/>
-          </a:bodyPr>
-          <a:lstStyle/>
-          <a:p>
-            <a:pPr algn="just"/>
-            <a:r>
-              <a:rPr lang="pt-BR" sz="3600" dirty="0" smtClean="0"/>
-              <a:t>RF09 Diagnóstico específico </a:t>
-            </a:r>
-            <a:r>
-              <a:rPr lang="pt-BR" sz="3600" dirty="0"/>
-              <a:t>do </a:t>
-            </a:r>
-            <a:r>
-              <a:rPr lang="pt-BR" sz="3600" dirty="0" smtClean="0"/>
-              <a:t>paciente</a:t>
-            </a:r>
-            <a:endParaRPr lang="pt-BR" sz="3600" dirty="0"/>
-          </a:p>
-          <a:p>
-            <a:pPr algn="just"/>
-            <a:r>
-              <a:rPr lang="pt-BR" sz="3600" dirty="0"/>
-              <a:t>RF06 Pré cadastrar </a:t>
-            </a:r>
-            <a:r>
-              <a:rPr lang="pt-BR" sz="3600" dirty="0" smtClean="0"/>
-              <a:t>pacientes</a:t>
-            </a:r>
-          </a:p>
-          <a:p>
-            <a:pPr algn="just"/>
-            <a:r>
-              <a:rPr lang="pt-BR" sz="3600" dirty="0"/>
-              <a:t>RF08 Acesso ao chat - RF14 Chat</a:t>
-            </a:r>
-            <a:endParaRPr lang="pt-BR" sz="3600" dirty="0" smtClean="0"/>
           </a:p>
         </p:txBody>
       </p:sp>
@@ -8292,10 +8532,39 @@
           </a:p>
         </p:txBody>
       </p:sp>
+      <p:pic>
+        <p:nvPicPr>
+          <p:cNvPr id="8" name="Espaço Reservado para Conteúdo 7"/>
+          <p:cNvPicPr>
+            <a:picLocks noGrp="1" noChangeAspect="1"/>
+          </p:cNvPicPr>
+          <p:nvPr>
+            <p:ph sz="quarter" idx="1"/>
+          </p:nvPr>
+        </p:nvPicPr>
+        <p:blipFill>
+          <a:blip r:embed="rId3">
+            <a:extLst>
+              <a:ext uri="{28A0092B-C50C-407E-A947-70E740481C1C}">
+                <a14:useLocalDpi xmlns:a14="http://schemas.microsoft.com/office/drawing/2010/main" val="0"/>
+              </a:ext>
+            </a:extLst>
+          </a:blip>
+          <a:stretch>
+            <a:fillRect/>
+          </a:stretch>
+        </p:blipFill>
+        <p:spPr>
+          <a:xfrm>
+            <a:off x="299024" y="1844824"/>
+            <a:ext cx="8676456" cy="4152900"/>
+          </a:xfrm>
+        </p:spPr>
+      </p:pic>
     </p:spTree>
     <p:extLst>
       <p:ext uri="{BB962C8B-B14F-4D97-AF65-F5344CB8AC3E}">
-        <p14:creationId xmlns:p14="http://schemas.microsoft.com/office/powerpoint/2010/main" val="3227034781"/>
+        <p14:creationId xmlns:p14="http://schemas.microsoft.com/office/powerpoint/2010/main" val="272551630"/>
       </p:ext>
     </p:extLst>
   </p:cSld>
@@ -8339,57 +8608,68 @@
             <p:ph type="title"/>
           </p:nvPr>
         </p:nvSpPr>
+        <p:spPr>
+          <a:xfrm>
+            <a:off x="251520" y="228600"/>
+            <a:ext cx="8534400" cy="758952"/>
+          </a:xfrm>
+        </p:spPr>
+        <p:txBody>
+          <a:bodyPr/>
+          <a:lstStyle/>
+          <a:p>
+            <a:pPr algn="l"/>
+            <a:r>
+              <a:rPr lang="pt-BR" dirty="0" smtClean="0"/>
+              <a:t>ARQUITETURA E METODOLOGIA:</a:t>
+            </a:r>
+            <a:endParaRPr lang="pt-BR" dirty="0"/>
+          </a:p>
+        </p:txBody>
+      </p:sp>
+      <p:sp>
+        <p:nvSpPr>
+          <p:cNvPr id="3" name="Espaço Reservado para Conteúdo 2"/>
+          <p:cNvSpPr>
+            <a:spLocks noGrp="1"/>
+          </p:cNvSpPr>
+          <p:nvPr>
+            <p:ph sz="quarter" idx="1"/>
+          </p:nvPr>
+        </p:nvSpPr>
         <p:spPr/>
         <p:txBody>
-          <a:bodyPr/>
-          <a:lstStyle/>
-          <a:p>
-            <a:r>
-              <a:rPr lang="pt-BR" dirty="0" smtClean="0"/>
-              <a:t>DIAGRAMA DE CASO DE USO:</a:t>
-            </a:r>
-            <a:endParaRPr lang="pt-BR" dirty="0"/>
+          <a:bodyPr>
+            <a:normAutofit/>
+          </a:bodyPr>
+          <a:lstStyle/>
+          <a:p>
+            <a:pPr algn="just"/>
+            <a:r>
+              <a:rPr lang="pt-BR" sz="3600" dirty="0" smtClean="0"/>
+              <a:t>MVC</a:t>
+            </a:r>
+          </a:p>
+          <a:p>
+            <a:pPr algn="just"/>
+            <a:r>
+              <a:rPr lang="pt-BR" sz="3600" dirty="0" smtClean="0"/>
+              <a:t>SCRUM</a:t>
+            </a:r>
+            <a:endParaRPr lang="pt-BR" sz="3600" dirty="0" smtClean="0"/>
           </a:p>
         </p:txBody>
       </p:sp>
       <p:pic>
         <p:nvPicPr>
-          <p:cNvPr id="4" name="image39.png"/>
-          <p:cNvPicPr>
-            <a:picLocks noGrp="1"/>
-          </p:cNvPicPr>
-          <p:nvPr>
-            <p:ph sz="quarter" idx="1"/>
-          </p:nvPr>
-        </p:nvPicPr>
-        <p:blipFill>
-          <a:blip r:embed="rId2"/>
-          <a:srcRect/>
-          <a:stretch>
-            <a:fillRect/>
-          </a:stretch>
-        </p:blipFill>
-        <p:spPr>
-          <a:xfrm>
-            <a:off x="107505" y="1340768"/>
-            <a:ext cx="9036496" cy="4926161"/>
-          </a:xfrm>
-          <a:prstGeom prst="rect">
-            <a:avLst/>
-          </a:prstGeom>
-          <a:ln/>
-        </p:spPr>
-      </p:pic>
-      <p:pic>
-        <p:nvPicPr>
-          <p:cNvPr id="5" name="Imagem 4"/>
+          <p:cNvPr id="4" name="Imagem 3"/>
           <p:cNvPicPr>
             <a:picLocks noChangeAspect="1"/>
           </p:cNvPicPr>
           <p:nvPr/>
         </p:nvPicPr>
         <p:blipFill>
-          <a:blip r:embed="rId3">
+          <a:blip r:embed="rId2">
             <a:extLst>
               <a:ext uri="{28A0092B-C50C-407E-A947-70E740481C1C}">
                 <a14:useLocalDpi xmlns:a14="http://schemas.microsoft.com/office/drawing/2010/main" val="0"/>
@@ -8402,8 +8682,8 @@
         </p:blipFill>
         <p:spPr>
           <a:xfrm>
-            <a:off x="7631832" y="116632"/>
-            <a:ext cx="1512168" cy="1303418"/>
+            <a:off x="7236296" y="228600"/>
+            <a:ext cx="1739184" cy="1499095"/>
           </a:xfrm>
           <a:prstGeom prst="rect">
             <a:avLst/>
@@ -8412,7 +8692,7 @@
       </p:pic>
       <p:sp>
         <p:nvSpPr>
-          <p:cNvPr id="3" name="Espaço Reservado para Número de Slide 2"/>
+          <p:cNvPr id="5" name="Espaço Reservado para Número de Slide 4"/>
           <p:cNvSpPr>
             <a:spLocks noGrp="1"/>
           </p:cNvSpPr>
@@ -8436,7 +8716,7 @@
     </p:spTree>
     <p:extLst>
       <p:ext uri="{BB962C8B-B14F-4D97-AF65-F5344CB8AC3E}">
-        <p14:creationId xmlns:p14="http://schemas.microsoft.com/office/powerpoint/2010/main" val="1621561085"/>
+        <p14:creationId xmlns:p14="http://schemas.microsoft.com/office/powerpoint/2010/main" val="3560308967"/>
       </p:ext>
     </p:extLst>
   </p:cSld>
@@ -8487,20 +8767,75 @@
           <a:p>
             <a:r>
               <a:rPr lang="pt-BR" dirty="0" smtClean="0"/>
-              <a:t>DIAGRAMA DE CLASSE:</a:t>
+              <a:t>REQUISITOS FUNCIONAIS</a:t>
             </a:r>
             <a:endParaRPr lang="pt-BR" dirty="0"/>
+          </a:p>
+        </p:txBody>
+      </p:sp>
+      <p:sp>
+        <p:nvSpPr>
+          <p:cNvPr id="3" name="Espaço Reservado para Conteúdo 2"/>
+          <p:cNvSpPr>
+            <a:spLocks noGrp="1"/>
+          </p:cNvSpPr>
+          <p:nvPr>
+            <p:ph sz="quarter" idx="1"/>
+          </p:nvPr>
+        </p:nvSpPr>
+        <p:spPr/>
+        <p:txBody>
+          <a:bodyPr>
+            <a:normAutofit/>
+          </a:bodyPr>
+          <a:lstStyle/>
+          <a:p>
+            <a:pPr algn="just"/>
+            <a:r>
+              <a:rPr lang="pt-BR" sz="3600" dirty="0" smtClean="0"/>
+              <a:t>RF09 Diagnóstico específico </a:t>
+            </a:r>
+            <a:r>
+              <a:rPr lang="pt-BR" sz="3600" dirty="0"/>
+              <a:t>do </a:t>
+            </a:r>
+            <a:r>
+              <a:rPr lang="pt-BR" sz="3600" dirty="0" smtClean="0"/>
+              <a:t>paciente</a:t>
+            </a:r>
+            <a:endParaRPr lang="pt-BR" sz="3600" dirty="0"/>
+          </a:p>
+          <a:p>
+            <a:pPr algn="just"/>
+            <a:r>
+              <a:rPr lang="pt-BR" sz="3600" dirty="0"/>
+              <a:t>RF06 Pré cadastrar </a:t>
+            </a:r>
+            <a:r>
+              <a:rPr lang="pt-BR" sz="3600" dirty="0" smtClean="0"/>
+              <a:t>pacientes</a:t>
+            </a:r>
+          </a:p>
+          <a:p>
+            <a:pPr algn="just"/>
+            <a:r>
+              <a:rPr lang="pt-BR" sz="3600" dirty="0"/>
+              <a:t>RF08 Acesso ao chat - RF14 Chat</a:t>
+            </a:r>
+            <a:endParaRPr lang="pt-BR" sz="3600" dirty="0" smtClean="0"/>
           </a:p>
         </p:txBody>
       </p:sp>
       <p:pic>
         <p:nvPicPr>
-          <p:cNvPr id="3" name="Imagem 2"/>
-          <p:cNvPicPr/>
+          <p:cNvPr id="4" name="Imagem 3"/>
+          <p:cNvPicPr>
+            <a:picLocks noChangeAspect="1"/>
+          </p:cNvPicPr>
           <p:nvPr/>
         </p:nvPicPr>
         <p:blipFill>
-          <a:blip r:embed="rId3">
+          <a:blip r:embed="rId2">
             <a:extLst>
               <a:ext uri="{28A0092B-C50C-407E-A947-70E740481C1C}">
                 <a14:useLocalDpi xmlns:a14="http://schemas.microsoft.com/office/drawing/2010/main" val="0"/>
@@ -8513,37 +8848,7 @@
         </p:blipFill>
         <p:spPr>
           <a:xfrm>
-            <a:off x="323528" y="1488085"/>
-            <a:ext cx="8568952" cy="4677219"/>
-          </a:xfrm>
-          <a:prstGeom prst="rect">
-            <a:avLst/>
-          </a:prstGeom>
-        </p:spPr>
-      </p:pic>
-      <p:pic>
-        <p:nvPicPr>
-          <p:cNvPr id="4" name="Imagem 3"/>
-          <p:cNvPicPr>
-            <a:picLocks noChangeAspect="1"/>
-          </p:cNvPicPr>
-          <p:nvPr/>
-        </p:nvPicPr>
-        <p:blipFill>
-          <a:blip r:embed="rId4">
-            <a:extLst>
-              <a:ext uri="{28A0092B-C50C-407E-A947-70E740481C1C}">
-                <a14:useLocalDpi xmlns:a14="http://schemas.microsoft.com/office/drawing/2010/main" val="0"/>
-              </a:ext>
-            </a:extLst>
-          </a:blip>
-          <a:stretch>
-            <a:fillRect/>
-          </a:stretch>
-        </p:blipFill>
-        <p:spPr>
-          <a:xfrm>
-            <a:off x="7092280" y="263381"/>
+            <a:off x="7236296" y="228600"/>
             <a:ext cx="1739184" cy="1499095"/>
           </a:xfrm>
           <a:prstGeom prst="rect">
@@ -8577,7 +8882,7 @@
     </p:spTree>
     <p:extLst>
       <p:ext uri="{BB962C8B-B14F-4D97-AF65-F5344CB8AC3E}">
-        <p14:creationId xmlns:p14="http://schemas.microsoft.com/office/powerpoint/2010/main" val="3167741729"/>
+        <p14:creationId xmlns:p14="http://schemas.microsoft.com/office/powerpoint/2010/main" val="3227034781"/>
       </p:ext>
     </p:extLst>
   </p:cSld>
